--- a/Soutenance_Entreprise.pptx
+++ b/Soutenance_Entreprise.pptx
@@ -5,19 +5,19 @@
     <p:sldMasterId id="2147483648" r:id="rId1"/>
   </p:sldMasterIdLst>
   <p:sldIdLst>
-    <p:sldId id="256" r:id="rId7"/>
-    <p:sldId id="257" r:id="rId8"/>
-    <p:sldId id="258" r:id="rId9"/>
-    <p:sldId id="259" r:id="rId10"/>
-    <p:sldId id="260" r:id="rId11"/>
-    <p:sldId id="261" r:id="rId12"/>
-    <p:sldId id="262" r:id="rId13"/>
-    <p:sldId id="263" r:id="rId14"/>
-    <p:sldId id="264" r:id="rId15"/>
-    <p:sldId id="265" r:id="rId16"/>
-    <p:sldId id="266" r:id="rId17"/>
-    <p:sldId id="267" r:id="rId18"/>
-    <p:sldId id="268" r:id="rId19"/>
+    <p:sldId id="256" r:id="rId2"/>
+    <p:sldId id="257" r:id="rId3"/>
+    <p:sldId id="258" r:id="rId4"/>
+    <p:sldId id="259" r:id="rId5"/>
+    <p:sldId id="260" r:id="rId6"/>
+    <p:sldId id="261" r:id="rId7"/>
+    <p:sldId id="262" r:id="rId8"/>
+    <p:sldId id="263" r:id="rId9"/>
+    <p:sldId id="264" r:id="rId10"/>
+    <p:sldId id="265" r:id="rId11"/>
+    <p:sldId id="266" r:id="rId12"/>
+    <p:sldId id="267" r:id="rId13"/>
+    <p:sldId id="268" r:id="rId14"/>
   </p:sldIdLst>
   <p:sldSz cx="9144000" cy="6858000" type="screen4x3"/>
   <p:notesSz cx="6858000" cy="9144000"/>
@@ -116,6 +116,22 @@
       </a:defRPr>
     </a:lvl9pPr>
   </p:defaultTextStyle>
+  <p:extLst>
+    <p:ext uri="{EFAFB233-063F-42B5-8137-9DF3F51BA10A}">
+      <p15:sldGuideLst xmlns:p15="http://schemas.microsoft.com/office/powerpoint/2012/main">
+        <p15:guide id="1" orient="horz" pos="2160">
+          <p15:clr>
+            <a:srgbClr val="A4A3A4"/>
+          </p15:clr>
+        </p15:guide>
+        <p15:guide id="2" pos="2880">
+          <p15:clr>
+            <a:srgbClr val="A4A3A4"/>
+          </p15:clr>
+        </p15:guide>
+      </p15:sldGuideLst>
+    </p:ext>
+  </p:extLst>
 </p:presentation>
 </file>
 
@@ -157,10 +173,9 @@
           <a:lstStyle/>
           <a:p>
             <a:r>
-              <a:rPr lang="en-US" smtClean="0"/>
+              <a:rPr lang="en-US"/>
               <a:t>Click to edit Master title style</a:t>
             </a:r>
-            <a:endParaRPr lang="en-US"/>
           </a:p>
         </p:txBody>
       </p:sp>
@@ -276,10 +291,9 @@
           </a:lstStyle>
           <a:p>
             <a:r>
-              <a:rPr lang="en-US" smtClean="0"/>
+              <a:rPr lang="en-US"/>
               <a:t>Click to edit Master subtitle style</a:t>
             </a:r>
-            <a:endParaRPr lang="en-US"/>
           </a:p>
         </p:txBody>
       </p:sp>
@@ -300,7 +314,7 @@
           <a:p>
             <a:fld id="{5BCAD085-E8A6-8845-BD4E-CB4CCA059FC4}" type="datetimeFigureOut">
               <a:rPr lang="en-US" smtClean="0"/>
-              <a:t>1/27/13</a:t>
+              <a:t>12/5/2023</a:t>
             </a:fld>
             <a:endParaRPr lang="en-US"/>
           </a:p>
@@ -342,7 +356,7 @@
           <a:p>
             <a:fld id="{C1FF6DA9-008F-8B48-92A6-B652298478BF}" type="slidenum">
               <a:rPr lang="en-US" smtClean="0"/>
-              <a:t>‹#›</a:t>
+              <a:t>‹N°›</a:t>
             </a:fld>
             <a:endParaRPr lang="en-US"/>
           </a:p>
@@ -394,10 +408,9 @@
           <a:lstStyle/>
           <a:p>
             <a:r>
-              <a:rPr lang="en-US" smtClean="0"/>
+              <a:rPr lang="en-US"/>
               <a:t>Click to edit Master title style</a:t>
             </a:r>
-            <a:endParaRPr lang="en-US"/>
           </a:p>
         </p:txBody>
       </p:sp>
@@ -418,38 +431,37 @@
           <a:p>
             <a:pPr lvl="0"/>
             <a:r>
-              <a:rPr lang="en-US" smtClean="0"/>
+              <a:rPr lang="en-US"/>
               <a:t>Click to edit Master text styles</a:t>
             </a:r>
           </a:p>
           <a:p>
             <a:pPr lvl="1"/>
             <a:r>
-              <a:rPr lang="en-US" smtClean="0"/>
+              <a:rPr lang="en-US"/>
               <a:t>Second level</a:t>
             </a:r>
           </a:p>
           <a:p>
             <a:pPr lvl="2"/>
             <a:r>
-              <a:rPr lang="en-US" smtClean="0"/>
+              <a:rPr lang="en-US"/>
               <a:t>Third level</a:t>
             </a:r>
           </a:p>
           <a:p>
             <a:pPr lvl="3"/>
             <a:r>
-              <a:rPr lang="en-US" smtClean="0"/>
+              <a:rPr lang="en-US"/>
               <a:t>Fourth level</a:t>
             </a:r>
           </a:p>
           <a:p>
             <a:pPr lvl="4"/>
             <a:r>
-              <a:rPr lang="en-US" smtClean="0"/>
+              <a:rPr lang="en-US"/>
               <a:t>Fifth level</a:t>
             </a:r>
-            <a:endParaRPr lang="en-US"/>
           </a:p>
         </p:txBody>
       </p:sp>
@@ -470,7 +482,7 @@
           <a:p>
             <a:fld id="{5BCAD085-E8A6-8845-BD4E-CB4CCA059FC4}" type="datetimeFigureOut">
               <a:rPr lang="en-US" smtClean="0"/>
-              <a:t>1/27/13</a:t>
+              <a:t>12/5/2023</a:t>
             </a:fld>
             <a:endParaRPr lang="en-US"/>
           </a:p>
@@ -512,7 +524,7 @@
           <a:p>
             <a:fld id="{C1FF6DA9-008F-8B48-92A6-B652298478BF}" type="slidenum">
               <a:rPr lang="en-US" smtClean="0"/>
-              <a:t>‹#›</a:t>
+              <a:t>‹N°›</a:t>
             </a:fld>
             <a:endParaRPr lang="en-US"/>
           </a:p>
@@ -569,10 +581,9 @@
           <a:lstStyle/>
           <a:p>
             <a:r>
-              <a:rPr lang="en-US" smtClean="0"/>
+              <a:rPr lang="en-US"/>
               <a:t>Click to edit Master title style</a:t>
             </a:r>
-            <a:endParaRPr lang="en-US"/>
           </a:p>
         </p:txBody>
       </p:sp>
@@ -598,38 +609,37 @@
           <a:p>
             <a:pPr lvl="0"/>
             <a:r>
-              <a:rPr lang="en-US" smtClean="0"/>
+              <a:rPr lang="en-US"/>
               <a:t>Click to edit Master text styles</a:t>
             </a:r>
           </a:p>
           <a:p>
             <a:pPr lvl="1"/>
             <a:r>
-              <a:rPr lang="en-US" smtClean="0"/>
+              <a:rPr lang="en-US"/>
               <a:t>Second level</a:t>
             </a:r>
           </a:p>
           <a:p>
             <a:pPr lvl="2"/>
             <a:r>
-              <a:rPr lang="en-US" smtClean="0"/>
+              <a:rPr lang="en-US"/>
               <a:t>Third level</a:t>
             </a:r>
           </a:p>
           <a:p>
             <a:pPr lvl="3"/>
             <a:r>
-              <a:rPr lang="en-US" smtClean="0"/>
+              <a:rPr lang="en-US"/>
               <a:t>Fourth level</a:t>
             </a:r>
           </a:p>
           <a:p>
             <a:pPr lvl="4"/>
             <a:r>
-              <a:rPr lang="en-US" smtClean="0"/>
+              <a:rPr lang="en-US"/>
               <a:t>Fifth level</a:t>
             </a:r>
-            <a:endParaRPr lang="en-US"/>
           </a:p>
         </p:txBody>
       </p:sp>
@@ -650,7 +660,7 @@
           <a:p>
             <a:fld id="{5BCAD085-E8A6-8845-BD4E-CB4CCA059FC4}" type="datetimeFigureOut">
               <a:rPr lang="en-US" smtClean="0"/>
-              <a:t>1/27/13</a:t>
+              <a:t>12/5/2023</a:t>
             </a:fld>
             <a:endParaRPr lang="en-US"/>
           </a:p>
@@ -692,7 +702,7 @@
           <a:p>
             <a:fld id="{C1FF6DA9-008F-8B48-92A6-B652298478BF}" type="slidenum">
               <a:rPr lang="en-US" smtClean="0"/>
-              <a:t>‹#›</a:t>
+              <a:t>‹N°›</a:t>
             </a:fld>
             <a:endParaRPr lang="en-US"/>
           </a:p>
@@ -744,10 +754,9 @@
           <a:lstStyle/>
           <a:p>
             <a:r>
-              <a:rPr lang="en-US" smtClean="0"/>
+              <a:rPr lang="en-US"/>
               <a:t>Click to edit Master title style</a:t>
             </a:r>
-            <a:endParaRPr lang="en-US"/>
           </a:p>
         </p:txBody>
       </p:sp>
@@ -768,38 +777,37 @@
           <a:p>
             <a:pPr lvl="0"/>
             <a:r>
-              <a:rPr lang="en-US" smtClean="0"/>
+              <a:rPr lang="en-US"/>
               <a:t>Click to edit Master text styles</a:t>
             </a:r>
           </a:p>
           <a:p>
             <a:pPr lvl="1"/>
             <a:r>
-              <a:rPr lang="en-US" smtClean="0"/>
+              <a:rPr lang="en-US"/>
               <a:t>Second level</a:t>
             </a:r>
           </a:p>
           <a:p>
             <a:pPr lvl="2"/>
             <a:r>
-              <a:rPr lang="en-US" smtClean="0"/>
+              <a:rPr lang="en-US"/>
               <a:t>Third level</a:t>
             </a:r>
           </a:p>
           <a:p>
             <a:pPr lvl="3"/>
             <a:r>
-              <a:rPr lang="en-US" smtClean="0"/>
+              <a:rPr lang="en-US"/>
               <a:t>Fourth level</a:t>
             </a:r>
           </a:p>
           <a:p>
             <a:pPr lvl="4"/>
             <a:r>
-              <a:rPr lang="en-US" smtClean="0"/>
+              <a:rPr lang="en-US"/>
               <a:t>Fifth level</a:t>
             </a:r>
-            <a:endParaRPr lang="en-US"/>
           </a:p>
         </p:txBody>
       </p:sp>
@@ -820,7 +828,7 @@
           <a:p>
             <a:fld id="{5BCAD085-E8A6-8845-BD4E-CB4CCA059FC4}" type="datetimeFigureOut">
               <a:rPr lang="en-US" smtClean="0"/>
-              <a:t>1/27/13</a:t>
+              <a:t>12/5/2023</a:t>
             </a:fld>
             <a:endParaRPr lang="en-US"/>
           </a:p>
@@ -862,7 +870,7 @@
           <a:p>
             <a:fld id="{C1FF6DA9-008F-8B48-92A6-B652298478BF}" type="slidenum">
               <a:rPr lang="en-US" smtClean="0"/>
-              <a:t>‹#›</a:t>
+              <a:t>‹N°›</a:t>
             </a:fld>
             <a:endParaRPr lang="en-US"/>
           </a:p>
@@ -923,10 +931,9 @@
           </a:lstStyle>
           <a:p>
             <a:r>
-              <a:rPr lang="en-US" smtClean="0"/>
+              <a:rPr lang="en-US"/>
               <a:t>Click to edit Master title style</a:t>
             </a:r>
-            <a:endParaRPr lang="en-US"/>
           </a:p>
         </p:txBody>
       </p:sp>
@@ -1043,7 +1050,7 @@
           <a:p>
             <a:pPr lvl="0"/>
             <a:r>
-              <a:rPr lang="en-US" smtClean="0"/>
+              <a:rPr lang="en-US"/>
               <a:t>Click to edit Master text styles</a:t>
             </a:r>
           </a:p>
@@ -1066,7 +1073,7 @@
           <a:p>
             <a:fld id="{5BCAD085-E8A6-8845-BD4E-CB4CCA059FC4}" type="datetimeFigureOut">
               <a:rPr lang="en-US" smtClean="0"/>
-              <a:t>1/27/13</a:t>
+              <a:t>12/5/2023</a:t>
             </a:fld>
             <a:endParaRPr lang="en-US"/>
           </a:p>
@@ -1108,7 +1115,7 @@
           <a:p>
             <a:fld id="{C1FF6DA9-008F-8B48-92A6-B652298478BF}" type="slidenum">
               <a:rPr lang="en-US" smtClean="0"/>
-              <a:t>‹#›</a:t>
+              <a:t>‹N°›</a:t>
             </a:fld>
             <a:endParaRPr lang="en-US"/>
           </a:p>
@@ -1160,10 +1167,9 @@
           <a:lstStyle/>
           <a:p>
             <a:r>
-              <a:rPr lang="en-US" smtClean="0"/>
+              <a:rPr lang="en-US"/>
               <a:t>Click to edit Master title style</a:t>
             </a:r>
-            <a:endParaRPr lang="en-US"/>
           </a:p>
         </p:txBody>
       </p:sp>
@@ -1217,38 +1223,37 @@
           <a:p>
             <a:pPr lvl="0"/>
             <a:r>
-              <a:rPr lang="en-US" smtClean="0"/>
+              <a:rPr lang="en-US"/>
               <a:t>Click to edit Master text styles</a:t>
             </a:r>
           </a:p>
           <a:p>
             <a:pPr lvl="1"/>
             <a:r>
-              <a:rPr lang="en-US" smtClean="0"/>
+              <a:rPr lang="en-US"/>
               <a:t>Second level</a:t>
             </a:r>
           </a:p>
           <a:p>
             <a:pPr lvl="2"/>
             <a:r>
-              <a:rPr lang="en-US" smtClean="0"/>
+              <a:rPr lang="en-US"/>
               <a:t>Third level</a:t>
             </a:r>
           </a:p>
           <a:p>
             <a:pPr lvl="3"/>
             <a:r>
-              <a:rPr lang="en-US" smtClean="0"/>
+              <a:rPr lang="en-US"/>
               <a:t>Fourth level</a:t>
             </a:r>
           </a:p>
           <a:p>
             <a:pPr lvl="4"/>
             <a:r>
-              <a:rPr lang="en-US" smtClean="0"/>
+              <a:rPr lang="en-US"/>
               <a:t>Fifth level</a:t>
             </a:r>
-            <a:endParaRPr lang="en-US"/>
           </a:p>
         </p:txBody>
       </p:sp>
@@ -1302,38 +1307,37 @@
           <a:p>
             <a:pPr lvl="0"/>
             <a:r>
-              <a:rPr lang="en-US" smtClean="0"/>
+              <a:rPr lang="en-US"/>
               <a:t>Click to edit Master text styles</a:t>
             </a:r>
           </a:p>
           <a:p>
             <a:pPr lvl="1"/>
             <a:r>
-              <a:rPr lang="en-US" smtClean="0"/>
+              <a:rPr lang="en-US"/>
               <a:t>Second level</a:t>
             </a:r>
           </a:p>
           <a:p>
             <a:pPr lvl="2"/>
             <a:r>
-              <a:rPr lang="en-US" smtClean="0"/>
+              <a:rPr lang="en-US"/>
               <a:t>Third level</a:t>
             </a:r>
           </a:p>
           <a:p>
             <a:pPr lvl="3"/>
             <a:r>
-              <a:rPr lang="en-US" smtClean="0"/>
+              <a:rPr lang="en-US"/>
               <a:t>Fourth level</a:t>
             </a:r>
           </a:p>
           <a:p>
             <a:pPr lvl="4"/>
             <a:r>
-              <a:rPr lang="en-US" smtClean="0"/>
+              <a:rPr lang="en-US"/>
               <a:t>Fifth level</a:t>
             </a:r>
-            <a:endParaRPr lang="en-US"/>
           </a:p>
         </p:txBody>
       </p:sp>
@@ -1354,7 +1358,7 @@
           <a:p>
             <a:fld id="{5BCAD085-E8A6-8845-BD4E-CB4CCA059FC4}" type="datetimeFigureOut">
               <a:rPr lang="en-US" smtClean="0"/>
-              <a:t>1/27/13</a:t>
+              <a:t>12/5/2023</a:t>
             </a:fld>
             <a:endParaRPr lang="en-US"/>
           </a:p>
@@ -1396,7 +1400,7 @@
           <a:p>
             <a:fld id="{C1FF6DA9-008F-8B48-92A6-B652298478BF}" type="slidenum">
               <a:rPr lang="en-US" smtClean="0"/>
-              <a:t>‹#›</a:t>
+              <a:t>‹N°›</a:t>
             </a:fld>
             <a:endParaRPr lang="en-US"/>
           </a:p>
@@ -1452,10 +1456,9 @@
           </a:lstStyle>
           <a:p>
             <a:r>
-              <a:rPr lang="en-US" smtClean="0"/>
+              <a:rPr lang="en-US"/>
               <a:t>Click to edit Master title style</a:t>
             </a:r>
-            <a:endParaRPr lang="en-US"/>
           </a:p>
         </p:txBody>
       </p:sp>
@@ -1518,7 +1521,7 @@
           <a:p>
             <a:pPr lvl="0"/>
             <a:r>
-              <a:rPr lang="en-US" smtClean="0"/>
+              <a:rPr lang="en-US"/>
               <a:t>Click to edit Master text styles</a:t>
             </a:r>
           </a:p>
@@ -1574,38 +1577,37 @@
           <a:p>
             <a:pPr lvl="0"/>
             <a:r>
-              <a:rPr lang="en-US" smtClean="0"/>
+              <a:rPr lang="en-US"/>
               <a:t>Click to edit Master text styles</a:t>
             </a:r>
           </a:p>
           <a:p>
             <a:pPr lvl="1"/>
             <a:r>
-              <a:rPr lang="en-US" smtClean="0"/>
+              <a:rPr lang="en-US"/>
               <a:t>Second level</a:t>
             </a:r>
           </a:p>
           <a:p>
             <a:pPr lvl="2"/>
             <a:r>
-              <a:rPr lang="en-US" smtClean="0"/>
+              <a:rPr lang="en-US"/>
               <a:t>Third level</a:t>
             </a:r>
           </a:p>
           <a:p>
             <a:pPr lvl="3"/>
             <a:r>
-              <a:rPr lang="en-US" smtClean="0"/>
+              <a:rPr lang="en-US"/>
               <a:t>Fourth level</a:t>
             </a:r>
           </a:p>
           <a:p>
             <a:pPr lvl="4"/>
             <a:r>
-              <a:rPr lang="en-US" smtClean="0"/>
+              <a:rPr lang="en-US"/>
               <a:t>Fifth level</a:t>
             </a:r>
-            <a:endParaRPr lang="en-US"/>
           </a:p>
         </p:txBody>
       </p:sp>
@@ -1668,7 +1670,7 @@
           <a:p>
             <a:pPr lvl="0"/>
             <a:r>
-              <a:rPr lang="en-US" smtClean="0"/>
+              <a:rPr lang="en-US"/>
               <a:t>Click to edit Master text styles</a:t>
             </a:r>
           </a:p>
@@ -1724,38 +1726,37 @@
           <a:p>
             <a:pPr lvl="0"/>
             <a:r>
-              <a:rPr lang="en-US" smtClean="0"/>
+              <a:rPr lang="en-US"/>
               <a:t>Click to edit Master text styles</a:t>
             </a:r>
           </a:p>
           <a:p>
             <a:pPr lvl="1"/>
             <a:r>
-              <a:rPr lang="en-US" smtClean="0"/>
+              <a:rPr lang="en-US"/>
               <a:t>Second level</a:t>
             </a:r>
           </a:p>
           <a:p>
             <a:pPr lvl="2"/>
             <a:r>
-              <a:rPr lang="en-US" smtClean="0"/>
+              <a:rPr lang="en-US"/>
               <a:t>Third level</a:t>
             </a:r>
           </a:p>
           <a:p>
             <a:pPr lvl="3"/>
             <a:r>
-              <a:rPr lang="en-US" smtClean="0"/>
+              <a:rPr lang="en-US"/>
               <a:t>Fourth level</a:t>
             </a:r>
           </a:p>
           <a:p>
             <a:pPr lvl="4"/>
             <a:r>
-              <a:rPr lang="en-US" smtClean="0"/>
+              <a:rPr lang="en-US"/>
               <a:t>Fifth level</a:t>
             </a:r>
-            <a:endParaRPr lang="en-US"/>
           </a:p>
         </p:txBody>
       </p:sp>
@@ -1776,7 +1777,7 @@
           <a:p>
             <a:fld id="{5BCAD085-E8A6-8845-BD4E-CB4CCA059FC4}" type="datetimeFigureOut">
               <a:rPr lang="en-US" smtClean="0"/>
-              <a:t>1/27/13</a:t>
+              <a:t>12/5/2023</a:t>
             </a:fld>
             <a:endParaRPr lang="en-US"/>
           </a:p>
@@ -1818,7 +1819,7 @@
           <a:p>
             <a:fld id="{C1FF6DA9-008F-8B48-92A6-B652298478BF}" type="slidenum">
               <a:rPr lang="en-US" smtClean="0"/>
-              <a:t>‹#›</a:t>
+              <a:t>‹N°›</a:t>
             </a:fld>
             <a:endParaRPr lang="en-US"/>
           </a:p>
@@ -1870,10 +1871,9 @@
           <a:lstStyle/>
           <a:p>
             <a:r>
-              <a:rPr lang="en-US" smtClean="0"/>
+              <a:rPr lang="en-US"/>
               <a:t>Click to edit Master title style</a:t>
             </a:r>
-            <a:endParaRPr lang="en-US"/>
           </a:p>
         </p:txBody>
       </p:sp>
@@ -1894,7 +1894,7 @@
           <a:p>
             <a:fld id="{5BCAD085-E8A6-8845-BD4E-CB4CCA059FC4}" type="datetimeFigureOut">
               <a:rPr lang="en-US" smtClean="0"/>
-              <a:t>1/27/13</a:t>
+              <a:t>12/5/2023</a:t>
             </a:fld>
             <a:endParaRPr lang="en-US"/>
           </a:p>
@@ -1936,7 +1936,7 @@
           <a:p>
             <a:fld id="{C1FF6DA9-008F-8B48-92A6-B652298478BF}" type="slidenum">
               <a:rPr lang="en-US" smtClean="0"/>
-              <a:t>‹#›</a:t>
+              <a:t>‹N°›</a:t>
             </a:fld>
             <a:endParaRPr lang="en-US"/>
           </a:p>
@@ -1989,7 +1989,7 @@
           <a:p>
             <a:fld id="{5BCAD085-E8A6-8845-BD4E-CB4CCA059FC4}" type="datetimeFigureOut">
               <a:rPr lang="en-US" smtClean="0"/>
-              <a:t>1/27/13</a:t>
+              <a:t>12/5/2023</a:t>
             </a:fld>
             <a:endParaRPr lang="en-US"/>
           </a:p>
@@ -2031,7 +2031,7 @@
           <a:p>
             <a:fld id="{C1FF6DA9-008F-8B48-92A6-B652298478BF}" type="slidenum">
               <a:rPr lang="en-US" smtClean="0"/>
-              <a:t>‹#›</a:t>
+              <a:t>‹N°›</a:t>
             </a:fld>
             <a:endParaRPr lang="en-US"/>
           </a:p>
@@ -2092,10 +2092,9 @@
           </a:lstStyle>
           <a:p>
             <a:r>
-              <a:rPr lang="en-US" smtClean="0"/>
+              <a:rPr lang="en-US"/>
               <a:t>Click to edit Master title style</a:t>
             </a:r>
-            <a:endParaRPr lang="en-US"/>
           </a:p>
         </p:txBody>
       </p:sp>
@@ -2149,38 +2148,37 @@
           <a:p>
             <a:pPr lvl="0"/>
             <a:r>
-              <a:rPr lang="en-US" smtClean="0"/>
+              <a:rPr lang="en-US"/>
               <a:t>Click to edit Master text styles</a:t>
             </a:r>
           </a:p>
           <a:p>
             <a:pPr lvl="1"/>
             <a:r>
-              <a:rPr lang="en-US" smtClean="0"/>
+              <a:rPr lang="en-US"/>
               <a:t>Second level</a:t>
             </a:r>
           </a:p>
           <a:p>
             <a:pPr lvl="2"/>
             <a:r>
-              <a:rPr lang="en-US" smtClean="0"/>
+              <a:rPr lang="en-US"/>
               <a:t>Third level</a:t>
             </a:r>
           </a:p>
           <a:p>
             <a:pPr lvl="3"/>
             <a:r>
-              <a:rPr lang="en-US" smtClean="0"/>
+              <a:rPr lang="en-US"/>
               <a:t>Fourth level</a:t>
             </a:r>
           </a:p>
           <a:p>
             <a:pPr lvl="4"/>
             <a:r>
-              <a:rPr lang="en-US" smtClean="0"/>
+              <a:rPr lang="en-US"/>
               <a:t>Fifth level</a:t>
             </a:r>
-            <a:endParaRPr lang="en-US"/>
           </a:p>
         </p:txBody>
       </p:sp>
@@ -2243,7 +2241,7 @@
           <a:p>
             <a:pPr lvl="0"/>
             <a:r>
-              <a:rPr lang="en-US" smtClean="0"/>
+              <a:rPr lang="en-US"/>
               <a:t>Click to edit Master text styles</a:t>
             </a:r>
           </a:p>
@@ -2266,7 +2264,7 @@
           <a:p>
             <a:fld id="{5BCAD085-E8A6-8845-BD4E-CB4CCA059FC4}" type="datetimeFigureOut">
               <a:rPr lang="en-US" smtClean="0"/>
-              <a:t>1/27/13</a:t>
+              <a:t>12/5/2023</a:t>
             </a:fld>
             <a:endParaRPr lang="en-US"/>
           </a:p>
@@ -2308,7 +2306,7 @@
           <a:p>
             <a:fld id="{C1FF6DA9-008F-8B48-92A6-B652298478BF}" type="slidenum">
               <a:rPr lang="en-US" smtClean="0"/>
-              <a:t>‹#›</a:t>
+              <a:t>‹N°›</a:t>
             </a:fld>
             <a:endParaRPr lang="en-US"/>
           </a:p>
@@ -2369,10 +2367,9 @@
           </a:lstStyle>
           <a:p>
             <a:r>
-              <a:rPr lang="en-US" smtClean="0"/>
+              <a:rPr lang="en-US"/>
               <a:t>Click to edit Master title style</a:t>
             </a:r>
-            <a:endParaRPr lang="en-US"/>
           </a:p>
         </p:txBody>
       </p:sp>
@@ -2496,7 +2493,7 @@
           <a:p>
             <a:pPr lvl="0"/>
             <a:r>
-              <a:rPr lang="en-US" smtClean="0"/>
+              <a:rPr lang="en-US"/>
               <a:t>Click to edit Master text styles</a:t>
             </a:r>
           </a:p>
@@ -2519,7 +2516,7 @@
           <a:p>
             <a:fld id="{5BCAD085-E8A6-8845-BD4E-CB4CCA059FC4}" type="datetimeFigureOut">
               <a:rPr lang="en-US" smtClean="0"/>
-              <a:t>1/27/13</a:t>
+              <a:t>12/5/2023</a:t>
             </a:fld>
             <a:endParaRPr lang="en-US"/>
           </a:p>
@@ -2561,7 +2558,7 @@
           <a:p>
             <a:fld id="{C1FF6DA9-008F-8B48-92A6-B652298478BF}" type="slidenum">
               <a:rPr lang="en-US" smtClean="0"/>
-              <a:t>‹#›</a:t>
+              <a:t>‹N°›</a:t>
             </a:fld>
             <a:endParaRPr lang="en-US"/>
           </a:p>
@@ -2628,10 +2625,9 @@
           <a:lstStyle/>
           <a:p>
             <a:r>
-              <a:rPr lang="en-US" smtClean="0"/>
+              <a:rPr lang="en-US"/>
               <a:t>Click to edit Master title style</a:t>
             </a:r>
-            <a:endParaRPr lang="en-US"/>
           </a:p>
         </p:txBody>
       </p:sp>
@@ -2662,38 +2658,37 @@
           <a:p>
             <a:pPr lvl="0"/>
             <a:r>
-              <a:rPr lang="en-US" smtClean="0"/>
+              <a:rPr lang="en-US"/>
               <a:t>Click to edit Master text styles</a:t>
             </a:r>
           </a:p>
           <a:p>
             <a:pPr lvl="1"/>
             <a:r>
-              <a:rPr lang="en-US" smtClean="0"/>
+              <a:rPr lang="en-US"/>
               <a:t>Second level</a:t>
             </a:r>
           </a:p>
           <a:p>
             <a:pPr lvl="2"/>
             <a:r>
-              <a:rPr lang="en-US" smtClean="0"/>
+              <a:rPr lang="en-US"/>
               <a:t>Third level</a:t>
             </a:r>
           </a:p>
           <a:p>
             <a:pPr lvl="3"/>
             <a:r>
-              <a:rPr lang="en-US" smtClean="0"/>
+              <a:rPr lang="en-US"/>
               <a:t>Fourth level</a:t>
             </a:r>
           </a:p>
           <a:p>
             <a:pPr lvl="4"/>
             <a:r>
-              <a:rPr lang="en-US" smtClean="0"/>
+              <a:rPr lang="en-US"/>
               <a:t>Fifth level</a:t>
             </a:r>
-            <a:endParaRPr lang="en-US"/>
           </a:p>
         </p:txBody>
       </p:sp>
@@ -2732,7 +2727,7 @@
           <a:p>
             <a:fld id="{5BCAD085-E8A6-8845-BD4E-CB4CCA059FC4}" type="datetimeFigureOut">
               <a:rPr lang="en-US" smtClean="0"/>
-              <a:t>1/27/13</a:t>
+              <a:t>12/5/2023</a:t>
             </a:fld>
             <a:endParaRPr lang="en-US"/>
           </a:p>
@@ -2810,9 +2805,56 @@
           <a:p>
             <a:fld id="{C1FF6DA9-008F-8B48-92A6-B652298478BF}" type="slidenum">
               <a:rPr lang="en-US" smtClean="0"/>
-              <a:t>‹#›</a:t>
+              <a:t>‹N°›</a:t>
             </a:fld>
             <a:endParaRPr lang="en-US"/>
+          </a:p>
+        </p:txBody>
+      </p:sp>
+      <p:sp>
+        <p:nvSpPr>
+          <p:cNvPr id="8" name="ZoneTexte 7">
+            <a:extLst>
+              <a:ext uri="{FF2B5EF4-FFF2-40B4-BE49-F238E27FC236}">
+                <a16:creationId xmlns:a16="http://schemas.microsoft.com/office/drawing/2014/main" id="{C18AE7FD-6786-0DE3-8042-8C694281BDD3}"/>
+              </a:ext>
+            </a:extLst>
+          </p:cNvPr>
+          <p:cNvSpPr txBox="1"/>
+          <p:nvPr userDrawn="1">
+            <p:extLst>
+              <p:ext uri="{1162E1C5-73C7-4A58-AE30-91384D911F3F}">
+                <p184:classification xmlns:p184="http://schemas.microsoft.com/office/powerpoint/2018/4/main" val="ftr"/>
+              </p:ext>
+            </p:extLst>
+          </p:nvPr>
+        </p:nvSpPr>
+        <p:spPr>
+          <a:xfrm>
+            <a:off x="4244975" y="6705600"/>
+            <a:ext cx="682625" cy="152400"/>
+          </a:xfrm>
+          <a:prstGeom prst="rect">
+            <a:avLst/>
+          </a:prstGeom>
+        </p:spPr>
+        <p:txBody>
+          <a:bodyPr horzOverflow="overflow" lIns="0" tIns="0" rIns="0" bIns="0">
+            <a:spAutoFit/>
+          </a:bodyPr>
+          <a:lstStyle/>
+          <a:p>
+            <a:pPr algn="l"/>
+            <a:r>
+              <a:rPr lang="fr-FR" sz="1000">
+                <a:solidFill>
+                  <a:srgbClr val="000000"/>
+                </a:solidFill>
+                <a:latin typeface="Calibri" panose="020F0502020204030204" pitchFamily="34" charset="0"/>
+                <a:cs typeface="Calibri" panose="020F0502020204030204" pitchFamily="34" charset="0"/>
+              </a:rPr>
+              <a:t>C3 - Sensible</a:t>
+            </a:r>
           </a:p>
         </p:txBody>
       </p:sp>
@@ -3091,7 +3133,7 @@
 </file>
 
 <file path=ppt/slides/slide1.xml><?xml version="1.0" encoding="utf-8"?>
-<p:sld xmlns:a="http://schemas.openxmlformats.org/drawingml/2006/main" xmlns:p="http://schemas.openxmlformats.org/presentationml/2006/main" xmlns:r="http://schemas.openxmlformats.org/officeDocument/2006/relationships">
+<p:sld xmlns:a="http://schemas.openxmlformats.org/drawingml/2006/main" xmlns:r="http://schemas.openxmlformats.org/officeDocument/2006/relationships" xmlns:p="http://schemas.openxmlformats.org/presentationml/2006/main">
   <p:cSld>
     <p:bg>
       <p:bgPr>
@@ -3107,7 +3149,14 @@
         <p:cNvGrpSpPr/>
         <p:nvPr/>
       </p:nvGrpSpPr>
-      <p:grpSpPr/>
+      <p:grpSpPr>
+        <a:xfrm>
+          <a:off x="0" y="0"/>
+          <a:ext cx="0" cy="0"/>
+          <a:chOff x="0" y="0"/>
+          <a:chExt cx="0" cy="0"/>
+        </a:xfrm>
+      </p:grpSpPr>
       <p:sp>
         <p:nvSpPr>
           <p:cNvPr id="2" name="Title 1"/>
@@ -3122,7 +3171,9 @@
         <p:txBody>
           <a:bodyPr/>
           <a:lstStyle/>
-          <a:p/>
+          <a:p>
+            <a:endParaRPr/>
+          </a:p>
         </p:txBody>
       </p:sp>
       <p:pic>
@@ -3263,7 +3314,7 @@
 </file>
 
 <file path=ppt/slides/slide10.xml><?xml version="1.0" encoding="utf-8"?>
-<p:sld xmlns:a="http://schemas.openxmlformats.org/drawingml/2006/main" xmlns:p="http://schemas.openxmlformats.org/presentationml/2006/main" xmlns:r="http://schemas.openxmlformats.org/officeDocument/2006/relationships">
+<p:sld xmlns:a="http://schemas.openxmlformats.org/drawingml/2006/main" xmlns:r="http://schemas.openxmlformats.org/officeDocument/2006/relationships" xmlns:p="http://schemas.openxmlformats.org/presentationml/2006/main">
   <p:cSld>
     <p:bg>
       <p:bgPr>
@@ -3279,7 +3330,14 @@
         <p:cNvGrpSpPr/>
         <p:nvPr/>
       </p:nvGrpSpPr>
-      <p:grpSpPr/>
+      <p:grpSpPr>
+        <a:xfrm>
+          <a:off x="0" y="0"/>
+          <a:ext cx="0" cy="0"/>
+          <a:chOff x="0" y="0"/>
+          <a:chExt cx="0" cy="0"/>
+        </a:xfrm>
+      </p:grpSpPr>
       <p:sp>
         <p:nvSpPr>
           <p:cNvPr id="2" name="Title 1"/>
@@ -3294,7 +3352,9 @@
         <p:txBody>
           <a:bodyPr/>
           <a:lstStyle/>
-          <a:p/>
+          <a:p>
+            <a:endParaRPr/>
+          </a:p>
         </p:txBody>
       </p:sp>
       <p:pic>
@@ -3400,7 +3460,7 @@
 </file>
 
 <file path=ppt/slides/slide11.xml><?xml version="1.0" encoding="utf-8"?>
-<p:sld xmlns:a="http://schemas.openxmlformats.org/drawingml/2006/main" xmlns:p="http://schemas.openxmlformats.org/presentationml/2006/main" xmlns:r="http://schemas.openxmlformats.org/officeDocument/2006/relationships">
+<p:sld xmlns:a="http://schemas.openxmlformats.org/drawingml/2006/main" xmlns:r="http://schemas.openxmlformats.org/officeDocument/2006/relationships" xmlns:p="http://schemas.openxmlformats.org/presentationml/2006/main">
   <p:cSld>
     <p:bg>
       <p:bgPr>
@@ -3416,7 +3476,14 @@
         <p:cNvGrpSpPr/>
         <p:nvPr/>
       </p:nvGrpSpPr>
-      <p:grpSpPr/>
+      <p:grpSpPr>
+        <a:xfrm>
+          <a:off x="0" y="0"/>
+          <a:ext cx="0" cy="0"/>
+          <a:chOff x="0" y="0"/>
+          <a:chExt cx="0" cy="0"/>
+        </a:xfrm>
+      </p:grpSpPr>
       <p:sp>
         <p:nvSpPr>
           <p:cNvPr id="2" name="Title 1"/>
@@ -3431,7 +3498,9 @@
         <p:txBody>
           <a:bodyPr/>
           <a:lstStyle/>
-          <a:p/>
+          <a:p>
+            <a:endParaRPr/>
+          </a:p>
         </p:txBody>
       </p:sp>
       <p:pic>
@@ -3537,7 +3606,7 @@
 </file>
 
 <file path=ppt/slides/slide12.xml><?xml version="1.0" encoding="utf-8"?>
-<p:sld xmlns:a="http://schemas.openxmlformats.org/drawingml/2006/main" xmlns:p="http://schemas.openxmlformats.org/presentationml/2006/main" xmlns:r="http://schemas.openxmlformats.org/officeDocument/2006/relationships">
+<p:sld xmlns:a="http://schemas.openxmlformats.org/drawingml/2006/main" xmlns:r="http://schemas.openxmlformats.org/officeDocument/2006/relationships" xmlns:p="http://schemas.openxmlformats.org/presentationml/2006/main">
   <p:cSld>
     <p:bg>
       <p:bgPr>
@@ -3553,7 +3622,14 @@
         <p:cNvGrpSpPr/>
         <p:nvPr/>
       </p:nvGrpSpPr>
-      <p:grpSpPr/>
+      <p:grpSpPr>
+        <a:xfrm>
+          <a:off x="0" y="0"/>
+          <a:ext cx="0" cy="0"/>
+          <a:chOff x="0" y="0"/>
+          <a:chExt cx="0" cy="0"/>
+        </a:xfrm>
+      </p:grpSpPr>
       <p:sp>
         <p:nvSpPr>
           <p:cNvPr id="2" name="Title 1"/>
@@ -3568,7 +3644,9 @@
         <p:txBody>
           <a:bodyPr/>
           <a:lstStyle/>
-          <a:p/>
+          <a:p>
+            <a:endParaRPr/>
+          </a:p>
         </p:txBody>
       </p:sp>
       <p:pic>
@@ -3674,7 +3752,7 @@
 </file>
 
 <file path=ppt/slides/slide13.xml><?xml version="1.0" encoding="utf-8"?>
-<p:sld xmlns:a="http://schemas.openxmlformats.org/drawingml/2006/main" xmlns:p="http://schemas.openxmlformats.org/presentationml/2006/main" xmlns:r="http://schemas.openxmlformats.org/officeDocument/2006/relationships">
+<p:sld xmlns:a="http://schemas.openxmlformats.org/drawingml/2006/main" xmlns:r="http://schemas.openxmlformats.org/officeDocument/2006/relationships" xmlns:p="http://schemas.openxmlformats.org/presentationml/2006/main">
   <p:cSld>
     <p:bg>
       <p:bgPr>
@@ -3690,7 +3768,14 @@
         <p:cNvGrpSpPr/>
         <p:nvPr/>
       </p:nvGrpSpPr>
-      <p:grpSpPr/>
+      <p:grpSpPr>
+        <a:xfrm>
+          <a:off x="0" y="0"/>
+          <a:ext cx="0" cy="0"/>
+          <a:chOff x="0" y="0"/>
+          <a:chExt cx="0" cy="0"/>
+        </a:xfrm>
+      </p:grpSpPr>
       <p:sp>
         <p:nvSpPr>
           <p:cNvPr id="2" name="Title 1"/>
@@ -3705,7 +3790,9 @@
         <p:txBody>
           <a:bodyPr/>
           <a:lstStyle/>
-          <a:p/>
+          <a:p>
+            <a:endParaRPr/>
+          </a:p>
         </p:txBody>
       </p:sp>
       <p:pic>
@@ -3811,7 +3898,7 @@
 </file>
 
 <file path=ppt/slides/slide2.xml><?xml version="1.0" encoding="utf-8"?>
-<p:sld xmlns:a="http://schemas.openxmlformats.org/drawingml/2006/main" xmlns:p="http://schemas.openxmlformats.org/presentationml/2006/main" xmlns:r="http://schemas.openxmlformats.org/officeDocument/2006/relationships">
+<p:sld xmlns:a="http://schemas.openxmlformats.org/drawingml/2006/main" xmlns:r="http://schemas.openxmlformats.org/officeDocument/2006/relationships" xmlns:p="http://schemas.openxmlformats.org/presentationml/2006/main">
   <p:cSld>
     <p:bg>
       <p:bgPr>
@@ -3827,7 +3914,14 @@
         <p:cNvGrpSpPr/>
         <p:nvPr/>
       </p:nvGrpSpPr>
-      <p:grpSpPr/>
+      <p:grpSpPr>
+        <a:xfrm>
+          <a:off x="0" y="0"/>
+          <a:ext cx="0" cy="0"/>
+          <a:chOff x="0" y="0"/>
+          <a:chExt cx="0" cy="0"/>
+        </a:xfrm>
+      </p:grpSpPr>
       <p:sp>
         <p:nvSpPr>
           <p:cNvPr id="2" name="Title 1"/>
@@ -3842,7 +3936,9 @@
         <p:txBody>
           <a:bodyPr/>
           <a:lstStyle/>
-          <a:p/>
+          <a:p>
+            <a:endParaRPr/>
+          </a:p>
         </p:txBody>
       </p:sp>
       <p:pic>
@@ -3948,7 +4044,7 @@
 </file>
 
 <file path=ppt/slides/slide3.xml><?xml version="1.0" encoding="utf-8"?>
-<p:sld xmlns:a="http://schemas.openxmlformats.org/drawingml/2006/main" xmlns:p="http://schemas.openxmlformats.org/presentationml/2006/main" xmlns:r="http://schemas.openxmlformats.org/officeDocument/2006/relationships">
+<p:sld xmlns:a="http://schemas.openxmlformats.org/drawingml/2006/main" xmlns:r="http://schemas.openxmlformats.org/officeDocument/2006/relationships" xmlns:p="http://schemas.openxmlformats.org/presentationml/2006/main">
   <p:cSld>
     <p:bg>
       <p:bgPr>
@@ -3964,7 +4060,14 @@
         <p:cNvGrpSpPr/>
         <p:nvPr/>
       </p:nvGrpSpPr>
-      <p:grpSpPr/>
+      <p:grpSpPr>
+        <a:xfrm>
+          <a:off x="0" y="0"/>
+          <a:ext cx="0" cy="0"/>
+          <a:chOff x="0" y="0"/>
+          <a:chExt cx="0" cy="0"/>
+        </a:xfrm>
+      </p:grpSpPr>
       <p:sp>
         <p:nvSpPr>
           <p:cNvPr id="2" name="Title 1"/>
@@ -3979,7 +4082,9 @@
         <p:txBody>
           <a:bodyPr/>
           <a:lstStyle/>
-          <a:p/>
+          <a:p>
+            <a:endParaRPr/>
+          </a:p>
         </p:txBody>
       </p:sp>
       <p:pic>
@@ -4085,7 +4190,7 @@
 </file>
 
 <file path=ppt/slides/slide4.xml><?xml version="1.0" encoding="utf-8"?>
-<p:sld xmlns:a="http://schemas.openxmlformats.org/drawingml/2006/main" xmlns:p="http://schemas.openxmlformats.org/presentationml/2006/main" xmlns:r="http://schemas.openxmlformats.org/officeDocument/2006/relationships">
+<p:sld xmlns:a="http://schemas.openxmlformats.org/drawingml/2006/main" xmlns:r="http://schemas.openxmlformats.org/officeDocument/2006/relationships" xmlns:p="http://schemas.openxmlformats.org/presentationml/2006/main">
   <p:cSld>
     <p:bg>
       <p:bgPr>
@@ -4101,7 +4206,14 @@
         <p:cNvGrpSpPr/>
         <p:nvPr/>
       </p:nvGrpSpPr>
-      <p:grpSpPr/>
+      <p:grpSpPr>
+        <a:xfrm>
+          <a:off x="0" y="0"/>
+          <a:ext cx="0" cy="0"/>
+          <a:chOff x="0" y="0"/>
+          <a:chExt cx="0" cy="0"/>
+        </a:xfrm>
+      </p:grpSpPr>
       <p:sp>
         <p:nvSpPr>
           <p:cNvPr id="2" name="Title 1"/>
@@ -4116,7 +4228,9 @@
         <p:txBody>
           <a:bodyPr/>
           <a:lstStyle/>
-          <a:p/>
+          <a:p>
+            <a:endParaRPr/>
+          </a:p>
         </p:txBody>
       </p:sp>
       <p:pic>
@@ -4222,7 +4336,7 @@
 </file>
 
 <file path=ppt/slides/slide5.xml><?xml version="1.0" encoding="utf-8"?>
-<p:sld xmlns:a="http://schemas.openxmlformats.org/drawingml/2006/main" xmlns:p="http://schemas.openxmlformats.org/presentationml/2006/main" xmlns:r="http://schemas.openxmlformats.org/officeDocument/2006/relationships">
+<p:sld xmlns:a="http://schemas.openxmlformats.org/drawingml/2006/main" xmlns:r="http://schemas.openxmlformats.org/officeDocument/2006/relationships" xmlns:p="http://schemas.openxmlformats.org/presentationml/2006/main">
   <p:cSld>
     <p:bg>
       <p:bgPr>
@@ -4238,7 +4352,14 @@
         <p:cNvGrpSpPr/>
         <p:nvPr/>
       </p:nvGrpSpPr>
-      <p:grpSpPr/>
+      <p:grpSpPr>
+        <a:xfrm>
+          <a:off x="0" y="0"/>
+          <a:ext cx="0" cy="0"/>
+          <a:chOff x="0" y="0"/>
+          <a:chExt cx="0" cy="0"/>
+        </a:xfrm>
+      </p:grpSpPr>
       <p:sp>
         <p:nvSpPr>
           <p:cNvPr id="2" name="Title 1"/>
@@ -4253,7 +4374,9 @@
         <p:txBody>
           <a:bodyPr/>
           <a:lstStyle/>
-          <a:p/>
+          <a:p>
+            <a:endParaRPr/>
+          </a:p>
         </p:txBody>
       </p:sp>
       <p:pic>
@@ -4359,7 +4482,7 @@
 </file>
 
 <file path=ppt/slides/slide6.xml><?xml version="1.0" encoding="utf-8"?>
-<p:sld xmlns:a="http://schemas.openxmlformats.org/drawingml/2006/main" xmlns:p="http://schemas.openxmlformats.org/presentationml/2006/main" xmlns:r="http://schemas.openxmlformats.org/officeDocument/2006/relationships">
+<p:sld xmlns:a="http://schemas.openxmlformats.org/drawingml/2006/main" xmlns:r="http://schemas.openxmlformats.org/officeDocument/2006/relationships" xmlns:p="http://schemas.openxmlformats.org/presentationml/2006/main">
   <p:cSld>
     <p:bg>
       <p:bgPr>
@@ -4375,7 +4498,14 @@
         <p:cNvGrpSpPr/>
         <p:nvPr/>
       </p:nvGrpSpPr>
-      <p:grpSpPr/>
+      <p:grpSpPr>
+        <a:xfrm>
+          <a:off x="0" y="0"/>
+          <a:ext cx="0" cy="0"/>
+          <a:chOff x="0" y="0"/>
+          <a:chExt cx="0" cy="0"/>
+        </a:xfrm>
+      </p:grpSpPr>
       <p:sp>
         <p:nvSpPr>
           <p:cNvPr id="2" name="Title 1"/>
@@ -4390,7 +4520,9 @@
         <p:txBody>
           <a:bodyPr/>
           <a:lstStyle/>
-          <a:p/>
+          <a:p>
+            <a:endParaRPr/>
+          </a:p>
         </p:txBody>
       </p:sp>
       <p:pic>
@@ -4496,7 +4628,7 @@
 </file>
 
 <file path=ppt/slides/slide7.xml><?xml version="1.0" encoding="utf-8"?>
-<p:sld xmlns:a="http://schemas.openxmlformats.org/drawingml/2006/main" xmlns:p="http://schemas.openxmlformats.org/presentationml/2006/main" xmlns:r="http://schemas.openxmlformats.org/officeDocument/2006/relationships">
+<p:sld xmlns:a="http://schemas.openxmlformats.org/drawingml/2006/main" xmlns:r="http://schemas.openxmlformats.org/officeDocument/2006/relationships" xmlns:p="http://schemas.openxmlformats.org/presentationml/2006/main">
   <p:cSld>
     <p:bg>
       <p:bgPr>
@@ -4512,7 +4644,14 @@
         <p:cNvGrpSpPr/>
         <p:nvPr/>
       </p:nvGrpSpPr>
-      <p:grpSpPr/>
+      <p:grpSpPr>
+        <a:xfrm>
+          <a:off x="0" y="0"/>
+          <a:ext cx="0" cy="0"/>
+          <a:chOff x="0" y="0"/>
+          <a:chExt cx="0" cy="0"/>
+        </a:xfrm>
+      </p:grpSpPr>
       <p:sp>
         <p:nvSpPr>
           <p:cNvPr id="2" name="Title 1"/>
@@ -4527,7 +4666,9 @@
         <p:txBody>
           <a:bodyPr/>
           <a:lstStyle/>
-          <a:p/>
+          <a:p>
+            <a:endParaRPr/>
+          </a:p>
         </p:txBody>
       </p:sp>
       <p:pic>
@@ -4633,7 +4774,7 @@
 </file>
 
 <file path=ppt/slides/slide8.xml><?xml version="1.0" encoding="utf-8"?>
-<p:sld xmlns:a="http://schemas.openxmlformats.org/drawingml/2006/main" xmlns:p="http://schemas.openxmlformats.org/presentationml/2006/main" xmlns:r="http://schemas.openxmlformats.org/officeDocument/2006/relationships">
+<p:sld xmlns:a="http://schemas.openxmlformats.org/drawingml/2006/main" xmlns:r="http://schemas.openxmlformats.org/officeDocument/2006/relationships" xmlns:p="http://schemas.openxmlformats.org/presentationml/2006/main">
   <p:cSld>
     <p:bg>
       <p:bgPr>
@@ -4649,7 +4790,14 @@
         <p:cNvGrpSpPr/>
         <p:nvPr/>
       </p:nvGrpSpPr>
-      <p:grpSpPr/>
+      <p:grpSpPr>
+        <a:xfrm>
+          <a:off x="0" y="0"/>
+          <a:ext cx="0" cy="0"/>
+          <a:chOff x="0" y="0"/>
+          <a:chExt cx="0" cy="0"/>
+        </a:xfrm>
+      </p:grpSpPr>
       <p:sp>
         <p:nvSpPr>
           <p:cNvPr id="2" name="Title 1"/>
@@ -4664,7 +4812,9 @@
         <p:txBody>
           <a:bodyPr/>
           <a:lstStyle/>
-          <a:p/>
+          <a:p>
+            <a:endParaRPr/>
+          </a:p>
         </p:txBody>
       </p:sp>
       <p:pic>
@@ -4770,7 +4920,7 @@
 </file>
 
 <file path=ppt/slides/slide9.xml><?xml version="1.0" encoding="utf-8"?>
-<p:sld xmlns:a="http://schemas.openxmlformats.org/drawingml/2006/main" xmlns:p="http://schemas.openxmlformats.org/presentationml/2006/main" xmlns:r="http://schemas.openxmlformats.org/officeDocument/2006/relationships">
+<p:sld xmlns:a="http://schemas.openxmlformats.org/drawingml/2006/main" xmlns:r="http://schemas.openxmlformats.org/officeDocument/2006/relationships" xmlns:p="http://schemas.openxmlformats.org/presentationml/2006/main">
   <p:cSld>
     <p:bg>
       <p:bgPr>
@@ -4786,7 +4936,14 @@
         <p:cNvGrpSpPr/>
         <p:nvPr/>
       </p:nvGrpSpPr>
-      <p:grpSpPr/>
+      <p:grpSpPr>
+        <a:xfrm>
+          <a:off x="0" y="0"/>
+          <a:ext cx="0" cy="0"/>
+          <a:chOff x="0" y="0"/>
+          <a:chExt cx="0" cy="0"/>
+        </a:xfrm>
+      </p:grpSpPr>
       <p:sp>
         <p:nvSpPr>
           <p:cNvPr id="2" name="Title 1"/>
@@ -4801,7 +4958,9 @@
         <p:txBody>
           <a:bodyPr/>
           <a:lstStyle/>
-          <a:p/>
+          <a:p>
+            <a:endParaRPr/>
+          </a:p>
         </p:txBody>
       </p:sp>
       <p:pic>

--- a/Soutenance_Entreprise.pptx
+++ b/Soutenance_Entreprise.pptx
@@ -3995,6 +3995,7 @@
               </a:defRPr>
             </a:pPr>
             <a:r>
+              <a:rPr dirty="0"/>
               <a:t>Introduction</a:t>
             </a:r>
           </a:p>

--- a/Soutenance_Entreprise.pptx
+++ b/Soutenance_Entreprise.pptx
@@ -2,7 +2,7 @@
 <file path=ppt/presentation.xml><?xml version="1.0" encoding="utf-8"?>
 <p:presentation xmlns:a="http://schemas.openxmlformats.org/drawingml/2006/main" xmlns:r="http://schemas.openxmlformats.org/officeDocument/2006/relationships" xmlns:p="http://schemas.openxmlformats.org/presentationml/2006/main" saveSubsetFonts="1" autoCompressPictures="0">
   <p:sldMasterIdLst>
-    <p:sldMasterId id="2147483648" r:id="rId1"/>
+    <p:sldMasterId id="2147483696" r:id="rId1"/>
   </p:sldMasterIdLst>
   <p:sldIdLst>
     <p:sldId id="256" r:id="rId2"/>
@@ -10,14 +10,11 @@
     <p:sldId id="258" r:id="rId4"/>
     <p:sldId id="259" r:id="rId5"/>
     <p:sldId id="260" r:id="rId6"/>
-    <p:sldId id="261" r:id="rId7"/>
-    <p:sldId id="262" r:id="rId8"/>
-    <p:sldId id="263" r:id="rId9"/>
-    <p:sldId id="264" r:id="rId10"/>
-    <p:sldId id="265" r:id="rId11"/>
-    <p:sldId id="266" r:id="rId12"/>
-    <p:sldId id="267" r:id="rId13"/>
-    <p:sldId id="268" r:id="rId14"/>
+    <p:sldId id="263" r:id="rId7"/>
+    <p:sldId id="265" r:id="rId8"/>
+    <p:sldId id="266" r:id="rId9"/>
+    <p:sldId id="267" r:id="rId10"/>
+    <p:sldId id="268" r:id="rId11"/>
   </p:sldIdLst>
   <p:sldSz cx="9144000" cy="6858000" type="screen4x3"/>
   <p:notesSz cx="6858000" cy="9144000"/>
@@ -137,7 +134,7 @@
 
 <file path=ppt/slideLayouts/slideLayout1.xml><?xml version="1.0" encoding="utf-8"?>
 <p:sldLayout xmlns:a="http://schemas.openxmlformats.org/drawingml/2006/main" xmlns:r="http://schemas.openxmlformats.org/officeDocument/2006/relationships" xmlns:p="http://schemas.openxmlformats.org/presentationml/2006/main" type="title" preserve="1">
-  <p:cSld name="Title Slide">
+  <p:cSld name="Diapositive de titre">
     <p:spTree>
       <p:nvGrpSpPr>
         <p:cNvPr id="1" name=""/>
@@ -164,18 +161,23 @@
         </p:nvSpPr>
         <p:spPr>
           <a:xfrm>
-            <a:off x="685800" y="2130425"/>
-            <a:ext cx="7772400" cy="1470025"/>
-          </a:xfrm>
-        </p:spPr>
-        <p:txBody>
-          <a:bodyPr/>
-          <a:lstStyle/>
-          <a:p>
-            <a:r>
-              <a:rPr lang="en-US"/>
-              <a:t>Click to edit Master title style</a:t>
-            </a:r>
+            <a:off x="866442" y="1447801"/>
+            <a:ext cx="6620968" cy="3329581"/>
+          </a:xfrm>
+        </p:spPr>
+        <p:txBody>
+          <a:bodyPr anchor="b"/>
+          <a:lstStyle>
+            <a:lvl1pPr>
+              <a:defRPr sz="7200"/>
+            </a:lvl1pPr>
+          </a:lstStyle>
+          <a:p>
+            <a:r>
+              <a:rPr lang="fr-FR"/>
+              <a:t>Modifiez le style du titre</a:t>
+            </a:r>
+            <a:endParaRPr lang="en-US" dirty="0"/>
           </a:p>
         </p:txBody>
       </p:sp>
@@ -191,19 +193,20 @@
         </p:nvSpPr>
         <p:spPr>
           <a:xfrm>
-            <a:off x="1371600" y="3886200"/>
-            <a:ext cx="6400800" cy="1752600"/>
-          </a:xfrm>
-        </p:spPr>
-        <p:txBody>
-          <a:bodyPr/>
+            <a:off x="866442" y="4777380"/>
+            <a:ext cx="6620968" cy="861420"/>
+          </a:xfrm>
+        </p:spPr>
+        <p:txBody>
+          <a:bodyPr anchor="t"/>
           <a:lstStyle>
-            <a:lvl1pPr marL="0" indent="0" algn="ctr">
-              <a:buNone/>
-              <a:defRPr>
+            <a:lvl1pPr marL="0" indent="0" algn="l">
+              <a:buNone/>
+              <a:defRPr cap="all">
                 <a:solidFill>
-                  <a:schemeClr val="tx1">
-                    <a:tint val="75000"/>
+                  <a:schemeClr val="bg2">
+                    <a:lumMod val="40000"/>
+                    <a:lumOff val="60000"/>
                   </a:schemeClr>
                 </a:solidFill>
               </a:defRPr>
@@ -291,9 +294,10 @@
           </a:lstStyle>
           <a:p>
             <a:r>
-              <a:rPr lang="en-US"/>
-              <a:t>Click to edit Master subtitle style</a:t>
-            </a:r>
+              <a:rPr lang="fr-FR"/>
+              <a:t>Modifiez le style des sous-titres du masque</a:t>
+            </a:r>
+            <a:endParaRPr lang="en-US" dirty="0"/>
           </a:p>
         </p:txBody>
       </p:sp>
@@ -314,7 +318,7 @@
           <a:p>
             <a:fld id="{5BCAD085-E8A6-8845-BD4E-CB4CCA059FC4}" type="datetimeFigureOut">
               <a:rPr lang="en-US" smtClean="0"/>
-              <a:t>12/5/2023</a:t>
+              <a:t>12/6/2023</a:t>
             </a:fld>
             <a:endParaRPr lang="en-US"/>
           </a:p>
@@ -365,7 +369,7 @@
     </p:spTree>
     <p:extLst>
       <p:ext uri="{BB962C8B-B14F-4D97-AF65-F5344CB8AC3E}">
-        <p14:creationId xmlns:p14="http://schemas.microsoft.com/office/powerpoint/2010/main" val="3168075583"/>
+        <p14:creationId xmlns:p14="http://schemas.microsoft.com/office/powerpoint/2010/main" val="885073346"/>
       </p:ext>
     </p:extLst>
   </p:cSld>
@@ -376,8 +380,8 @@
 </file>
 
 <file path=ppt/slideLayouts/slideLayout10.xml><?xml version="1.0" encoding="utf-8"?>
-<p:sldLayout xmlns:a="http://schemas.openxmlformats.org/drawingml/2006/main" xmlns:r="http://schemas.openxmlformats.org/officeDocument/2006/relationships" xmlns:p="http://schemas.openxmlformats.org/presentationml/2006/main" type="vertTx" preserve="1">
-  <p:cSld name="Title and Vertical Text">
+<p:sldLayout xmlns:a="http://schemas.openxmlformats.org/drawingml/2006/main" xmlns:r="http://schemas.openxmlformats.org/officeDocument/2006/relationships" xmlns:p="http://schemas.openxmlformats.org/presentationml/2006/main" preserve="1">
+  <p:cSld name="Image panoramique avec légende">
     <p:spTree>
       <p:nvGrpSpPr>
         <p:cNvPr id="1" name=""/>
@@ -402,72 +406,179 @@
             <p:ph type="title"/>
           </p:nvPr>
         </p:nvSpPr>
-        <p:spPr/>
-        <p:txBody>
-          <a:bodyPr/>
-          <a:lstStyle/>
-          <a:p>
-            <a:r>
-              <a:rPr lang="en-US"/>
-              <a:t>Click to edit Master title style</a:t>
-            </a:r>
-          </a:p>
-        </p:txBody>
-      </p:sp>
-      <p:sp>
-        <p:nvSpPr>
-          <p:cNvPr id="3" name="Vertical Text Placeholder 2"/>
-          <p:cNvSpPr>
-            <a:spLocks noGrp="1"/>
-          </p:cNvSpPr>
-          <p:nvPr>
-            <p:ph type="body" orient="vert" idx="1"/>
-          </p:nvPr>
-        </p:nvSpPr>
-        <p:spPr/>
-        <p:txBody>
-          <a:bodyPr vert="eaVert"/>
-          <a:lstStyle/>
+        <p:spPr>
+          <a:xfrm>
+            <a:off x="866443" y="4800587"/>
+            <a:ext cx="6620967" cy="566738"/>
+          </a:xfrm>
+        </p:spPr>
+        <p:txBody>
+          <a:bodyPr anchor="b">
+            <a:normAutofit/>
+          </a:bodyPr>
+          <a:lstStyle>
+            <a:lvl1pPr algn="l">
+              <a:defRPr sz="2400" b="0"/>
+            </a:lvl1pPr>
+          </a:lstStyle>
+          <a:p>
+            <a:r>
+              <a:rPr lang="fr-FR"/>
+              <a:t>Modifiez le style du titre</a:t>
+            </a:r>
+            <a:endParaRPr lang="en-US" dirty="0"/>
+          </a:p>
+        </p:txBody>
+      </p:sp>
+      <p:sp>
+        <p:nvSpPr>
+          <p:cNvPr id="3" name="Picture Placeholder 2"/>
+          <p:cNvSpPr>
+            <a:spLocks noGrp="1" noChangeAspect="1"/>
+          </p:cNvSpPr>
+          <p:nvPr>
+            <p:ph type="pic" idx="1"/>
+          </p:nvPr>
+        </p:nvSpPr>
+        <p:spPr>
+          <a:xfrm>
+            <a:off x="866442" y="685800"/>
+            <a:ext cx="6620968" cy="3640666"/>
+          </a:xfrm>
+          <a:prstGeom prst="roundRect">
+            <a:avLst>
+              <a:gd name="adj" fmla="val 1858"/>
+            </a:avLst>
+          </a:prstGeom>
+          <a:effectLst>
+            <a:outerShdw blurRad="50800" dist="50800" dir="5400000" algn="tl" rotWithShape="0">
+              <a:srgbClr val="000000">
+                <a:alpha val="43000"/>
+              </a:srgbClr>
+            </a:outerShdw>
+          </a:effectLst>
+        </p:spPr>
+        <p:txBody>
+          <a:bodyPr anchor="t">
+            <a:normAutofit/>
+          </a:bodyPr>
+          <a:lstStyle>
+            <a:lvl1pPr marL="0" indent="0" algn="ctr">
+              <a:buNone/>
+              <a:defRPr sz="1600"/>
+            </a:lvl1pPr>
+            <a:lvl2pPr marL="457200" indent="0">
+              <a:buNone/>
+              <a:defRPr sz="1600"/>
+            </a:lvl2pPr>
+            <a:lvl3pPr marL="914400" indent="0">
+              <a:buNone/>
+              <a:defRPr sz="1600"/>
+            </a:lvl3pPr>
+            <a:lvl4pPr marL="1371600" indent="0">
+              <a:buNone/>
+              <a:defRPr sz="1600"/>
+            </a:lvl4pPr>
+            <a:lvl5pPr marL="1828800" indent="0">
+              <a:buNone/>
+              <a:defRPr sz="1600"/>
+            </a:lvl5pPr>
+            <a:lvl6pPr marL="2286000" indent="0">
+              <a:buNone/>
+              <a:defRPr sz="1600"/>
+            </a:lvl6pPr>
+            <a:lvl7pPr marL="2743200" indent="0">
+              <a:buNone/>
+              <a:defRPr sz="1600"/>
+            </a:lvl7pPr>
+            <a:lvl8pPr marL="3200400" indent="0">
+              <a:buNone/>
+              <a:defRPr sz="1600"/>
+            </a:lvl8pPr>
+            <a:lvl9pPr marL="3657600" indent="0">
+              <a:buNone/>
+              <a:defRPr sz="1600"/>
+            </a:lvl9pPr>
+          </a:lstStyle>
+          <a:p>
+            <a:r>
+              <a:rPr lang="fr-FR"/>
+              <a:t>Cliquez sur l'icône pour ajouter une image</a:t>
+            </a:r>
+            <a:endParaRPr lang="en-US" dirty="0"/>
+          </a:p>
+        </p:txBody>
+      </p:sp>
+      <p:sp>
+        <p:nvSpPr>
+          <p:cNvPr id="4" name="Text Placeholder 3"/>
+          <p:cNvSpPr>
+            <a:spLocks noGrp="1"/>
+          </p:cNvSpPr>
+          <p:nvPr>
+            <p:ph type="body" sz="half" idx="2"/>
+          </p:nvPr>
+        </p:nvSpPr>
+        <p:spPr>
+          <a:xfrm>
+            <a:off x="866443" y="5367325"/>
+            <a:ext cx="6620966" cy="493712"/>
+          </a:xfrm>
+        </p:spPr>
+        <p:txBody>
+          <a:bodyPr>
+            <a:normAutofit/>
+          </a:bodyPr>
+          <a:lstStyle>
+            <a:lvl1pPr marL="0" indent="0">
+              <a:buNone/>
+              <a:defRPr sz="1200"/>
+            </a:lvl1pPr>
+            <a:lvl2pPr marL="457200" indent="0">
+              <a:buNone/>
+              <a:defRPr sz="1200"/>
+            </a:lvl2pPr>
+            <a:lvl3pPr marL="914400" indent="0">
+              <a:buNone/>
+              <a:defRPr sz="1000"/>
+            </a:lvl3pPr>
+            <a:lvl4pPr marL="1371600" indent="0">
+              <a:buNone/>
+              <a:defRPr sz="900"/>
+            </a:lvl4pPr>
+            <a:lvl5pPr marL="1828800" indent="0">
+              <a:buNone/>
+              <a:defRPr sz="900"/>
+            </a:lvl5pPr>
+            <a:lvl6pPr marL="2286000" indent="0">
+              <a:buNone/>
+              <a:defRPr sz="900"/>
+            </a:lvl6pPr>
+            <a:lvl7pPr marL="2743200" indent="0">
+              <a:buNone/>
+              <a:defRPr sz="900"/>
+            </a:lvl7pPr>
+            <a:lvl8pPr marL="3200400" indent="0">
+              <a:buNone/>
+              <a:defRPr sz="900"/>
+            </a:lvl8pPr>
+            <a:lvl9pPr marL="3657600" indent="0">
+              <a:buNone/>
+              <a:defRPr sz="900"/>
+            </a:lvl9pPr>
+          </a:lstStyle>
           <a:p>
             <a:pPr lvl="0"/>
             <a:r>
-              <a:rPr lang="en-US"/>
-              <a:t>Click to edit Master text styles</a:t>
-            </a:r>
-          </a:p>
-          <a:p>
-            <a:pPr lvl="1"/>
-            <a:r>
-              <a:rPr lang="en-US"/>
-              <a:t>Second level</a:t>
-            </a:r>
-          </a:p>
-          <a:p>
-            <a:pPr lvl="2"/>
-            <a:r>
-              <a:rPr lang="en-US"/>
-              <a:t>Third level</a:t>
-            </a:r>
-          </a:p>
-          <a:p>
-            <a:pPr lvl="3"/>
-            <a:r>
-              <a:rPr lang="en-US"/>
-              <a:t>Fourth level</a:t>
-            </a:r>
-          </a:p>
-          <a:p>
-            <a:pPr lvl="4"/>
-            <a:r>
-              <a:rPr lang="en-US"/>
-              <a:t>Fifth level</a:t>
-            </a:r>
-          </a:p>
-        </p:txBody>
-      </p:sp>
-      <p:sp>
-        <p:nvSpPr>
-          <p:cNvPr id="4" name="Date Placeholder 3"/>
+              <a:rPr lang="fr-FR"/>
+              <a:t>Cliquez pour modifier les styles du texte du masque</a:t>
+            </a:r>
+          </a:p>
+        </p:txBody>
+      </p:sp>
+      <p:sp>
+        <p:nvSpPr>
+          <p:cNvPr id="5" name="Date Placeholder 4"/>
           <p:cNvSpPr>
             <a:spLocks noGrp="1"/>
           </p:cNvSpPr>
@@ -482,7 +593,7 @@
           <a:p>
             <a:fld id="{5BCAD085-E8A6-8845-BD4E-CB4CCA059FC4}" type="datetimeFigureOut">
               <a:rPr lang="en-US" smtClean="0"/>
-              <a:t>12/5/2023</a:t>
+              <a:t>12/6/2023</a:t>
             </a:fld>
             <a:endParaRPr lang="en-US"/>
           </a:p>
@@ -490,7 +601,7 @@
       </p:sp>
       <p:sp>
         <p:nvSpPr>
-          <p:cNvPr id="5" name="Footer Placeholder 4"/>
+          <p:cNvPr id="6" name="Footer Placeholder 5"/>
           <p:cNvSpPr>
             <a:spLocks noGrp="1"/>
           </p:cNvSpPr>
@@ -509,7 +620,7 @@
       </p:sp>
       <p:sp>
         <p:nvSpPr>
-          <p:cNvPr id="6" name="Slide Number Placeholder 5"/>
+          <p:cNvPr id="7" name="Slide Number Placeholder 6"/>
           <p:cNvSpPr>
             <a:spLocks noGrp="1"/>
           </p:cNvSpPr>
@@ -533,7 +644,7 @@
     </p:spTree>
     <p:extLst>
       <p:ext uri="{BB962C8B-B14F-4D97-AF65-F5344CB8AC3E}">
-        <p14:creationId xmlns:p14="http://schemas.microsoft.com/office/powerpoint/2010/main" val="2910927964"/>
+        <p14:creationId xmlns:p14="http://schemas.microsoft.com/office/powerpoint/2010/main" val="2395540072"/>
       </p:ext>
     </p:extLst>
   </p:cSld>
@@ -544,8 +655,8 @@
 </file>
 
 <file path=ppt/slideLayouts/slideLayout11.xml><?xml version="1.0" encoding="utf-8"?>
-<p:sldLayout xmlns:a="http://schemas.openxmlformats.org/drawingml/2006/main" xmlns:r="http://schemas.openxmlformats.org/officeDocument/2006/relationships" xmlns:p="http://schemas.openxmlformats.org/presentationml/2006/main" type="vertTitleAndTx" preserve="1">
-  <p:cSld name="Vertical Title and Text">
+<p:sldLayout xmlns:a="http://schemas.openxmlformats.org/drawingml/2006/main" xmlns:r="http://schemas.openxmlformats.org/officeDocument/2006/relationships" xmlns:p="http://schemas.openxmlformats.org/presentationml/2006/main" preserve="1">
+  <p:cSld name="Titre et légende">
     <p:spTree>
       <p:nvGrpSpPr>
         <p:cNvPr id="1" name=""/>
@@ -562,83 +673,99 @@
       </p:grpSpPr>
       <p:sp>
         <p:nvSpPr>
-          <p:cNvPr id="2" name="Vertical Title 1"/>
-          <p:cNvSpPr>
-            <a:spLocks noGrp="1"/>
-          </p:cNvSpPr>
-          <p:nvPr>
-            <p:ph type="title" orient="vert"/>
-          </p:nvPr>
-        </p:nvSpPr>
-        <p:spPr>
-          <a:xfrm>
-            <a:off x="6629400" y="274638"/>
-            <a:ext cx="2057400" cy="5851525"/>
-          </a:xfrm>
-        </p:spPr>
-        <p:txBody>
-          <a:bodyPr vert="eaVert"/>
-          <a:lstStyle/>
-          <a:p>
-            <a:r>
-              <a:rPr lang="en-US"/>
-              <a:t>Click to edit Master title style</a:t>
-            </a:r>
-          </a:p>
-        </p:txBody>
-      </p:sp>
-      <p:sp>
-        <p:nvSpPr>
-          <p:cNvPr id="3" name="Vertical Text Placeholder 2"/>
-          <p:cNvSpPr>
-            <a:spLocks noGrp="1"/>
-          </p:cNvSpPr>
-          <p:nvPr>
-            <p:ph type="body" orient="vert" idx="1"/>
-          </p:nvPr>
-        </p:nvSpPr>
-        <p:spPr>
-          <a:xfrm>
-            <a:off x="457200" y="274638"/>
-            <a:ext cx="6019800" cy="5851525"/>
-          </a:xfrm>
-        </p:spPr>
-        <p:txBody>
-          <a:bodyPr vert="eaVert"/>
-          <a:lstStyle/>
+          <p:cNvPr id="2" name="Title 1"/>
+          <p:cNvSpPr>
+            <a:spLocks noGrp="1"/>
+          </p:cNvSpPr>
+          <p:nvPr>
+            <p:ph type="title"/>
+          </p:nvPr>
+        </p:nvSpPr>
+        <p:spPr>
+          <a:xfrm>
+            <a:off x="866442" y="1447800"/>
+            <a:ext cx="6620968" cy="1981200"/>
+          </a:xfrm>
+        </p:spPr>
+        <p:txBody>
+          <a:bodyPr/>
+          <a:lstStyle>
+            <a:lvl1pPr>
+              <a:defRPr sz="4800"/>
+            </a:lvl1pPr>
+          </a:lstStyle>
+          <a:p>
+            <a:r>
+              <a:rPr lang="fr-FR"/>
+              <a:t>Modifiez le style du titre</a:t>
+            </a:r>
+            <a:endParaRPr lang="en-US" dirty="0"/>
+          </a:p>
+        </p:txBody>
+      </p:sp>
+      <p:sp>
+        <p:nvSpPr>
+          <p:cNvPr id="8" name="Text Placeholder 3"/>
+          <p:cNvSpPr>
+            <a:spLocks noGrp="1"/>
+          </p:cNvSpPr>
+          <p:nvPr>
+            <p:ph type="body" sz="half" idx="2"/>
+          </p:nvPr>
+        </p:nvSpPr>
+        <p:spPr>
+          <a:xfrm>
+            <a:off x="866442" y="3657600"/>
+            <a:ext cx="6620968" cy="2362200"/>
+          </a:xfrm>
+        </p:spPr>
+        <p:txBody>
+          <a:bodyPr anchor="ctr">
+            <a:normAutofit/>
+          </a:bodyPr>
+          <a:lstStyle>
+            <a:lvl1pPr marL="0" indent="0">
+              <a:buNone/>
+              <a:defRPr sz="1800"/>
+            </a:lvl1pPr>
+            <a:lvl2pPr marL="457200" indent="0">
+              <a:buNone/>
+              <a:defRPr sz="1200"/>
+            </a:lvl2pPr>
+            <a:lvl3pPr marL="914400" indent="0">
+              <a:buNone/>
+              <a:defRPr sz="1000"/>
+            </a:lvl3pPr>
+            <a:lvl4pPr marL="1371600" indent="0">
+              <a:buNone/>
+              <a:defRPr sz="900"/>
+            </a:lvl4pPr>
+            <a:lvl5pPr marL="1828800" indent="0">
+              <a:buNone/>
+              <a:defRPr sz="900"/>
+            </a:lvl5pPr>
+            <a:lvl6pPr marL="2286000" indent="0">
+              <a:buNone/>
+              <a:defRPr sz="900"/>
+            </a:lvl6pPr>
+            <a:lvl7pPr marL="2743200" indent="0">
+              <a:buNone/>
+              <a:defRPr sz="900"/>
+            </a:lvl7pPr>
+            <a:lvl8pPr marL="3200400" indent="0">
+              <a:buNone/>
+              <a:defRPr sz="900"/>
+            </a:lvl8pPr>
+            <a:lvl9pPr marL="3657600" indent="0">
+              <a:buNone/>
+              <a:defRPr sz="900"/>
+            </a:lvl9pPr>
+          </a:lstStyle>
           <a:p>
             <a:pPr lvl="0"/>
             <a:r>
-              <a:rPr lang="en-US"/>
-              <a:t>Click to edit Master text styles</a:t>
-            </a:r>
-          </a:p>
-          <a:p>
-            <a:pPr lvl="1"/>
-            <a:r>
-              <a:rPr lang="en-US"/>
-              <a:t>Second level</a:t>
-            </a:r>
-          </a:p>
-          <a:p>
-            <a:pPr lvl="2"/>
-            <a:r>
-              <a:rPr lang="en-US"/>
-              <a:t>Third level</a:t>
-            </a:r>
-          </a:p>
-          <a:p>
-            <a:pPr lvl="3"/>
-            <a:r>
-              <a:rPr lang="en-US"/>
-              <a:t>Fourth level</a:t>
-            </a:r>
-          </a:p>
-          <a:p>
-            <a:pPr lvl="4"/>
-            <a:r>
-              <a:rPr lang="en-US"/>
-              <a:t>Fifth level</a:t>
+              <a:rPr lang="fr-FR"/>
+              <a:t>Cliquez pour modifier les styles du texte du masque</a:t>
             </a:r>
           </a:p>
         </p:txBody>
@@ -660,7 +787,7 @@
           <a:p>
             <a:fld id="{5BCAD085-E8A6-8845-BD4E-CB4CCA059FC4}" type="datetimeFigureOut">
               <a:rPr lang="en-US" smtClean="0"/>
-              <a:t>12/5/2023</a:t>
+              <a:t>12/6/2023</a:t>
             </a:fld>
             <a:endParaRPr lang="en-US"/>
           </a:p>
@@ -711,7 +838,7 @@
     </p:spTree>
     <p:extLst>
       <p:ext uri="{BB962C8B-B14F-4D97-AF65-F5344CB8AC3E}">
-        <p14:creationId xmlns:p14="http://schemas.microsoft.com/office/powerpoint/2010/main" val="3612223792"/>
+        <p14:creationId xmlns:p14="http://schemas.microsoft.com/office/powerpoint/2010/main" val="1042125774"/>
       </p:ext>
     </p:extLst>
   </p:cSld>
@@ -721,9 +848,9 @@
 </p:sldLayout>
 </file>
 
-<file path=ppt/slideLayouts/slideLayout2.xml><?xml version="1.0" encoding="utf-8"?>
-<p:sldLayout xmlns:a="http://schemas.openxmlformats.org/drawingml/2006/main" xmlns:r="http://schemas.openxmlformats.org/officeDocument/2006/relationships" xmlns:p="http://schemas.openxmlformats.org/presentationml/2006/main" type="obj" preserve="1">
-  <p:cSld name="Title and Content">
+<file path=ppt/slideLayouts/slideLayout12.xml><?xml version="1.0" encoding="utf-8"?>
+<p:sldLayout xmlns:a="http://schemas.openxmlformats.org/drawingml/2006/main" xmlns:r="http://schemas.openxmlformats.org/officeDocument/2006/relationships" xmlns:p="http://schemas.openxmlformats.org/presentationml/2006/main" preserve="1">
+  <p:cSld name="Citation avec légende">
     <p:spTree>
       <p:nvGrpSpPr>
         <p:cNvPr id="1" name=""/>
@@ -748,65 +875,170 @@
             <p:ph type="title"/>
           </p:nvPr>
         </p:nvSpPr>
-        <p:spPr/>
+        <p:spPr>
+          <a:xfrm>
+            <a:off x="1181409" y="1447800"/>
+            <a:ext cx="6001049" cy="2323374"/>
+          </a:xfrm>
+        </p:spPr>
         <p:txBody>
           <a:bodyPr/>
-          <a:lstStyle/>
-          <a:p>
-            <a:r>
-              <a:rPr lang="en-US"/>
-              <a:t>Click to edit Master title style</a:t>
-            </a:r>
-          </a:p>
-        </p:txBody>
-      </p:sp>
-      <p:sp>
-        <p:nvSpPr>
-          <p:cNvPr id="3" name="Content Placeholder 2"/>
-          <p:cNvSpPr>
-            <a:spLocks noGrp="1"/>
-          </p:cNvSpPr>
-          <p:nvPr>
-            <p:ph idx="1"/>
-          </p:nvPr>
-        </p:nvSpPr>
-        <p:spPr/>
-        <p:txBody>
-          <a:bodyPr/>
-          <a:lstStyle/>
+          <a:lstStyle>
+            <a:lvl1pPr>
+              <a:defRPr sz="4800"/>
+            </a:lvl1pPr>
+          </a:lstStyle>
+          <a:p>
+            <a:r>
+              <a:rPr lang="fr-FR"/>
+              <a:t>Modifiez le style du titre</a:t>
+            </a:r>
+            <a:endParaRPr lang="en-US" dirty="0"/>
+          </a:p>
+        </p:txBody>
+      </p:sp>
+      <p:sp>
+        <p:nvSpPr>
+          <p:cNvPr id="11" name="Text Placeholder 3"/>
+          <p:cNvSpPr>
+            <a:spLocks noGrp="1"/>
+          </p:cNvSpPr>
+          <p:nvPr>
+            <p:ph type="body" sz="half" idx="14"/>
+          </p:nvPr>
+        </p:nvSpPr>
+        <p:spPr>
+          <a:xfrm>
+            <a:off x="1448177" y="3771174"/>
+            <a:ext cx="5461159" cy="342174"/>
+          </a:xfrm>
+        </p:spPr>
+        <p:txBody>
+          <a:bodyPr vert="horz" lIns="91440" tIns="45720" rIns="91440" bIns="45720" rtlCol="0" anchor="t">
+            <a:normAutofit/>
+          </a:bodyPr>
+          <a:lstStyle>
+            <a:lvl1pPr marL="0" indent="0">
+              <a:buNone/>
+              <a:defRPr lang="en-US" sz="1400" b="0" i="0" kern="1200" cap="small" dirty="0">
+                <a:solidFill>
+                  <a:schemeClr val="bg2">
+                    <a:lumMod val="40000"/>
+                    <a:lumOff val="60000"/>
+                  </a:schemeClr>
+                </a:solidFill>
+                <a:latin typeface="+mj-lt"/>
+                <a:ea typeface="+mj-ea"/>
+                <a:cs typeface="+mj-cs"/>
+              </a:defRPr>
+            </a:lvl1pPr>
+            <a:lvl2pPr marL="457200" indent="0">
+              <a:buNone/>
+              <a:defRPr sz="1200"/>
+            </a:lvl2pPr>
+            <a:lvl3pPr marL="914400" indent="0">
+              <a:buNone/>
+              <a:defRPr sz="1000"/>
+            </a:lvl3pPr>
+            <a:lvl4pPr marL="1371600" indent="0">
+              <a:buNone/>
+              <a:defRPr sz="900"/>
+            </a:lvl4pPr>
+            <a:lvl5pPr marL="1828800" indent="0">
+              <a:buNone/>
+              <a:defRPr sz="900"/>
+            </a:lvl5pPr>
+            <a:lvl6pPr marL="2286000" indent="0">
+              <a:buNone/>
+              <a:defRPr sz="900"/>
+            </a:lvl6pPr>
+            <a:lvl7pPr marL="2743200" indent="0">
+              <a:buNone/>
+              <a:defRPr sz="900"/>
+            </a:lvl7pPr>
+            <a:lvl8pPr marL="3200400" indent="0">
+              <a:buNone/>
+              <a:defRPr sz="900"/>
+            </a:lvl8pPr>
+            <a:lvl9pPr marL="3657600" indent="0">
+              <a:buNone/>
+              <a:defRPr sz="900"/>
+            </a:lvl9pPr>
+          </a:lstStyle>
+          <a:p>
+            <a:pPr marL="0" lvl="0" indent="0">
+              <a:buNone/>
+            </a:pPr>
+            <a:r>
+              <a:rPr lang="fr-FR"/>
+              <a:t>Cliquez pour modifier les styles du texte du masque</a:t>
+            </a:r>
+          </a:p>
+        </p:txBody>
+      </p:sp>
+      <p:sp>
+        <p:nvSpPr>
+          <p:cNvPr id="10" name="Text Placeholder 3"/>
+          <p:cNvSpPr>
+            <a:spLocks noGrp="1"/>
+          </p:cNvSpPr>
+          <p:nvPr>
+            <p:ph type="body" sz="half" idx="2"/>
+          </p:nvPr>
+        </p:nvSpPr>
+        <p:spPr>
+          <a:xfrm>
+            <a:off x="866442" y="4350657"/>
+            <a:ext cx="6620968" cy="1676400"/>
+          </a:xfrm>
+        </p:spPr>
+        <p:txBody>
+          <a:bodyPr anchor="ctr">
+            <a:normAutofit/>
+          </a:bodyPr>
+          <a:lstStyle>
+            <a:lvl1pPr marL="0" indent="0">
+              <a:buNone/>
+              <a:defRPr sz="1800"/>
+            </a:lvl1pPr>
+            <a:lvl2pPr marL="457200" indent="0">
+              <a:buNone/>
+              <a:defRPr sz="1200"/>
+            </a:lvl2pPr>
+            <a:lvl3pPr marL="914400" indent="0">
+              <a:buNone/>
+              <a:defRPr sz="1000"/>
+            </a:lvl3pPr>
+            <a:lvl4pPr marL="1371600" indent="0">
+              <a:buNone/>
+              <a:defRPr sz="900"/>
+            </a:lvl4pPr>
+            <a:lvl5pPr marL="1828800" indent="0">
+              <a:buNone/>
+              <a:defRPr sz="900"/>
+            </a:lvl5pPr>
+            <a:lvl6pPr marL="2286000" indent="0">
+              <a:buNone/>
+              <a:defRPr sz="900"/>
+            </a:lvl6pPr>
+            <a:lvl7pPr marL="2743200" indent="0">
+              <a:buNone/>
+              <a:defRPr sz="900"/>
+            </a:lvl7pPr>
+            <a:lvl8pPr marL="3200400" indent="0">
+              <a:buNone/>
+              <a:defRPr sz="900"/>
+            </a:lvl8pPr>
+            <a:lvl9pPr marL="3657600" indent="0">
+              <a:buNone/>
+              <a:defRPr sz="900"/>
+            </a:lvl9pPr>
+          </a:lstStyle>
           <a:p>
             <a:pPr lvl="0"/>
             <a:r>
-              <a:rPr lang="en-US"/>
-              <a:t>Click to edit Master text styles</a:t>
-            </a:r>
-          </a:p>
-          <a:p>
-            <a:pPr lvl="1"/>
-            <a:r>
-              <a:rPr lang="en-US"/>
-              <a:t>Second level</a:t>
-            </a:r>
-          </a:p>
-          <a:p>
-            <a:pPr lvl="2"/>
-            <a:r>
-              <a:rPr lang="en-US"/>
-              <a:t>Third level</a:t>
-            </a:r>
-          </a:p>
-          <a:p>
-            <a:pPr lvl="3"/>
-            <a:r>
-              <a:rPr lang="en-US"/>
-              <a:t>Fourth level</a:t>
-            </a:r>
-          </a:p>
-          <a:p>
-            <a:pPr lvl="4"/>
-            <a:r>
-              <a:rPr lang="en-US"/>
-              <a:t>Fifth level</a:t>
+              <a:rPr lang="fr-FR"/>
+              <a:t>Cliquez pour modifier les styles du texte du masque</a:t>
             </a:r>
           </a:p>
         </p:txBody>
@@ -828,7 +1060,7 @@
           <a:p>
             <a:fld id="{5BCAD085-E8A6-8845-BD4E-CB4CCA059FC4}" type="datetimeFigureOut">
               <a:rPr lang="en-US" smtClean="0"/>
-              <a:t>12/5/2023</a:t>
+              <a:t>12/6/2023</a:t>
             </a:fld>
             <a:endParaRPr lang="en-US"/>
           </a:p>
@@ -876,10 +1108,104 @@
           </a:p>
         </p:txBody>
       </p:sp>
+      <p:sp>
+        <p:nvSpPr>
+          <p:cNvPr id="12" name="TextBox 11"/>
+          <p:cNvSpPr txBox="1"/>
+          <p:nvPr/>
+        </p:nvSpPr>
+        <p:spPr>
+          <a:xfrm>
+            <a:off x="673897" y="971253"/>
+            <a:ext cx="601591" cy="1969770"/>
+          </a:xfrm>
+          <a:prstGeom prst="rect">
+            <a:avLst/>
+          </a:prstGeom>
+          <a:noFill/>
+        </p:spPr>
+        <p:txBody>
+          <a:bodyPr wrap="square" rtlCol="0">
+            <a:spAutoFit/>
+          </a:bodyPr>
+          <a:lstStyle>
+            <a:defPPr>
+              <a:defRPr lang="en-US"/>
+            </a:defPPr>
+            <a:lvl1pPr algn="r">
+              <a:defRPr sz="12200" b="0" i="0">
+                <a:solidFill>
+                  <a:schemeClr val="bg2">
+                    <a:lumMod val="40000"/>
+                    <a:lumOff val="60000"/>
+                  </a:schemeClr>
+                </a:solidFill>
+                <a:latin typeface="Arial"/>
+                <a:ea typeface="+mj-ea"/>
+                <a:cs typeface="+mj-cs"/>
+              </a:defRPr>
+            </a:lvl1pPr>
+          </a:lstStyle>
+          <a:p>
+            <a:pPr lvl="0"/>
+            <a:r>
+              <a:rPr lang="en-US" sz="12200" dirty="0"/>
+              <a:t>“</a:t>
+            </a:r>
+          </a:p>
+        </p:txBody>
+      </p:sp>
+      <p:sp>
+        <p:nvSpPr>
+          <p:cNvPr id="15" name="TextBox 14"/>
+          <p:cNvSpPr txBox="1"/>
+          <p:nvPr/>
+        </p:nvSpPr>
+        <p:spPr>
+          <a:xfrm>
+            <a:off x="6999690" y="2613787"/>
+            <a:ext cx="601591" cy="1969770"/>
+          </a:xfrm>
+          <a:prstGeom prst="rect">
+            <a:avLst/>
+          </a:prstGeom>
+          <a:noFill/>
+        </p:spPr>
+        <p:txBody>
+          <a:bodyPr wrap="square" rtlCol="0">
+            <a:spAutoFit/>
+          </a:bodyPr>
+          <a:lstStyle>
+            <a:defPPr>
+              <a:defRPr lang="en-US"/>
+            </a:defPPr>
+            <a:lvl1pPr algn="r">
+              <a:defRPr sz="12200" b="0" i="0">
+                <a:solidFill>
+                  <a:schemeClr val="bg2">
+                    <a:lumMod val="40000"/>
+                    <a:lumOff val="60000"/>
+                  </a:schemeClr>
+                </a:solidFill>
+                <a:latin typeface="Arial"/>
+                <a:ea typeface="+mj-ea"/>
+                <a:cs typeface="+mj-cs"/>
+              </a:defRPr>
+            </a:lvl1pPr>
+          </a:lstStyle>
+          <a:p>
+            <a:pPr lvl="0"/>
+            <a:r>
+              <a:rPr lang="en-US" sz="12200" dirty="0"/>
+              <a:t>”</a:t>
+            </a:r>
+          </a:p>
+        </p:txBody>
+      </p:sp>
     </p:spTree>
     <p:extLst>
       <p:ext uri="{BB962C8B-B14F-4D97-AF65-F5344CB8AC3E}">
-        <p14:creationId xmlns:p14="http://schemas.microsoft.com/office/powerpoint/2010/main" val="2614314258"/>
+        <p14:creationId xmlns:p14="http://schemas.microsoft.com/office/powerpoint/2010/main" val="416762105"/>
       </p:ext>
     </p:extLst>
   </p:cSld>
@@ -889,9 +1215,9 @@
 </p:sldLayout>
 </file>
 
-<file path=ppt/slideLayouts/slideLayout3.xml><?xml version="1.0" encoding="utf-8"?>
-<p:sldLayout xmlns:a="http://schemas.openxmlformats.org/drawingml/2006/main" xmlns:r="http://schemas.openxmlformats.org/officeDocument/2006/relationships" xmlns:p="http://schemas.openxmlformats.org/presentationml/2006/main" type="secHead" preserve="1">
-  <p:cSld name="Section Header">
+<file path=ppt/slideLayouts/slideLayout13.xml><?xml version="1.0" encoding="utf-8"?>
+<p:sldLayout xmlns:a="http://schemas.openxmlformats.org/drawingml/2006/main" xmlns:r="http://schemas.openxmlformats.org/officeDocument/2006/relationships" xmlns:p="http://schemas.openxmlformats.org/presentationml/2006/main" preserve="1">
+  <p:cSld name="Carte nom">
     <p:spTree>
       <p:nvGrpSpPr>
         <p:cNvPr id="1" name=""/>
@@ -918,50 +1244,52 @@
         </p:nvSpPr>
         <p:spPr>
           <a:xfrm>
-            <a:off x="722313" y="4406900"/>
-            <a:ext cx="7772400" cy="1362075"/>
+            <a:off x="866441" y="3124201"/>
+            <a:ext cx="6620969" cy="1653180"/>
+          </a:xfrm>
+        </p:spPr>
+        <p:txBody>
+          <a:bodyPr anchor="b"/>
+          <a:lstStyle>
+            <a:lvl1pPr algn="l">
+              <a:defRPr sz="4000" b="0" cap="none"/>
+            </a:lvl1pPr>
+          </a:lstStyle>
+          <a:p>
+            <a:r>
+              <a:rPr lang="fr-FR"/>
+              <a:t>Modifiez le style du titre</a:t>
+            </a:r>
+            <a:endParaRPr lang="en-US" dirty="0"/>
+          </a:p>
+        </p:txBody>
+      </p:sp>
+      <p:sp>
+        <p:nvSpPr>
+          <p:cNvPr id="3" name="Text Placeholder 2"/>
+          <p:cNvSpPr>
+            <a:spLocks noGrp="1"/>
+          </p:cNvSpPr>
+          <p:nvPr>
+            <p:ph type="body" idx="1"/>
+          </p:nvPr>
+        </p:nvSpPr>
+        <p:spPr>
+          <a:xfrm>
+            <a:off x="866442" y="4777381"/>
+            <a:ext cx="6620968" cy="860400"/>
           </a:xfrm>
         </p:spPr>
         <p:txBody>
           <a:bodyPr anchor="t"/>
           <a:lstStyle>
-            <a:lvl1pPr algn="l">
-              <a:defRPr sz="4000" b="1" cap="all"/>
-            </a:lvl1pPr>
-          </a:lstStyle>
-          <a:p>
-            <a:r>
-              <a:rPr lang="en-US"/>
-              <a:t>Click to edit Master title style</a:t>
-            </a:r>
-          </a:p>
-        </p:txBody>
-      </p:sp>
-      <p:sp>
-        <p:nvSpPr>
-          <p:cNvPr id="3" name="Text Placeholder 2"/>
-          <p:cNvSpPr>
-            <a:spLocks noGrp="1"/>
-          </p:cNvSpPr>
-          <p:nvPr>
-            <p:ph type="body" idx="1"/>
-          </p:nvPr>
-        </p:nvSpPr>
-        <p:spPr>
-          <a:xfrm>
-            <a:off x="722313" y="2906713"/>
-            <a:ext cx="7772400" cy="1500187"/>
-          </a:xfrm>
-        </p:spPr>
-        <p:txBody>
-          <a:bodyPr anchor="b"/>
-          <a:lstStyle>
-            <a:lvl1pPr marL="0" indent="0">
-              <a:buNone/>
-              <a:defRPr sz="2000">
+            <a:lvl1pPr marL="0" indent="0" algn="l">
+              <a:buNone/>
+              <a:defRPr sz="2000" cap="none">
                 <a:solidFill>
-                  <a:schemeClr val="tx1">
-                    <a:tint val="75000"/>
+                  <a:schemeClr val="bg2">
+                    <a:lumMod val="40000"/>
+                    <a:lumOff val="60000"/>
                   </a:schemeClr>
                 </a:solidFill>
               </a:defRPr>
@@ -1050,8 +1378,8 @@
           <a:p>
             <a:pPr lvl="0"/>
             <a:r>
-              <a:rPr lang="en-US"/>
-              <a:t>Click to edit Master text styles</a:t>
+              <a:rPr lang="fr-FR"/>
+              <a:t>Cliquez pour modifier les styles du texte du masque</a:t>
             </a:r>
           </a:p>
         </p:txBody>
@@ -1073,7 +1401,7 @@
           <a:p>
             <a:fld id="{5BCAD085-E8A6-8845-BD4E-CB4CCA059FC4}" type="datetimeFigureOut">
               <a:rPr lang="en-US" smtClean="0"/>
-              <a:t>12/5/2023</a:t>
+              <a:t>12/6/2023</a:t>
             </a:fld>
             <a:endParaRPr lang="en-US"/>
           </a:p>
@@ -1124,7 +1452,7 @@
     </p:spTree>
     <p:extLst>
       <p:ext uri="{BB962C8B-B14F-4D97-AF65-F5344CB8AC3E}">
-        <p14:creationId xmlns:p14="http://schemas.microsoft.com/office/powerpoint/2010/main" val="960648375"/>
+        <p14:creationId xmlns:p14="http://schemas.microsoft.com/office/powerpoint/2010/main" val="2750095746"/>
       </p:ext>
     </p:extLst>
   </p:cSld>
@@ -1134,9 +1462,9 @@
 </p:sldLayout>
 </file>
 
-<file path=ppt/slideLayouts/slideLayout4.xml><?xml version="1.0" encoding="utf-8"?>
-<p:sldLayout xmlns:a="http://schemas.openxmlformats.org/drawingml/2006/main" xmlns:r="http://schemas.openxmlformats.org/officeDocument/2006/relationships" xmlns:p="http://schemas.openxmlformats.org/presentationml/2006/main" type="twoObj" preserve="1">
-  <p:cSld name="Two Content">
+<file path=ppt/slideLayouts/slideLayout14.xml><?xml version="1.0" encoding="utf-8"?>
+<p:sldLayout xmlns:a="http://schemas.openxmlformats.org/drawingml/2006/main" xmlns:r="http://schemas.openxmlformats.org/officeDocument/2006/relationships" xmlns:p="http://schemas.openxmlformats.org/presentationml/2006/main" preserve="1">
+  <p:cSld name="3 colonnes">
     <p:spTree>
       <p:nvGrpSpPr>
         <p:cNvPr id="1" name=""/>
@@ -1164,186 +1492,524 @@
         <p:spPr/>
         <p:txBody>
           <a:bodyPr/>
-          <a:lstStyle/>
-          <a:p>
-            <a:r>
-              <a:rPr lang="en-US"/>
-              <a:t>Click to edit Master title style</a:t>
-            </a:r>
-          </a:p>
-        </p:txBody>
-      </p:sp>
-      <p:sp>
-        <p:nvSpPr>
-          <p:cNvPr id="3" name="Content Placeholder 2"/>
-          <p:cNvSpPr>
-            <a:spLocks noGrp="1"/>
-          </p:cNvSpPr>
-          <p:nvPr>
-            <p:ph sz="half" idx="1"/>
-          </p:nvPr>
-        </p:nvSpPr>
-        <p:spPr>
-          <a:xfrm>
-            <a:off x="457200" y="1600200"/>
-            <a:ext cx="4038600" cy="4525963"/>
-          </a:xfrm>
-        </p:spPr>
-        <p:txBody>
-          <a:bodyPr/>
           <a:lstStyle>
             <a:lvl1pPr>
-              <a:defRPr sz="2800"/>
+              <a:defRPr sz="4200"/>
             </a:lvl1pPr>
-            <a:lvl2pPr>
-              <a:defRPr sz="2400"/>
+          </a:lstStyle>
+          <a:p>
+            <a:r>
+              <a:rPr lang="fr-FR"/>
+              <a:t>Modifiez le style du titre</a:t>
+            </a:r>
+            <a:endParaRPr lang="en-US" dirty="0"/>
+          </a:p>
+        </p:txBody>
+      </p:sp>
+      <p:sp>
+        <p:nvSpPr>
+          <p:cNvPr id="3" name="Text Placeholder 2"/>
+          <p:cNvSpPr>
+            <a:spLocks noGrp="1"/>
+          </p:cNvSpPr>
+          <p:nvPr>
+            <p:ph type="body" idx="1"/>
+          </p:nvPr>
+        </p:nvSpPr>
+        <p:spPr>
+          <a:xfrm>
+            <a:off x="474834" y="1981200"/>
+            <a:ext cx="2210725" cy="576262"/>
+          </a:xfrm>
+        </p:spPr>
+        <p:txBody>
+          <a:bodyPr anchor="b">
+            <a:noAutofit/>
+          </a:bodyPr>
+          <a:lstStyle>
+            <a:lvl1pPr marL="0" indent="0">
+              <a:buNone/>
+              <a:defRPr sz="2400" b="0">
+                <a:solidFill>
+                  <a:schemeClr val="bg2">
+                    <a:lumMod val="40000"/>
+                    <a:lumOff val="60000"/>
+                  </a:schemeClr>
+                </a:solidFill>
+              </a:defRPr>
+            </a:lvl1pPr>
+            <a:lvl2pPr marL="457200" indent="0">
+              <a:buNone/>
+              <a:defRPr sz="2000" b="1"/>
             </a:lvl2pPr>
-            <a:lvl3pPr>
-              <a:defRPr sz="2000"/>
+            <a:lvl3pPr marL="914400" indent="0">
+              <a:buNone/>
+              <a:defRPr sz="1800" b="1"/>
             </a:lvl3pPr>
-            <a:lvl4pPr>
-              <a:defRPr sz="1800"/>
+            <a:lvl4pPr marL="1371600" indent="0">
+              <a:buNone/>
+              <a:defRPr sz="1600" b="1"/>
             </a:lvl4pPr>
-            <a:lvl5pPr>
-              <a:defRPr sz="1800"/>
+            <a:lvl5pPr marL="1828800" indent="0">
+              <a:buNone/>
+              <a:defRPr sz="1600" b="1"/>
             </a:lvl5pPr>
-            <a:lvl6pPr>
-              <a:defRPr sz="1800"/>
+            <a:lvl6pPr marL="2286000" indent="0">
+              <a:buNone/>
+              <a:defRPr sz="1600" b="1"/>
             </a:lvl6pPr>
-            <a:lvl7pPr>
-              <a:defRPr sz="1800"/>
+            <a:lvl7pPr marL="2743200" indent="0">
+              <a:buNone/>
+              <a:defRPr sz="1600" b="1"/>
             </a:lvl7pPr>
-            <a:lvl8pPr>
-              <a:defRPr sz="1800"/>
+            <a:lvl8pPr marL="3200400" indent="0">
+              <a:buNone/>
+              <a:defRPr sz="1600" b="1"/>
             </a:lvl8pPr>
-            <a:lvl9pPr>
-              <a:defRPr sz="1800"/>
+            <a:lvl9pPr marL="3657600" indent="0">
+              <a:buNone/>
+              <a:defRPr sz="1600" b="1"/>
             </a:lvl9pPr>
           </a:lstStyle>
           <a:p>
             <a:pPr lvl="0"/>
             <a:r>
-              <a:rPr lang="en-US"/>
-              <a:t>Click to edit Master text styles</a:t>
-            </a:r>
-          </a:p>
-          <a:p>
-            <a:pPr lvl="1"/>
-            <a:r>
-              <a:rPr lang="en-US"/>
-              <a:t>Second level</a:t>
-            </a:r>
-          </a:p>
-          <a:p>
-            <a:pPr lvl="2"/>
-            <a:r>
-              <a:rPr lang="en-US"/>
-              <a:t>Third level</a:t>
-            </a:r>
-          </a:p>
-          <a:p>
-            <a:pPr lvl="3"/>
-            <a:r>
-              <a:rPr lang="en-US"/>
-              <a:t>Fourth level</a:t>
-            </a:r>
-          </a:p>
-          <a:p>
-            <a:pPr lvl="4"/>
-            <a:r>
-              <a:rPr lang="en-US"/>
-              <a:t>Fifth level</a:t>
-            </a:r>
-          </a:p>
-        </p:txBody>
-      </p:sp>
-      <p:sp>
-        <p:nvSpPr>
-          <p:cNvPr id="4" name="Content Placeholder 3"/>
-          <p:cNvSpPr>
-            <a:spLocks noGrp="1"/>
-          </p:cNvSpPr>
-          <p:nvPr>
-            <p:ph sz="half" idx="2"/>
-          </p:nvPr>
-        </p:nvSpPr>
-        <p:spPr>
-          <a:xfrm>
-            <a:off x="4648200" y="1600200"/>
-            <a:ext cx="4038600" cy="4525963"/>
-          </a:xfrm>
-        </p:spPr>
-        <p:txBody>
-          <a:bodyPr/>
+              <a:rPr lang="fr-FR"/>
+              <a:t>Cliquez pour modifier les styles du texte du masque</a:t>
+            </a:r>
+          </a:p>
+        </p:txBody>
+      </p:sp>
+      <p:sp>
+        <p:nvSpPr>
+          <p:cNvPr id="16" name="Text Placeholder 3"/>
+          <p:cNvSpPr>
+            <a:spLocks noGrp="1"/>
+          </p:cNvSpPr>
+          <p:nvPr>
+            <p:ph type="body" sz="half" idx="15"/>
+          </p:nvPr>
+        </p:nvSpPr>
+        <p:spPr>
+          <a:xfrm>
+            <a:off x="489475" y="2667000"/>
+            <a:ext cx="2196084" cy="3589338"/>
+          </a:xfrm>
+        </p:spPr>
+        <p:txBody>
+          <a:bodyPr anchor="t">
+            <a:normAutofit/>
+          </a:bodyPr>
           <a:lstStyle>
-            <a:lvl1pPr>
-              <a:defRPr sz="2800"/>
+            <a:lvl1pPr marL="0" indent="0">
+              <a:buNone/>
+              <a:defRPr sz="1400"/>
             </a:lvl1pPr>
-            <a:lvl2pPr>
-              <a:defRPr sz="2400"/>
+            <a:lvl2pPr marL="457200" indent="0">
+              <a:buNone/>
+              <a:defRPr sz="1200"/>
             </a:lvl2pPr>
-            <a:lvl3pPr>
-              <a:defRPr sz="2000"/>
+            <a:lvl3pPr marL="914400" indent="0">
+              <a:buNone/>
+              <a:defRPr sz="1000"/>
             </a:lvl3pPr>
-            <a:lvl4pPr>
-              <a:defRPr sz="1800"/>
+            <a:lvl4pPr marL="1371600" indent="0">
+              <a:buNone/>
+              <a:defRPr sz="900"/>
             </a:lvl4pPr>
-            <a:lvl5pPr>
-              <a:defRPr sz="1800"/>
+            <a:lvl5pPr marL="1828800" indent="0">
+              <a:buNone/>
+              <a:defRPr sz="900"/>
             </a:lvl5pPr>
-            <a:lvl6pPr>
-              <a:defRPr sz="1800"/>
+            <a:lvl6pPr marL="2286000" indent="0">
+              <a:buNone/>
+              <a:defRPr sz="900"/>
             </a:lvl6pPr>
-            <a:lvl7pPr>
-              <a:defRPr sz="1800"/>
+            <a:lvl7pPr marL="2743200" indent="0">
+              <a:buNone/>
+              <a:defRPr sz="900"/>
             </a:lvl7pPr>
-            <a:lvl8pPr>
-              <a:defRPr sz="1800"/>
+            <a:lvl8pPr marL="3200400" indent="0">
+              <a:buNone/>
+              <a:defRPr sz="900"/>
             </a:lvl8pPr>
-            <a:lvl9pPr>
-              <a:defRPr sz="1800"/>
+            <a:lvl9pPr marL="3657600" indent="0">
+              <a:buNone/>
+              <a:defRPr sz="900"/>
             </a:lvl9pPr>
           </a:lstStyle>
           <a:p>
             <a:pPr lvl="0"/>
             <a:r>
-              <a:rPr lang="en-US"/>
-              <a:t>Click to edit Master text styles</a:t>
-            </a:r>
-          </a:p>
-          <a:p>
-            <a:pPr lvl="1"/>
-            <a:r>
-              <a:rPr lang="en-US"/>
-              <a:t>Second level</a:t>
-            </a:r>
-          </a:p>
-          <a:p>
-            <a:pPr lvl="2"/>
-            <a:r>
-              <a:rPr lang="en-US"/>
-              <a:t>Third level</a:t>
-            </a:r>
-          </a:p>
-          <a:p>
-            <a:pPr lvl="3"/>
-            <a:r>
-              <a:rPr lang="en-US"/>
-              <a:t>Fourth level</a:t>
-            </a:r>
-          </a:p>
-          <a:p>
-            <a:pPr lvl="4"/>
-            <a:r>
-              <a:rPr lang="en-US"/>
-              <a:t>Fifth level</a:t>
-            </a:r>
-          </a:p>
-        </p:txBody>
-      </p:sp>
-      <p:sp>
-        <p:nvSpPr>
-          <p:cNvPr id="5" name="Date Placeholder 4"/>
+              <a:rPr lang="fr-FR"/>
+              <a:t>Cliquez pour modifier les styles du texte du masque</a:t>
+            </a:r>
+          </a:p>
+        </p:txBody>
+      </p:sp>
+      <p:sp>
+        <p:nvSpPr>
+          <p:cNvPr id="5" name="Text Placeholder 4"/>
+          <p:cNvSpPr>
+            <a:spLocks noGrp="1"/>
+          </p:cNvSpPr>
+          <p:nvPr>
+            <p:ph type="body" sz="quarter" idx="3"/>
+          </p:nvPr>
+        </p:nvSpPr>
+        <p:spPr>
+          <a:xfrm>
+            <a:off x="2913504" y="1981200"/>
+            <a:ext cx="2202754" cy="576262"/>
+          </a:xfrm>
+        </p:spPr>
+        <p:txBody>
+          <a:bodyPr anchor="b">
+            <a:noAutofit/>
+          </a:bodyPr>
+          <a:lstStyle>
+            <a:lvl1pPr marL="0" indent="0">
+              <a:buNone/>
+              <a:defRPr sz="2400" b="0">
+                <a:solidFill>
+                  <a:schemeClr val="bg2">
+                    <a:lumMod val="40000"/>
+                    <a:lumOff val="60000"/>
+                  </a:schemeClr>
+                </a:solidFill>
+              </a:defRPr>
+            </a:lvl1pPr>
+            <a:lvl2pPr marL="457200" indent="0">
+              <a:buNone/>
+              <a:defRPr sz="2000" b="1"/>
+            </a:lvl2pPr>
+            <a:lvl3pPr marL="914400" indent="0">
+              <a:buNone/>
+              <a:defRPr sz="1800" b="1"/>
+            </a:lvl3pPr>
+            <a:lvl4pPr marL="1371600" indent="0">
+              <a:buNone/>
+              <a:defRPr sz="1600" b="1"/>
+            </a:lvl4pPr>
+            <a:lvl5pPr marL="1828800" indent="0">
+              <a:buNone/>
+              <a:defRPr sz="1600" b="1"/>
+            </a:lvl5pPr>
+            <a:lvl6pPr marL="2286000" indent="0">
+              <a:buNone/>
+              <a:defRPr sz="1600" b="1"/>
+            </a:lvl6pPr>
+            <a:lvl7pPr marL="2743200" indent="0">
+              <a:buNone/>
+              <a:defRPr sz="1600" b="1"/>
+            </a:lvl7pPr>
+            <a:lvl8pPr marL="3200400" indent="0">
+              <a:buNone/>
+              <a:defRPr sz="1600" b="1"/>
+            </a:lvl8pPr>
+            <a:lvl9pPr marL="3657600" indent="0">
+              <a:buNone/>
+              <a:defRPr sz="1600" b="1"/>
+            </a:lvl9pPr>
+          </a:lstStyle>
+          <a:p>
+            <a:pPr lvl="0"/>
+            <a:r>
+              <a:rPr lang="fr-FR"/>
+              <a:t>Cliquez pour modifier les styles du texte du masque</a:t>
+            </a:r>
+          </a:p>
+        </p:txBody>
+      </p:sp>
+      <p:sp>
+        <p:nvSpPr>
+          <p:cNvPr id="19" name="Text Placeholder 3"/>
+          <p:cNvSpPr>
+            <a:spLocks noGrp="1"/>
+          </p:cNvSpPr>
+          <p:nvPr>
+            <p:ph type="body" sz="half" idx="16"/>
+          </p:nvPr>
+        </p:nvSpPr>
+        <p:spPr>
+          <a:xfrm>
+            <a:off x="2905586" y="2667000"/>
+            <a:ext cx="2210671" cy="3589338"/>
+          </a:xfrm>
+        </p:spPr>
+        <p:txBody>
+          <a:bodyPr anchor="t">
+            <a:normAutofit/>
+          </a:bodyPr>
+          <a:lstStyle>
+            <a:lvl1pPr marL="0" indent="0">
+              <a:buNone/>
+              <a:defRPr sz="1400"/>
+            </a:lvl1pPr>
+            <a:lvl2pPr marL="457200" indent="0">
+              <a:buNone/>
+              <a:defRPr sz="1200"/>
+            </a:lvl2pPr>
+            <a:lvl3pPr marL="914400" indent="0">
+              <a:buNone/>
+              <a:defRPr sz="1000"/>
+            </a:lvl3pPr>
+            <a:lvl4pPr marL="1371600" indent="0">
+              <a:buNone/>
+              <a:defRPr sz="900"/>
+            </a:lvl4pPr>
+            <a:lvl5pPr marL="1828800" indent="0">
+              <a:buNone/>
+              <a:defRPr sz="900"/>
+            </a:lvl5pPr>
+            <a:lvl6pPr marL="2286000" indent="0">
+              <a:buNone/>
+              <a:defRPr sz="900"/>
+            </a:lvl6pPr>
+            <a:lvl7pPr marL="2743200" indent="0">
+              <a:buNone/>
+              <a:defRPr sz="900"/>
+            </a:lvl7pPr>
+            <a:lvl8pPr marL="3200400" indent="0">
+              <a:buNone/>
+              <a:defRPr sz="900"/>
+            </a:lvl8pPr>
+            <a:lvl9pPr marL="3657600" indent="0">
+              <a:buNone/>
+              <a:defRPr sz="900"/>
+            </a:lvl9pPr>
+          </a:lstStyle>
+          <a:p>
+            <a:pPr lvl="0"/>
+            <a:r>
+              <a:rPr lang="fr-FR"/>
+              <a:t>Cliquez pour modifier les styles du texte du masque</a:t>
+            </a:r>
+          </a:p>
+        </p:txBody>
+      </p:sp>
+      <p:sp>
+        <p:nvSpPr>
+          <p:cNvPr id="14" name="Text Placeholder 4"/>
+          <p:cNvSpPr>
+            <a:spLocks noGrp="1"/>
+          </p:cNvSpPr>
+          <p:nvPr>
+            <p:ph type="body" sz="quarter" idx="13"/>
+          </p:nvPr>
+        </p:nvSpPr>
+        <p:spPr>
+          <a:xfrm>
+            <a:off x="5344917" y="1981200"/>
+            <a:ext cx="2199658" cy="576262"/>
+          </a:xfrm>
+        </p:spPr>
+        <p:txBody>
+          <a:bodyPr anchor="b">
+            <a:noAutofit/>
+          </a:bodyPr>
+          <a:lstStyle>
+            <a:lvl1pPr marL="0" indent="0">
+              <a:buNone/>
+              <a:defRPr sz="2400" b="0">
+                <a:solidFill>
+                  <a:schemeClr val="bg2">
+                    <a:lumMod val="40000"/>
+                    <a:lumOff val="60000"/>
+                  </a:schemeClr>
+                </a:solidFill>
+              </a:defRPr>
+            </a:lvl1pPr>
+            <a:lvl2pPr marL="457200" indent="0">
+              <a:buNone/>
+              <a:defRPr sz="2000" b="1"/>
+            </a:lvl2pPr>
+            <a:lvl3pPr marL="914400" indent="0">
+              <a:buNone/>
+              <a:defRPr sz="1800" b="1"/>
+            </a:lvl3pPr>
+            <a:lvl4pPr marL="1371600" indent="0">
+              <a:buNone/>
+              <a:defRPr sz="1600" b="1"/>
+            </a:lvl4pPr>
+            <a:lvl5pPr marL="1828800" indent="0">
+              <a:buNone/>
+              <a:defRPr sz="1600" b="1"/>
+            </a:lvl5pPr>
+            <a:lvl6pPr marL="2286000" indent="0">
+              <a:buNone/>
+              <a:defRPr sz="1600" b="1"/>
+            </a:lvl6pPr>
+            <a:lvl7pPr marL="2743200" indent="0">
+              <a:buNone/>
+              <a:defRPr sz="1600" b="1"/>
+            </a:lvl7pPr>
+            <a:lvl8pPr marL="3200400" indent="0">
+              <a:buNone/>
+              <a:defRPr sz="1600" b="1"/>
+            </a:lvl8pPr>
+            <a:lvl9pPr marL="3657600" indent="0">
+              <a:buNone/>
+              <a:defRPr sz="1600" b="1"/>
+            </a:lvl9pPr>
+          </a:lstStyle>
+          <a:p>
+            <a:pPr lvl="0"/>
+            <a:r>
+              <a:rPr lang="fr-FR"/>
+              <a:t>Cliquez pour modifier les styles du texte du masque</a:t>
+            </a:r>
+          </a:p>
+        </p:txBody>
+      </p:sp>
+      <p:sp>
+        <p:nvSpPr>
+          <p:cNvPr id="20" name="Text Placeholder 3"/>
+          <p:cNvSpPr>
+            <a:spLocks noGrp="1"/>
+          </p:cNvSpPr>
+          <p:nvPr>
+            <p:ph type="body" sz="half" idx="17"/>
+          </p:nvPr>
+        </p:nvSpPr>
+        <p:spPr>
+          <a:xfrm>
+            <a:off x="5344917" y="2667000"/>
+            <a:ext cx="2199658" cy="3589338"/>
+          </a:xfrm>
+        </p:spPr>
+        <p:txBody>
+          <a:bodyPr anchor="t">
+            <a:normAutofit/>
+          </a:bodyPr>
+          <a:lstStyle>
+            <a:lvl1pPr marL="0" indent="0">
+              <a:buNone/>
+              <a:defRPr sz="1400"/>
+            </a:lvl1pPr>
+            <a:lvl2pPr marL="457200" indent="0">
+              <a:buNone/>
+              <a:defRPr sz="1200"/>
+            </a:lvl2pPr>
+            <a:lvl3pPr marL="914400" indent="0">
+              <a:buNone/>
+              <a:defRPr sz="1000"/>
+            </a:lvl3pPr>
+            <a:lvl4pPr marL="1371600" indent="0">
+              <a:buNone/>
+              <a:defRPr sz="900"/>
+            </a:lvl4pPr>
+            <a:lvl5pPr marL="1828800" indent="0">
+              <a:buNone/>
+              <a:defRPr sz="900"/>
+            </a:lvl5pPr>
+            <a:lvl6pPr marL="2286000" indent="0">
+              <a:buNone/>
+              <a:defRPr sz="900"/>
+            </a:lvl6pPr>
+            <a:lvl7pPr marL="2743200" indent="0">
+              <a:buNone/>
+              <a:defRPr sz="900"/>
+            </a:lvl7pPr>
+            <a:lvl8pPr marL="3200400" indent="0">
+              <a:buNone/>
+              <a:defRPr sz="900"/>
+            </a:lvl8pPr>
+            <a:lvl9pPr marL="3657600" indent="0">
+              <a:buNone/>
+              <a:defRPr sz="900"/>
+            </a:lvl9pPr>
+          </a:lstStyle>
+          <a:p>
+            <a:pPr lvl="0"/>
+            <a:r>
+              <a:rPr lang="fr-FR"/>
+              <a:t>Cliquez pour modifier les styles du texte du masque</a:t>
+            </a:r>
+          </a:p>
+        </p:txBody>
+      </p:sp>
+      <p:cxnSp>
+        <p:nvCxnSpPr>
+          <p:cNvPr id="17" name="Straight Connector 16"/>
+          <p:cNvCxnSpPr/>
+          <p:nvPr/>
+        </p:nvCxnSpPr>
+        <p:spPr>
+          <a:xfrm>
+            <a:off x="2795334" y="2133600"/>
+            <a:ext cx="0" cy="3962400"/>
+          </a:xfrm>
+          <a:prstGeom prst="line">
+            <a:avLst/>
+          </a:prstGeom>
+          <a:ln w="12700" cmpd="sng">
+            <a:solidFill>
+              <a:schemeClr val="bg2">
+                <a:lumMod val="40000"/>
+                <a:lumOff val="60000"/>
+                <a:alpha val="40000"/>
+              </a:schemeClr>
+            </a:solidFill>
+          </a:ln>
+        </p:spPr>
+        <p:style>
+          <a:lnRef idx="2">
+            <a:schemeClr val="accent1"/>
+          </a:lnRef>
+          <a:fillRef idx="0">
+            <a:schemeClr val="accent1"/>
+          </a:fillRef>
+          <a:effectRef idx="1">
+            <a:schemeClr val="accent1"/>
+          </a:effectRef>
+          <a:fontRef idx="minor">
+            <a:schemeClr val="tx1"/>
+          </a:fontRef>
+        </p:style>
+      </p:cxnSp>
+      <p:cxnSp>
+        <p:nvCxnSpPr>
+          <p:cNvPr id="18" name="Straight Connector 17"/>
+          <p:cNvCxnSpPr/>
+          <p:nvPr/>
+        </p:nvCxnSpPr>
+        <p:spPr>
+          <a:xfrm>
+            <a:off x="5223030" y="2133600"/>
+            <a:ext cx="0" cy="3966882"/>
+          </a:xfrm>
+          <a:prstGeom prst="line">
+            <a:avLst/>
+          </a:prstGeom>
+          <a:ln w="12700" cmpd="sng">
+            <a:solidFill>
+              <a:schemeClr val="bg2">
+                <a:lumMod val="40000"/>
+                <a:lumOff val="60000"/>
+                <a:alpha val="40000"/>
+              </a:schemeClr>
+            </a:solidFill>
+          </a:ln>
+        </p:spPr>
+        <p:style>
+          <a:lnRef idx="2">
+            <a:schemeClr val="accent1"/>
+          </a:lnRef>
+          <a:fillRef idx="0">
+            <a:schemeClr val="accent1"/>
+          </a:fillRef>
+          <a:effectRef idx="1">
+            <a:schemeClr val="accent1"/>
+          </a:effectRef>
+          <a:fontRef idx="minor">
+            <a:schemeClr val="tx1"/>
+          </a:fontRef>
+        </p:style>
+      </p:cxnSp>
+      <p:sp>
+        <p:nvSpPr>
+          <p:cNvPr id="7" name="Date Placeholder 3"/>
           <p:cNvSpPr>
             <a:spLocks noGrp="1"/>
           </p:cNvSpPr>
@@ -1358,7 +2024,7 @@
           <a:p>
             <a:fld id="{5BCAD085-E8A6-8845-BD4E-CB4CCA059FC4}" type="datetimeFigureOut">
               <a:rPr lang="en-US" smtClean="0"/>
-              <a:t>12/5/2023</a:t>
+              <a:t>12/6/2023</a:t>
             </a:fld>
             <a:endParaRPr lang="en-US"/>
           </a:p>
@@ -1366,7 +2032,7 @@
       </p:sp>
       <p:sp>
         <p:nvSpPr>
-          <p:cNvPr id="6" name="Footer Placeholder 5"/>
+          <p:cNvPr id="4" name="Footer Placeholder 4"/>
           <p:cNvSpPr>
             <a:spLocks noGrp="1"/>
           </p:cNvSpPr>
@@ -1385,7 +2051,7 @@
       </p:sp>
       <p:sp>
         <p:nvSpPr>
-          <p:cNvPr id="7" name="Slide Number Placeholder 6"/>
+          <p:cNvPr id="6" name="Slide Number Placeholder 5"/>
           <p:cNvSpPr>
             <a:spLocks noGrp="1"/>
           </p:cNvSpPr>
@@ -1409,7 +2075,7 @@
     </p:spTree>
     <p:extLst>
       <p:ext uri="{BB962C8B-B14F-4D97-AF65-F5344CB8AC3E}">
-        <p14:creationId xmlns:p14="http://schemas.microsoft.com/office/powerpoint/2010/main" val="2782244947"/>
+        <p14:creationId xmlns:p14="http://schemas.microsoft.com/office/powerpoint/2010/main" val="3335906249"/>
       </p:ext>
     </p:extLst>
   </p:cSld>
@@ -1419,9 +2085,9 @@
 </p:sldLayout>
 </file>
 
-<file path=ppt/slideLayouts/slideLayout5.xml><?xml version="1.0" encoding="utf-8"?>
-<p:sldLayout xmlns:a="http://schemas.openxmlformats.org/drawingml/2006/main" xmlns:r="http://schemas.openxmlformats.org/officeDocument/2006/relationships" xmlns:p="http://schemas.openxmlformats.org/presentationml/2006/main" type="twoTxTwoObj" preserve="1">
-  <p:cSld name="Comparison">
+<file path=ppt/slideLayouts/slideLayout15.xml><?xml version="1.0" encoding="utf-8"?>
+<p:sldLayout xmlns:a="http://schemas.openxmlformats.org/drawingml/2006/main" xmlns:r="http://schemas.openxmlformats.org/officeDocument/2006/relationships" xmlns:p="http://schemas.openxmlformats.org/presentationml/2006/main" preserve="1">
+  <p:cSld name="3 colonnes d’image">
     <p:spTree>
       <p:nvGrpSpPr>
         <p:cNvPr id="1" name=""/>
@@ -1451,14 +2117,15 @@
           <a:bodyPr/>
           <a:lstStyle>
             <a:lvl1pPr>
-              <a:defRPr/>
+              <a:defRPr sz="4200"/>
             </a:lvl1pPr>
           </a:lstStyle>
           <a:p>
             <a:r>
-              <a:rPr lang="en-US"/>
-              <a:t>Click to edit Master title style</a:t>
-            </a:r>
+              <a:rPr lang="fr-FR"/>
+              <a:t>Modifiez le style du titre</a:t>
+            </a:r>
+            <a:endParaRPr lang="en-US" dirty="0"/>
           </a:p>
         </p:txBody>
       </p:sp>
@@ -1474,16 +2141,25 @@
         </p:nvSpPr>
         <p:spPr>
           <a:xfrm>
-            <a:off x="457200" y="1535113"/>
-            <a:ext cx="4040188" cy="639762"/>
-          </a:xfrm>
-        </p:spPr>
-        <p:txBody>
-          <a:bodyPr anchor="b"/>
+            <a:off x="489475" y="4250949"/>
+            <a:ext cx="2205612" cy="576262"/>
+          </a:xfrm>
+        </p:spPr>
+        <p:txBody>
+          <a:bodyPr anchor="b">
+            <a:noAutofit/>
+          </a:bodyPr>
           <a:lstStyle>
             <a:lvl1pPr marL="0" indent="0">
               <a:buNone/>
-              <a:defRPr sz="2400" b="1"/>
+              <a:defRPr sz="2400" b="0">
+                <a:solidFill>
+                  <a:schemeClr val="bg2">
+                    <a:lumMod val="40000"/>
+                    <a:lumOff val="60000"/>
+                  </a:schemeClr>
+                </a:solidFill>
+              </a:defRPr>
             </a:lvl1pPr>
             <a:lvl2pPr marL="457200" indent="0">
               <a:buNone/>
@@ -1521,118 +2197,189 @@
           <a:p>
             <a:pPr lvl="0"/>
             <a:r>
-              <a:rPr lang="en-US"/>
-              <a:t>Click to edit Master text styles</a:t>
-            </a:r>
-          </a:p>
-        </p:txBody>
-      </p:sp>
-      <p:sp>
-        <p:nvSpPr>
-          <p:cNvPr id="4" name="Content Placeholder 3"/>
-          <p:cNvSpPr>
-            <a:spLocks noGrp="1"/>
-          </p:cNvSpPr>
-          <p:nvPr>
-            <p:ph sz="half" idx="2"/>
-          </p:nvPr>
-        </p:nvSpPr>
-        <p:spPr>
-          <a:xfrm>
-            <a:off x="457200" y="2174875"/>
-            <a:ext cx="4040188" cy="3951288"/>
-          </a:xfrm>
-        </p:spPr>
-        <p:txBody>
-          <a:bodyPr/>
+              <a:rPr lang="fr-FR"/>
+              <a:t>Cliquez pour modifier les styles du texte du masque</a:t>
+            </a:r>
+          </a:p>
+        </p:txBody>
+      </p:sp>
+      <p:sp>
+        <p:nvSpPr>
+          <p:cNvPr id="29" name="Picture Placeholder 2"/>
+          <p:cNvSpPr>
+            <a:spLocks noGrp="1" noChangeAspect="1"/>
+          </p:cNvSpPr>
+          <p:nvPr>
+            <p:ph type="pic" idx="15"/>
+          </p:nvPr>
+        </p:nvSpPr>
+        <p:spPr>
+          <a:xfrm>
+            <a:off x="489475" y="2209800"/>
+            <a:ext cx="2205612" cy="1524000"/>
+          </a:xfrm>
+          <a:prstGeom prst="roundRect">
+            <a:avLst>
+              <a:gd name="adj" fmla="val 1858"/>
+            </a:avLst>
+          </a:prstGeom>
+          <a:effectLst>
+            <a:outerShdw blurRad="50800" dist="50800" dir="5400000" algn="tl" rotWithShape="0">
+              <a:srgbClr val="000000">
+                <a:alpha val="43000"/>
+              </a:srgbClr>
+            </a:outerShdw>
+          </a:effectLst>
+        </p:spPr>
+        <p:txBody>
+          <a:bodyPr anchor="t">
+            <a:normAutofit/>
+          </a:bodyPr>
           <a:lstStyle>
-            <a:lvl1pPr>
-              <a:defRPr sz="2400"/>
+            <a:lvl1pPr marL="0" indent="0" algn="ctr">
+              <a:buNone/>
+              <a:defRPr sz="1600"/>
             </a:lvl1pPr>
-            <a:lvl2pPr>
-              <a:defRPr sz="2000"/>
+            <a:lvl2pPr marL="457200" indent="0">
+              <a:buNone/>
+              <a:defRPr sz="1600"/>
             </a:lvl2pPr>
-            <a:lvl3pPr>
-              <a:defRPr sz="1800"/>
+            <a:lvl3pPr marL="914400" indent="0">
+              <a:buNone/>
+              <a:defRPr sz="1600"/>
             </a:lvl3pPr>
-            <a:lvl4pPr>
+            <a:lvl4pPr marL="1371600" indent="0">
+              <a:buNone/>
               <a:defRPr sz="1600"/>
             </a:lvl4pPr>
-            <a:lvl5pPr>
+            <a:lvl5pPr marL="1828800" indent="0">
+              <a:buNone/>
               <a:defRPr sz="1600"/>
             </a:lvl5pPr>
-            <a:lvl6pPr>
+            <a:lvl6pPr marL="2286000" indent="0">
+              <a:buNone/>
               <a:defRPr sz="1600"/>
             </a:lvl6pPr>
-            <a:lvl7pPr>
+            <a:lvl7pPr marL="2743200" indent="0">
+              <a:buNone/>
               <a:defRPr sz="1600"/>
             </a:lvl7pPr>
-            <a:lvl8pPr>
+            <a:lvl8pPr marL="3200400" indent="0">
+              <a:buNone/>
               <a:defRPr sz="1600"/>
             </a:lvl8pPr>
-            <a:lvl9pPr>
+            <a:lvl9pPr marL="3657600" indent="0">
+              <a:buNone/>
               <a:defRPr sz="1600"/>
             </a:lvl9pPr>
           </a:lstStyle>
           <a:p>
-            <a:pPr lvl="0"/>
-            <a:r>
-              <a:rPr lang="en-US"/>
-              <a:t>Click to edit Master text styles</a:t>
-            </a:r>
-          </a:p>
-          <a:p>
-            <a:pPr lvl="1"/>
-            <a:r>
-              <a:rPr lang="en-US"/>
-              <a:t>Second level</a:t>
-            </a:r>
-          </a:p>
-          <a:p>
-            <a:pPr lvl="2"/>
-            <a:r>
-              <a:rPr lang="en-US"/>
-              <a:t>Third level</a:t>
-            </a:r>
-          </a:p>
-          <a:p>
-            <a:pPr lvl="3"/>
-            <a:r>
-              <a:rPr lang="en-US"/>
-              <a:t>Fourth level</a:t>
-            </a:r>
-          </a:p>
-          <a:p>
-            <a:pPr lvl="4"/>
-            <a:r>
-              <a:rPr lang="en-US"/>
-              <a:t>Fifth level</a:t>
-            </a:r>
-          </a:p>
-        </p:txBody>
-      </p:sp>
-      <p:sp>
-        <p:nvSpPr>
-          <p:cNvPr id="5" name="Text Placeholder 4"/>
-          <p:cNvSpPr>
-            <a:spLocks noGrp="1"/>
-          </p:cNvSpPr>
-          <p:nvPr>
-            <p:ph type="body" sz="quarter" idx="3"/>
-          </p:nvPr>
-        </p:nvSpPr>
-        <p:spPr>
-          <a:xfrm>
-            <a:off x="4645025" y="1535113"/>
-            <a:ext cx="4041775" cy="639762"/>
-          </a:xfrm>
-        </p:spPr>
-        <p:txBody>
-          <a:bodyPr anchor="b"/>
+            <a:r>
+              <a:rPr lang="fr-FR"/>
+              <a:t>Cliquez sur l'icône pour ajouter une image</a:t>
+            </a:r>
+            <a:endParaRPr lang="en-US" dirty="0"/>
+          </a:p>
+        </p:txBody>
+      </p:sp>
+      <p:sp>
+        <p:nvSpPr>
+          <p:cNvPr id="22" name="Text Placeholder 3"/>
+          <p:cNvSpPr>
+            <a:spLocks noGrp="1"/>
+          </p:cNvSpPr>
+          <p:nvPr>
+            <p:ph type="body" sz="half" idx="18"/>
+          </p:nvPr>
+        </p:nvSpPr>
+        <p:spPr>
+          <a:xfrm>
+            <a:off x="489475" y="4827212"/>
+            <a:ext cx="2205612" cy="659189"/>
+          </a:xfrm>
+        </p:spPr>
+        <p:txBody>
+          <a:bodyPr anchor="t">
+            <a:normAutofit/>
+          </a:bodyPr>
           <a:lstStyle>
             <a:lvl1pPr marL="0" indent="0">
               <a:buNone/>
-              <a:defRPr sz="2400" b="1"/>
+              <a:defRPr sz="1400"/>
+            </a:lvl1pPr>
+            <a:lvl2pPr marL="457200" indent="0">
+              <a:buNone/>
+              <a:defRPr sz="1200"/>
+            </a:lvl2pPr>
+            <a:lvl3pPr marL="914400" indent="0">
+              <a:buNone/>
+              <a:defRPr sz="1000"/>
+            </a:lvl3pPr>
+            <a:lvl4pPr marL="1371600" indent="0">
+              <a:buNone/>
+              <a:defRPr sz="900"/>
+            </a:lvl4pPr>
+            <a:lvl5pPr marL="1828800" indent="0">
+              <a:buNone/>
+              <a:defRPr sz="900"/>
+            </a:lvl5pPr>
+            <a:lvl6pPr marL="2286000" indent="0">
+              <a:buNone/>
+              <a:defRPr sz="900"/>
+            </a:lvl6pPr>
+            <a:lvl7pPr marL="2743200" indent="0">
+              <a:buNone/>
+              <a:defRPr sz="900"/>
+            </a:lvl7pPr>
+            <a:lvl8pPr marL="3200400" indent="0">
+              <a:buNone/>
+              <a:defRPr sz="900"/>
+            </a:lvl8pPr>
+            <a:lvl9pPr marL="3657600" indent="0">
+              <a:buNone/>
+              <a:defRPr sz="900"/>
+            </a:lvl9pPr>
+          </a:lstStyle>
+          <a:p>
+            <a:pPr lvl="0"/>
+            <a:r>
+              <a:rPr lang="fr-FR"/>
+              <a:t>Cliquez pour modifier les styles du texte du masque</a:t>
+            </a:r>
+          </a:p>
+        </p:txBody>
+      </p:sp>
+      <p:sp>
+        <p:nvSpPr>
+          <p:cNvPr id="5" name="Text Placeholder 4"/>
+          <p:cNvSpPr>
+            <a:spLocks noGrp="1"/>
+          </p:cNvSpPr>
+          <p:nvPr>
+            <p:ph type="body" sz="quarter" idx="3"/>
+          </p:nvPr>
+        </p:nvSpPr>
+        <p:spPr>
+          <a:xfrm>
+            <a:off x="2917792" y="4250949"/>
+            <a:ext cx="2198466" cy="576262"/>
+          </a:xfrm>
+        </p:spPr>
+        <p:txBody>
+          <a:bodyPr anchor="b">
+            <a:noAutofit/>
+          </a:bodyPr>
+          <a:lstStyle>
+            <a:lvl1pPr marL="0" indent="0">
+              <a:buNone/>
+              <a:defRPr sz="2400" b="0">
+                <a:solidFill>
+                  <a:schemeClr val="bg2">
+                    <a:lumMod val="40000"/>
+                    <a:lumOff val="60000"/>
+                  </a:schemeClr>
+                </a:solidFill>
+              </a:defRPr>
             </a:lvl1pPr>
             <a:lvl2pPr marL="457200" indent="0">
               <a:buNone/>
@@ -1670,99 +2417,459 @@
           <a:p>
             <a:pPr lvl="0"/>
             <a:r>
-              <a:rPr lang="en-US"/>
-              <a:t>Click to edit Master text styles</a:t>
-            </a:r>
-          </a:p>
-        </p:txBody>
-      </p:sp>
-      <p:sp>
-        <p:nvSpPr>
-          <p:cNvPr id="6" name="Content Placeholder 5"/>
-          <p:cNvSpPr>
-            <a:spLocks noGrp="1"/>
-          </p:cNvSpPr>
-          <p:nvPr>
-            <p:ph sz="quarter" idx="4"/>
-          </p:nvPr>
-        </p:nvSpPr>
-        <p:spPr>
-          <a:xfrm>
-            <a:off x="4645025" y="2174875"/>
-            <a:ext cx="4041775" cy="3951288"/>
-          </a:xfrm>
-        </p:spPr>
-        <p:txBody>
-          <a:bodyPr/>
+              <a:rPr lang="fr-FR"/>
+              <a:t>Cliquez pour modifier les styles du texte du masque</a:t>
+            </a:r>
+          </a:p>
+        </p:txBody>
+      </p:sp>
+      <p:sp>
+        <p:nvSpPr>
+          <p:cNvPr id="30" name="Picture Placeholder 2"/>
+          <p:cNvSpPr>
+            <a:spLocks noGrp="1" noChangeAspect="1"/>
+          </p:cNvSpPr>
+          <p:nvPr>
+            <p:ph type="pic" idx="21"/>
+          </p:nvPr>
+        </p:nvSpPr>
+        <p:spPr>
+          <a:xfrm>
+            <a:off x="2917791" y="2209800"/>
+            <a:ext cx="2198466" cy="1524000"/>
+          </a:xfrm>
+          <a:prstGeom prst="roundRect">
+            <a:avLst>
+              <a:gd name="adj" fmla="val 1858"/>
+            </a:avLst>
+          </a:prstGeom>
+          <a:effectLst>
+            <a:outerShdw blurRad="50800" dist="50800" dir="5400000" algn="tl" rotWithShape="0">
+              <a:srgbClr val="000000">
+                <a:alpha val="43000"/>
+              </a:srgbClr>
+            </a:outerShdw>
+          </a:effectLst>
+        </p:spPr>
+        <p:txBody>
+          <a:bodyPr anchor="t">
+            <a:normAutofit/>
+          </a:bodyPr>
           <a:lstStyle>
-            <a:lvl1pPr>
-              <a:defRPr sz="2400"/>
+            <a:lvl1pPr marL="0" indent="0" algn="ctr">
+              <a:buNone/>
+              <a:defRPr sz="1600"/>
             </a:lvl1pPr>
-            <a:lvl2pPr>
-              <a:defRPr sz="2000"/>
+            <a:lvl2pPr marL="457200" indent="0">
+              <a:buNone/>
+              <a:defRPr sz="1600"/>
             </a:lvl2pPr>
-            <a:lvl3pPr>
-              <a:defRPr sz="1800"/>
+            <a:lvl3pPr marL="914400" indent="0">
+              <a:buNone/>
+              <a:defRPr sz="1600"/>
             </a:lvl3pPr>
-            <a:lvl4pPr>
+            <a:lvl4pPr marL="1371600" indent="0">
+              <a:buNone/>
               <a:defRPr sz="1600"/>
             </a:lvl4pPr>
-            <a:lvl5pPr>
+            <a:lvl5pPr marL="1828800" indent="0">
+              <a:buNone/>
               <a:defRPr sz="1600"/>
             </a:lvl5pPr>
-            <a:lvl6pPr>
+            <a:lvl6pPr marL="2286000" indent="0">
+              <a:buNone/>
               <a:defRPr sz="1600"/>
             </a:lvl6pPr>
-            <a:lvl7pPr>
+            <a:lvl7pPr marL="2743200" indent="0">
+              <a:buNone/>
               <a:defRPr sz="1600"/>
             </a:lvl7pPr>
-            <a:lvl8pPr>
+            <a:lvl8pPr marL="3200400" indent="0">
+              <a:buNone/>
               <a:defRPr sz="1600"/>
             </a:lvl8pPr>
-            <a:lvl9pPr>
+            <a:lvl9pPr marL="3657600" indent="0">
+              <a:buNone/>
               <a:defRPr sz="1600"/>
             </a:lvl9pPr>
           </a:lstStyle>
           <a:p>
+            <a:r>
+              <a:rPr lang="fr-FR"/>
+              <a:t>Cliquez sur l'icône pour ajouter une image</a:t>
+            </a:r>
+            <a:endParaRPr lang="en-US" dirty="0"/>
+          </a:p>
+        </p:txBody>
+      </p:sp>
+      <p:sp>
+        <p:nvSpPr>
+          <p:cNvPr id="23" name="Text Placeholder 3"/>
+          <p:cNvSpPr>
+            <a:spLocks noGrp="1"/>
+          </p:cNvSpPr>
+          <p:nvPr>
+            <p:ph type="body" sz="half" idx="19"/>
+          </p:nvPr>
+        </p:nvSpPr>
+        <p:spPr>
+          <a:xfrm>
+            <a:off x="2916776" y="4827211"/>
+            <a:ext cx="2201378" cy="659189"/>
+          </a:xfrm>
+        </p:spPr>
+        <p:txBody>
+          <a:bodyPr anchor="t">
+            <a:normAutofit/>
+          </a:bodyPr>
+          <a:lstStyle>
+            <a:lvl1pPr marL="0" indent="0">
+              <a:buNone/>
+              <a:defRPr sz="1400"/>
+            </a:lvl1pPr>
+            <a:lvl2pPr marL="457200" indent="0">
+              <a:buNone/>
+              <a:defRPr sz="1200"/>
+            </a:lvl2pPr>
+            <a:lvl3pPr marL="914400" indent="0">
+              <a:buNone/>
+              <a:defRPr sz="1000"/>
+            </a:lvl3pPr>
+            <a:lvl4pPr marL="1371600" indent="0">
+              <a:buNone/>
+              <a:defRPr sz="900"/>
+            </a:lvl4pPr>
+            <a:lvl5pPr marL="1828800" indent="0">
+              <a:buNone/>
+              <a:defRPr sz="900"/>
+            </a:lvl5pPr>
+            <a:lvl6pPr marL="2286000" indent="0">
+              <a:buNone/>
+              <a:defRPr sz="900"/>
+            </a:lvl6pPr>
+            <a:lvl7pPr marL="2743200" indent="0">
+              <a:buNone/>
+              <a:defRPr sz="900"/>
+            </a:lvl7pPr>
+            <a:lvl8pPr marL="3200400" indent="0">
+              <a:buNone/>
+              <a:defRPr sz="900"/>
+            </a:lvl8pPr>
+            <a:lvl9pPr marL="3657600" indent="0">
+              <a:buNone/>
+              <a:defRPr sz="900"/>
+            </a:lvl9pPr>
+          </a:lstStyle>
+          <a:p>
             <a:pPr lvl="0"/>
             <a:r>
-              <a:rPr lang="en-US"/>
-              <a:t>Click to edit Master text styles</a:t>
-            </a:r>
-          </a:p>
-          <a:p>
-            <a:pPr lvl="1"/>
-            <a:r>
-              <a:rPr lang="en-US"/>
-              <a:t>Second level</a:t>
-            </a:r>
-          </a:p>
-          <a:p>
-            <a:pPr lvl="2"/>
-            <a:r>
-              <a:rPr lang="en-US"/>
-              <a:t>Third level</a:t>
-            </a:r>
-          </a:p>
-          <a:p>
-            <a:pPr lvl="3"/>
-            <a:r>
-              <a:rPr lang="en-US"/>
-              <a:t>Fourth level</a:t>
-            </a:r>
-          </a:p>
-          <a:p>
-            <a:pPr lvl="4"/>
-            <a:r>
-              <a:rPr lang="en-US"/>
-              <a:t>Fifth level</a:t>
-            </a:r>
-          </a:p>
-        </p:txBody>
-      </p:sp>
-      <p:sp>
-        <p:nvSpPr>
-          <p:cNvPr id="7" name="Date Placeholder 6"/>
+              <a:rPr lang="fr-FR"/>
+              <a:t>Cliquez pour modifier les styles du texte du masque</a:t>
+            </a:r>
+          </a:p>
+        </p:txBody>
+      </p:sp>
+      <p:sp>
+        <p:nvSpPr>
+          <p:cNvPr id="14" name="Text Placeholder 4"/>
+          <p:cNvSpPr>
+            <a:spLocks noGrp="1"/>
+          </p:cNvSpPr>
+          <p:nvPr>
+            <p:ph type="body" sz="quarter" idx="13"/>
+          </p:nvPr>
+        </p:nvSpPr>
+        <p:spPr>
+          <a:xfrm>
+            <a:off x="5344917" y="4250949"/>
+            <a:ext cx="2199658" cy="576262"/>
+          </a:xfrm>
+        </p:spPr>
+        <p:txBody>
+          <a:bodyPr anchor="b">
+            <a:noAutofit/>
+          </a:bodyPr>
+          <a:lstStyle>
+            <a:lvl1pPr marL="0" indent="0">
+              <a:buNone/>
+              <a:defRPr sz="2400" b="0">
+                <a:solidFill>
+                  <a:schemeClr val="bg2">
+                    <a:lumMod val="40000"/>
+                    <a:lumOff val="60000"/>
+                  </a:schemeClr>
+                </a:solidFill>
+              </a:defRPr>
+            </a:lvl1pPr>
+            <a:lvl2pPr marL="457200" indent="0">
+              <a:buNone/>
+              <a:defRPr sz="2000" b="1"/>
+            </a:lvl2pPr>
+            <a:lvl3pPr marL="914400" indent="0">
+              <a:buNone/>
+              <a:defRPr sz="1800" b="1"/>
+            </a:lvl3pPr>
+            <a:lvl4pPr marL="1371600" indent="0">
+              <a:buNone/>
+              <a:defRPr sz="1600" b="1"/>
+            </a:lvl4pPr>
+            <a:lvl5pPr marL="1828800" indent="0">
+              <a:buNone/>
+              <a:defRPr sz="1600" b="1"/>
+            </a:lvl5pPr>
+            <a:lvl6pPr marL="2286000" indent="0">
+              <a:buNone/>
+              <a:defRPr sz="1600" b="1"/>
+            </a:lvl6pPr>
+            <a:lvl7pPr marL="2743200" indent="0">
+              <a:buNone/>
+              <a:defRPr sz="1600" b="1"/>
+            </a:lvl7pPr>
+            <a:lvl8pPr marL="3200400" indent="0">
+              <a:buNone/>
+              <a:defRPr sz="1600" b="1"/>
+            </a:lvl8pPr>
+            <a:lvl9pPr marL="3657600" indent="0">
+              <a:buNone/>
+              <a:defRPr sz="1600" b="1"/>
+            </a:lvl9pPr>
+          </a:lstStyle>
+          <a:p>
+            <a:pPr lvl="0"/>
+            <a:r>
+              <a:rPr lang="fr-FR"/>
+              <a:t>Cliquez pour modifier les styles du texte du masque</a:t>
+            </a:r>
+          </a:p>
+        </p:txBody>
+      </p:sp>
+      <p:sp>
+        <p:nvSpPr>
+          <p:cNvPr id="31" name="Picture Placeholder 2"/>
+          <p:cNvSpPr>
+            <a:spLocks noGrp="1" noChangeAspect="1"/>
+          </p:cNvSpPr>
+          <p:nvPr>
+            <p:ph type="pic" idx="22"/>
+          </p:nvPr>
+        </p:nvSpPr>
+        <p:spPr>
+          <a:xfrm>
+            <a:off x="5344916" y="2209800"/>
+            <a:ext cx="2199658" cy="1524000"/>
+          </a:xfrm>
+          <a:prstGeom prst="roundRect">
+            <a:avLst>
+              <a:gd name="adj" fmla="val 1858"/>
+            </a:avLst>
+          </a:prstGeom>
+          <a:effectLst>
+            <a:outerShdw blurRad="50800" dist="50800" dir="5400000" algn="tl" rotWithShape="0">
+              <a:srgbClr val="000000">
+                <a:alpha val="43000"/>
+              </a:srgbClr>
+            </a:outerShdw>
+          </a:effectLst>
+        </p:spPr>
+        <p:txBody>
+          <a:bodyPr anchor="t">
+            <a:normAutofit/>
+          </a:bodyPr>
+          <a:lstStyle>
+            <a:lvl1pPr marL="0" indent="0" algn="ctr">
+              <a:buNone/>
+              <a:defRPr sz="1600"/>
+            </a:lvl1pPr>
+            <a:lvl2pPr marL="457200" indent="0">
+              <a:buNone/>
+              <a:defRPr sz="1600"/>
+            </a:lvl2pPr>
+            <a:lvl3pPr marL="914400" indent="0">
+              <a:buNone/>
+              <a:defRPr sz="1600"/>
+            </a:lvl3pPr>
+            <a:lvl4pPr marL="1371600" indent="0">
+              <a:buNone/>
+              <a:defRPr sz="1600"/>
+            </a:lvl4pPr>
+            <a:lvl5pPr marL="1828800" indent="0">
+              <a:buNone/>
+              <a:defRPr sz="1600"/>
+            </a:lvl5pPr>
+            <a:lvl6pPr marL="2286000" indent="0">
+              <a:buNone/>
+              <a:defRPr sz="1600"/>
+            </a:lvl6pPr>
+            <a:lvl7pPr marL="2743200" indent="0">
+              <a:buNone/>
+              <a:defRPr sz="1600"/>
+            </a:lvl7pPr>
+            <a:lvl8pPr marL="3200400" indent="0">
+              <a:buNone/>
+              <a:defRPr sz="1600"/>
+            </a:lvl8pPr>
+            <a:lvl9pPr marL="3657600" indent="0">
+              <a:buNone/>
+              <a:defRPr sz="1600"/>
+            </a:lvl9pPr>
+          </a:lstStyle>
+          <a:p>
+            <a:r>
+              <a:rPr lang="fr-FR"/>
+              <a:t>Cliquez sur l'icône pour ajouter une image</a:t>
+            </a:r>
+            <a:endParaRPr lang="en-US" dirty="0"/>
+          </a:p>
+        </p:txBody>
+      </p:sp>
+      <p:sp>
+        <p:nvSpPr>
+          <p:cNvPr id="24" name="Text Placeholder 3"/>
+          <p:cNvSpPr>
+            <a:spLocks noGrp="1"/>
+          </p:cNvSpPr>
+          <p:nvPr>
+            <p:ph type="body" sz="half" idx="20"/>
+          </p:nvPr>
+        </p:nvSpPr>
+        <p:spPr>
+          <a:xfrm>
+            <a:off x="5344824" y="4827209"/>
+            <a:ext cx="2202571" cy="659189"/>
+          </a:xfrm>
+        </p:spPr>
+        <p:txBody>
+          <a:bodyPr anchor="t">
+            <a:normAutofit/>
+          </a:bodyPr>
+          <a:lstStyle>
+            <a:lvl1pPr marL="0" indent="0">
+              <a:buNone/>
+              <a:defRPr sz="1400"/>
+            </a:lvl1pPr>
+            <a:lvl2pPr marL="457200" indent="0">
+              <a:buNone/>
+              <a:defRPr sz="1200"/>
+            </a:lvl2pPr>
+            <a:lvl3pPr marL="914400" indent="0">
+              <a:buNone/>
+              <a:defRPr sz="1000"/>
+            </a:lvl3pPr>
+            <a:lvl4pPr marL="1371600" indent="0">
+              <a:buNone/>
+              <a:defRPr sz="900"/>
+            </a:lvl4pPr>
+            <a:lvl5pPr marL="1828800" indent="0">
+              <a:buNone/>
+              <a:defRPr sz="900"/>
+            </a:lvl5pPr>
+            <a:lvl6pPr marL="2286000" indent="0">
+              <a:buNone/>
+              <a:defRPr sz="900"/>
+            </a:lvl6pPr>
+            <a:lvl7pPr marL="2743200" indent="0">
+              <a:buNone/>
+              <a:defRPr sz="900"/>
+            </a:lvl7pPr>
+            <a:lvl8pPr marL="3200400" indent="0">
+              <a:buNone/>
+              <a:defRPr sz="900"/>
+            </a:lvl8pPr>
+            <a:lvl9pPr marL="3657600" indent="0">
+              <a:buNone/>
+              <a:defRPr sz="900"/>
+            </a:lvl9pPr>
+          </a:lstStyle>
+          <a:p>
+            <a:pPr lvl="0"/>
+            <a:r>
+              <a:rPr lang="fr-FR"/>
+              <a:t>Cliquez pour modifier les styles du texte du masque</a:t>
+            </a:r>
+          </a:p>
+        </p:txBody>
+      </p:sp>
+      <p:cxnSp>
+        <p:nvCxnSpPr>
+          <p:cNvPr id="19" name="Straight Connector 18"/>
+          <p:cNvCxnSpPr/>
+          <p:nvPr/>
+        </p:nvCxnSpPr>
+        <p:spPr>
+          <a:xfrm>
+            <a:off x="2795334" y="2133600"/>
+            <a:ext cx="0" cy="3962400"/>
+          </a:xfrm>
+          <a:prstGeom prst="line">
+            <a:avLst/>
+          </a:prstGeom>
+          <a:ln w="12700" cmpd="sng">
+            <a:solidFill>
+              <a:schemeClr val="bg2">
+                <a:lumMod val="40000"/>
+                <a:lumOff val="60000"/>
+                <a:alpha val="40000"/>
+              </a:schemeClr>
+            </a:solidFill>
+          </a:ln>
+        </p:spPr>
+        <p:style>
+          <a:lnRef idx="2">
+            <a:schemeClr val="accent1"/>
+          </a:lnRef>
+          <a:fillRef idx="0">
+            <a:schemeClr val="accent1"/>
+          </a:fillRef>
+          <a:effectRef idx="1">
+            <a:schemeClr val="accent1"/>
+          </a:effectRef>
+          <a:fontRef idx="minor">
+            <a:schemeClr val="tx1"/>
+          </a:fontRef>
+        </p:style>
+      </p:cxnSp>
+      <p:cxnSp>
+        <p:nvCxnSpPr>
+          <p:cNvPr id="20" name="Straight Connector 19"/>
+          <p:cNvCxnSpPr/>
+          <p:nvPr/>
+        </p:nvCxnSpPr>
+        <p:spPr>
+          <a:xfrm>
+            <a:off x="5223030" y="2133600"/>
+            <a:ext cx="0" cy="3966882"/>
+          </a:xfrm>
+          <a:prstGeom prst="line">
+            <a:avLst/>
+          </a:prstGeom>
+          <a:ln w="12700" cmpd="sng">
+            <a:solidFill>
+              <a:schemeClr val="bg2">
+                <a:lumMod val="40000"/>
+                <a:lumOff val="60000"/>
+                <a:alpha val="40000"/>
+              </a:schemeClr>
+            </a:solidFill>
+          </a:ln>
+        </p:spPr>
+        <p:style>
+          <a:lnRef idx="2">
+            <a:schemeClr val="accent1"/>
+          </a:lnRef>
+          <a:fillRef idx="0">
+            <a:schemeClr val="accent1"/>
+          </a:fillRef>
+          <a:effectRef idx="1">
+            <a:schemeClr val="accent1"/>
+          </a:effectRef>
+          <a:fontRef idx="minor">
+            <a:schemeClr val="tx1"/>
+          </a:fontRef>
+        </p:style>
+      </p:cxnSp>
+      <p:sp>
+        <p:nvSpPr>
+          <p:cNvPr id="7" name="Date Placeholder 3"/>
           <p:cNvSpPr>
             <a:spLocks noGrp="1"/>
           </p:cNvSpPr>
@@ -1777,7 +2884,7 @@
           <a:p>
             <a:fld id="{5BCAD085-E8A6-8845-BD4E-CB4CCA059FC4}" type="datetimeFigureOut">
               <a:rPr lang="en-US" smtClean="0"/>
-              <a:t>12/5/2023</a:t>
+              <a:t>12/6/2023</a:t>
             </a:fld>
             <a:endParaRPr lang="en-US"/>
           </a:p>
@@ -1785,7 +2892,7 @@
       </p:sp>
       <p:sp>
         <p:nvSpPr>
-          <p:cNvPr id="8" name="Footer Placeholder 7"/>
+          <p:cNvPr id="4" name="Footer Placeholder 4"/>
           <p:cNvSpPr>
             <a:spLocks noGrp="1"/>
           </p:cNvSpPr>
@@ -1804,7 +2911,7 @@
       </p:sp>
       <p:sp>
         <p:nvSpPr>
-          <p:cNvPr id="9" name="Slide Number Placeholder 8"/>
+          <p:cNvPr id="6" name="Slide Number Placeholder 5"/>
           <p:cNvSpPr>
             <a:spLocks noGrp="1"/>
           </p:cNvSpPr>
@@ -1828,7 +2935,7 @@
     </p:spTree>
     <p:extLst>
       <p:ext uri="{BB962C8B-B14F-4D97-AF65-F5344CB8AC3E}">
-        <p14:creationId xmlns:p14="http://schemas.microsoft.com/office/powerpoint/2010/main" val="990158736"/>
+        <p14:creationId xmlns:p14="http://schemas.microsoft.com/office/powerpoint/2010/main" val="2766002249"/>
       </p:ext>
     </p:extLst>
   </p:cSld>
@@ -1838,9 +2945,9 @@
 </p:sldLayout>
 </file>
 
-<file path=ppt/slideLayouts/slideLayout6.xml><?xml version="1.0" encoding="utf-8"?>
-<p:sldLayout xmlns:a="http://schemas.openxmlformats.org/drawingml/2006/main" xmlns:r="http://schemas.openxmlformats.org/officeDocument/2006/relationships" xmlns:p="http://schemas.openxmlformats.org/presentationml/2006/main" type="titleOnly" preserve="1">
-  <p:cSld name="Title Only">
+<file path=ppt/slideLayouts/slideLayout16.xml><?xml version="1.0" encoding="utf-8"?>
+<p:sldLayout xmlns:a="http://schemas.openxmlformats.org/drawingml/2006/main" xmlns:r="http://schemas.openxmlformats.org/officeDocument/2006/relationships" xmlns:p="http://schemas.openxmlformats.org/presentationml/2006/main" type="vertTx" preserve="1">
+  <p:cSld name="Titre et texte vertical">
     <p:spTree>
       <p:nvGrpSpPr>
         <p:cNvPr id="1" name=""/>
@@ -1871,15 +2978,68 @@
           <a:lstStyle/>
           <a:p>
             <a:r>
-              <a:rPr lang="en-US"/>
-              <a:t>Click to edit Master title style</a:t>
-            </a:r>
-          </a:p>
-        </p:txBody>
-      </p:sp>
-      <p:sp>
-        <p:nvSpPr>
-          <p:cNvPr id="3" name="Date Placeholder 2"/>
+              <a:rPr lang="fr-FR"/>
+              <a:t>Modifiez le style du titre</a:t>
+            </a:r>
+            <a:endParaRPr lang="en-US" dirty="0"/>
+          </a:p>
+        </p:txBody>
+      </p:sp>
+      <p:sp>
+        <p:nvSpPr>
+          <p:cNvPr id="3" name="Vertical Text Placeholder 2"/>
+          <p:cNvSpPr>
+            <a:spLocks noGrp="1"/>
+          </p:cNvSpPr>
+          <p:nvPr>
+            <p:ph type="body" orient="vert" idx="1"/>
+          </p:nvPr>
+        </p:nvSpPr>
+        <p:spPr/>
+        <p:txBody>
+          <a:bodyPr vert="eaVert" anchor="t" anchorCtr="0"/>
+          <a:lstStyle/>
+          <a:p>
+            <a:pPr lvl="0"/>
+            <a:r>
+              <a:rPr lang="fr-FR"/>
+              <a:t>Cliquez pour modifier les styles du texte du masque</a:t>
+            </a:r>
+          </a:p>
+          <a:p>
+            <a:pPr lvl="1"/>
+            <a:r>
+              <a:rPr lang="fr-FR"/>
+              <a:t>Deuxième niveau</a:t>
+            </a:r>
+          </a:p>
+          <a:p>
+            <a:pPr lvl="2"/>
+            <a:r>
+              <a:rPr lang="fr-FR"/>
+              <a:t>Troisième niveau</a:t>
+            </a:r>
+          </a:p>
+          <a:p>
+            <a:pPr lvl="3"/>
+            <a:r>
+              <a:rPr lang="fr-FR"/>
+              <a:t>Quatrième niveau</a:t>
+            </a:r>
+          </a:p>
+          <a:p>
+            <a:pPr lvl="4"/>
+            <a:r>
+              <a:rPr lang="fr-FR"/>
+              <a:t>Cinquième niveau</a:t>
+            </a:r>
+            <a:endParaRPr lang="en-US" dirty="0"/>
+          </a:p>
+        </p:txBody>
+      </p:sp>
+      <p:sp>
+        <p:nvSpPr>
+          <p:cNvPr id="4" name="Date Placeholder 3"/>
           <p:cNvSpPr>
             <a:spLocks noGrp="1"/>
           </p:cNvSpPr>
@@ -1894,7 +3054,7 @@
           <a:p>
             <a:fld id="{5BCAD085-E8A6-8845-BD4E-CB4CCA059FC4}" type="datetimeFigureOut">
               <a:rPr lang="en-US" smtClean="0"/>
-              <a:t>12/5/2023</a:t>
+              <a:t>12/6/2023</a:t>
             </a:fld>
             <a:endParaRPr lang="en-US"/>
           </a:p>
@@ -1902,7 +3062,7 @@
       </p:sp>
       <p:sp>
         <p:nvSpPr>
-          <p:cNvPr id="4" name="Footer Placeholder 3"/>
+          <p:cNvPr id="5" name="Footer Placeholder 4"/>
           <p:cNvSpPr>
             <a:spLocks noGrp="1"/>
           </p:cNvSpPr>
@@ -1921,7 +3081,7 @@
       </p:sp>
       <p:sp>
         <p:nvSpPr>
-          <p:cNvPr id="5" name="Slide Number Placeholder 4"/>
+          <p:cNvPr id="6" name="Slide Number Placeholder 5"/>
           <p:cNvSpPr>
             <a:spLocks noGrp="1"/>
           </p:cNvSpPr>
@@ -1945,7 +3105,7 @@
     </p:spTree>
     <p:extLst>
       <p:ext uri="{BB962C8B-B14F-4D97-AF65-F5344CB8AC3E}">
-        <p14:creationId xmlns:p14="http://schemas.microsoft.com/office/powerpoint/2010/main" val="727027711"/>
+        <p14:creationId xmlns:p14="http://schemas.microsoft.com/office/powerpoint/2010/main" val="1194067906"/>
       </p:ext>
     </p:extLst>
   </p:cSld>
@@ -1955,9 +3115,9 @@
 </p:sldLayout>
 </file>
 
-<file path=ppt/slideLayouts/slideLayout7.xml><?xml version="1.0" encoding="utf-8"?>
-<p:sldLayout xmlns:a="http://schemas.openxmlformats.org/drawingml/2006/main" xmlns:r="http://schemas.openxmlformats.org/officeDocument/2006/relationships" xmlns:p="http://schemas.openxmlformats.org/presentationml/2006/main" type="blank" preserve="1">
-  <p:cSld name="Blank">
+<file path=ppt/slideLayouts/slideLayout17.xml><?xml version="1.0" encoding="utf-8"?>
+<p:sldLayout xmlns:a="http://schemas.openxmlformats.org/drawingml/2006/main" xmlns:r="http://schemas.openxmlformats.org/officeDocument/2006/relationships" xmlns:p="http://schemas.openxmlformats.org/presentationml/2006/main" type="vertTitleAndTx" preserve="1">
+  <p:cSld name="Titre vertical et texte">
     <p:spTree>
       <p:nvGrpSpPr>
         <p:cNvPr id="1" name=""/>
@@ -1974,7 +3134,92 @@
       </p:grpSpPr>
       <p:sp>
         <p:nvSpPr>
-          <p:cNvPr id="2" name="Date Placeholder 1"/>
+          <p:cNvPr id="2" name="Vertical Title 1"/>
+          <p:cNvSpPr>
+            <a:spLocks noGrp="1"/>
+          </p:cNvSpPr>
+          <p:nvPr>
+            <p:ph type="title" orient="vert"/>
+          </p:nvPr>
+        </p:nvSpPr>
+        <p:spPr>
+          <a:xfrm>
+            <a:off x="6229782" y="430214"/>
+            <a:ext cx="1314793" cy="5826125"/>
+          </a:xfrm>
+        </p:spPr>
+        <p:txBody>
+          <a:bodyPr vert="eaVert" anchor="b" anchorCtr="0"/>
+          <a:lstStyle/>
+          <a:p>
+            <a:r>
+              <a:rPr lang="fr-FR"/>
+              <a:t>Modifiez le style du titre</a:t>
+            </a:r>
+            <a:endParaRPr lang="en-US" dirty="0"/>
+          </a:p>
+        </p:txBody>
+      </p:sp>
+      <p:sp>
+        <p:nvSpPr>
+          <p:cNvPr id="3" name="Vertical Text Placeholder 2"/>
+          <p:cNvSpPr>
+            <a:spLocks noGrp="1"/>
+          </p:cNvSpPr>
+          <p:nvPr>
+            <p:ph type="body" orient="vert" idx="1"/>
+          </p:nvPr>
+        </p:nvSpPr>
+        <p:spPr>
+          <a:xfrm>
+            <a:off x="489475" y="773205"/>
+            <a:ext cx="5568812" cy="5483134"/>
+          </a:xfrm>
+        </p:spPr>
+        <p:txBody>
+          <a:bodyPr vert="eaVert"/>
+          <a:lstStyle/>
+          <a:p>
+            <a:pPr lvl="0"/>
+            <a:r>
+              <a:rPr lang="fr-FR"/>
+              <a:t>Cliquez pour modifier les styles du texte du masque</a:t>
+            </a:r>
+          </a:p>
+          <a:p>
+            <a:pPr lvl="1"/>
+            <a:r>
+              <a:rPr lang="fr-FR"/>
+              <a:t>Deuxième niveau</a:t>
+            </a:r>
+          </a:p>
+          <a:p>
+            <a:pPr lvl="2"/>
+            <a:r>
+              <a:rPr lang="fr-FR"/>
+              <a:t>Troisième niveau</a:t>
+            </a:r>
+          </a:p>
+          <a:p>
+            <a:pPr lvl="3"/>
+            <a:r>
+              <a:rPr lang="fr-FR"/>
+              <a:t>Quatrième niveau</a:t>
+            </a:r>
+          </a:p>
+          <a:p>
+            <a:pPr lvl="4"/>
+            <a:r>
+              <a:rPr lang="fr-FR"/>
+              <a:t>Cinquième niveau</a:t>
+            </a:r>
+            <a:endParaRPr lang="en-US" dirty="0"/>
+          </a:p>
+        </p:txBody>
+      </p:sp>
+      <p:sp>
+        <p:nvSpPr>
+          <p:cNvPr id="4" name="Date Placeholder 3"/>
           <p:cNvSpPr>
             <a:spLocks noGrp="1"/>
           </p:cNvSpPr>
@@ -1989,7 +3234,7 @@
           <a:p>
             <a:fld id="{5BCAD085-E8A6-8845-BD4E-CB4CCA059FC4}" type="datetimeFigureOut">
               <a:rPr lang="en-US" smtClean="0"/>
-              <a:t>12/5/2023</a:t>
+              <a:t>12/6/2023</a:t>
             </a:fld>
             <a:endParaRPr lang="en-US"/>
           </a:p>
@@ -1997,7 +3242,7 @@
       </p:sp>
       <p:sp>
         <p:nvSpPr>
-          <p:cNvPr id="3" name="Footer Placeholder 2"/>
+          <p:cNvPr id="5" name="Footer Placeholder 4"/>
           <p:cNvSpPr>
             <a:spLocks noGrp="1"/>
           </p:cNvSpPr>
@@ -2016,7 +3261,7 @@
       </p:sp>
       <p:sp>
         <p:nvSpPr>
-          <p:cNvPr id="4" name="Slide Number Placeholder 3"/>
+          <p:cNvPr id="6" name="Slide Number Placeholder 5"/>
           <p:cNvSpPr>
             <a:spLocks noGrp="1"/>
           </p:cNvSpPr>
@@ -2040,7 +3285,7 @@
     </p:spTree>
     <p:extLst>
       <p:ext uri="{BB962C8B-B14F-4D97-AF65-F5344CB8AC3E}">
-        <p14:creationId xmlns:p14="http://schemas.microsoft.com/office/powerpoint/2010/main" val="1212999818"/>
+        <p14:creationId xmlns:p14="http://schemas.microsoft.com/office/powerpoint/2010/main" val="4046079264"/>
       </p:ext>
     </p:extLst>
   </p:cSld>
@@ -2050,9 +3295,9 @@
 </p:sldLayout>
 </file>
 
-<file path=ppt/slideLayouts/slideLayout8.xml><?xml version="1.0" encoding="utf-8"?>
-<p:sldLayout xmlns:a="http://schemas.openxmlformats.org/drawingml/2006/main" xmlns:r="http://schemas.openxmlformats.org/officeDocument/2006/relationships" xmlns:p="http://schemas.openxmlformats.org/presentationml/2006/main" type="objTx" preserve="1">
-  <p:cSld name="Content with Caption">
+<file path=ppt/slideLayouts/slideLayout2.xml><?xml version="1.0" encoding="utf-8"?>
+<p:sldLayout xmlns:a="http://schemas.openxmlformats.org/drawingml/2006/main" xmlns:r="http://schemas.openxmlformats.org/officeDocument/2006/relationships" xmlns:p="http://schemas.openxmlformats.org/presentationml/2006/main" type="obj" preserve="1">
+  <p:cSld name="Titre et contenu">
     <p:spTree>
       <p:nvGrpSpPr>
         <p:cNvPr id="1" name=""/>
@@ -2077,24 +3322,16 @@
             <p:ph type="title"/>
           </p:nvPr>
         </p:nvSpPr>
-        <p:spPr>
-          <a:xfrm>
-            <a:off x="457200" y="273050"/>
-            <a:ext cx="3008313" cy="1162050"/>
-          </a:xfrm>
-        </p:spPr>
-        <p:txBody>
-          <a:bodyPr anchor="b"/>
-          <a:lstStyle>
-            <a:lvl1pPr algn="l">
-              <a:defRPr sz="2000" b="1"/>
-            </a:lvl1pPr>
-          </a:lstStyle>
-          <a:p>
-            <a:r>
-              <a:rPr lang="en-US"/>
-              <a:t>Click to edit Master title style</a:t>
-            </a:r>
+        <p:spPr/>
+        <p:txBody>
+          <a:bodyPr/>
+          <a:lstStyle/>
+          <a:p>
+            <a:r>
+              <a:rPr lang="fr-FR"/>
+              <a:t>Modifiez le style du titre</a:t>
+            </a:r>
+            <a:endParaRPr lang="en-US" dirty="0"/>
           </a:p>
         </p:txBody>
       </p:sp>
@@ -2108,148 +3345,51 @@
             <p:ph idx="1"/>
           </p:nvPr>
         </p:nvSpPr>
-        <p:spPr>
-          <a:xfrm>
-            <a:off x="3575050" y="273050"/>
-            <a:ext cx="5111750" cy="5853113"/>
-          </a:xfrm>
-        </p:spPr>
+        <p:spPr/>
         <p:txBody>
           <a:bodyPr/>
-          <a:lstStyle>
-            <a:lvl1pPr>
-              <a:defRPr sz="3200"/>
-            </a:lvl1pPr>
-            <a:lvl2pPr>
-              <a:defRPr sz="2800"/>
-            </a:lvl2pPr>
-            <a:lvl3pPr>
-              <a:defRPr sz="2400"/>
-            </a:lvl3pPr>
-            <a:lvl4pPr>
-              <a:defRPr sz="2000"/>
-            </a:lvl4pPr>
-            <a:lvl5pPr>
-              <a:defRPr sz="2000"/>
-            </a:lvl5pPr>
-            <a:lvl6pPr>
-              <a:defRPr sz="2000"/>
-            </a:lvl6pPr>
-            <a:lvl7pPr>
-              <a:defRPr sz="2000"/>
-            </a:lvl7pPr>
-            <a:lvl8pPr>
-              <a:defRPr sz="2000"/>
-            </a:lvl8pPr>
-            <a:lvl9pPr>
-              <a:defRPr sz="2000"/>
-            </a:lvl9pPr>
-          </a:lstStyle>
+          <a:lstStyle/>
           <a:p>
             <a:pPr lvl="0"/>
             <a:r>
-              <a:rPr lang="en-US"/>
-              <a:t>Click to edit Master text styles</a:t>
+              <a:rPr lang="fr-FR"/>
+              <a:t>Cliquez pour modifier les styles du texte du masque</a:t>
             </a:r>
           </a:p>
           <a:p>
             <a:pPr lvl="1"/>
             <a:r>
-              <a:rPr lang="en-US"/>
-              <a:t>Second level</a:t>
+              <a:rPr lang="fr-FR"/>
+              <a:t>Deuxième niveau</a:t>
             </a:r>
           </a:p>
           <a:p>
             <a:pPr lvl="2"/>
             <a:r>
-              <a:rPr lang="en-US"/>
-              <a:t>Third level</a:t>
+              <a:rPr lang="fr-FR"/>
+              <a:t>Troisième niveau</a:t>
             </a:r>
           </a:p>
           <a:p>
             <a:pPr lvl="3"/>
             <a:r>
-              <a:rPr lang="en-US"/>
-              <a:t>Fourth level</a:t>
+              <a:rPr lang="fr-FR"/>
+              <a:t>Quatrième niveau</a:t>
             </a:r>
           </a:p>
           <a:p>
             <a:pPr lvl="4"/>
             <a:r>
-              <a:rPr lang="en-US"/>
-              <a:t>Fifth level</a:t>
-            </a:r>
-          </a:p>
-        </p:txBody>
-      </p:sp>
-      <p:sp>
-        <p:nvSpPr>
-          <p:cNvPr id="4" name="Text Placeholder 3"/>
-          <p:cNvSpPr>
-            <a:spLocks noGrp="1"/>
-          </p:cNvSpPr>
-          <p:nvPr>
-            <p:ph type="body" sz="half" idx="2"/>
-          </p:nvPr>
-        </p:nvSpPr>
-        <p:spPr>
-          <a:xfrm>
-            <a:off x="457200" y="1435100"/>
-            <a:ext cx="3008313" cy="4691063"/>
-          </a:xfrm>
-        </p:spPr>
-        <p:txBody>
-          <a:bodyPr/>
-          <a:lstStyle>
-            <a:lvl1pPr marL="0" indent="0">
-              <a:buNone/>
-              <a:defRPr sz="1400"/>
-            </a:lvl1pPr>
-            <a:lvl2pPr marL="457200" indent="0">
-              <a:buNone/>
-              <a:defRPr sz="1200"/>
-            </a:lvl2pPr>
-            <a:lvl3pPr marL="914400" indent="0">
-              <a:buNone/>
-              <a:defRPr sz="1000"/>
-            </a:lvl3pPr>
-            <a:lvl4pPr marL="1371600" indent="0">
-              <a:buNone/>
-              <a:defRPr sz="900"/>
-            </a:lvl4pPr>
-            <a:lvl5pPr marL="1828800" indent="0">
-              <a:buNone/>
-              <a:defRPr sz="900"/>
-            </a:lvl5pPr>
-            <a:lvl6pPr marL="2286000" indent="0">
-              <a:buNone/>
-              <a:defRPr sz="900"/>
-            </a:lvl6pPr>
-            <a:lvl7pPr marL="2743200" indent="0">
-              <a:buNone/>
-              <a:defRPr sz="900"/>
-            </a:lvl7pPr>
-            <a:lvl8pPr marL="3200400" indent="0">
-              <a:buNone/>
-              <a:defRPr sz="900"/>
-            </a:lvl8pPr>
-            <a:lvl9pPr marL="3657600" indent="0">
-              <a:buNone/>
-              <a:defRPr sz="900"/>
-            </a:lvl9pPr>
-          </a:lstStyle>
-          <a:p>
-            <a:pPr lvl="0"/>
-            <a:r>
-              <a:rPr lang="en-US"/>
-              <a:t>Click to edit Master text styles</a:t>
-            </a:r>
-          </a:p>
-        </p:txBody>
-      </p:sp>
-      <p:sp>
-        <p:nvSpPr>
-          <p:cNvPr id="5" name="Date Placeholder 4"/>
+              <a:rPr lang="fr-FR"/>
+              <a:t>Cinquième niveau</a:t>
+            </a:r>
+            <a:endParaRPr lang="en-US" dirty="0"/>
+          </a:p>
+        </p:txBody>
+      </p:sp>
+      <p:sp>
+        <p:nvSpPr>
+          <p:cNvPr id="7" name="Date Placeholder 3"/>
           <p:cNvSpPr>
             <a:spLocks noGrp="1"/>
           </p:cNvSpPr>
@@ -2264,7 +3404,7 @@
           <a:p>
             <a:fld id="{5BCAD085-E8A6-8845-BD4E-CB4CCA059FC4}" type="datetimeFigureOut">
               <a:rPr lang="en-US" smtClean="0"/>
-              <a:t>12/5/2023</a:t>
+              <a:t>12/6/2023</a:t>
             </a:fld>
             <a:endParaRPr lang="en-US"/>
           </a:p>
@@ -2272,7 +3412,7 @@
       </p:sp>
       <p:sp>
         <p:nvSpPr>
-          <p:cNvPr id="6" name="Footer Placeholder 5"/>
+          <p:cNvPr id="5" name="Footer Placeholder 4"/>
           <p:cNvSpPr>
             <a:spLocks noGrp="1"/>
           </p:cNvSpPr>
@@ -2291,7 +3431,7 @@
       </p:sp>
       <p:sp>
         <p:nvSpPr>
-          <p:cNvPr id="7" name="Slide Number Placeholder 6"/>
+          <p:cNvPr id="6" name="Slide Number Placeholder 5"/>
           <p:cNvSpPr>
             <a:spLocks noGrp="1"/>
           </p:cNvSpPr>
@@ -2315,7 +3455,7 @@
     </p:spTree>
     <p:extLst>
       <p:ext uri="{BB962C8B-B14F-4D97-AF65-F5344CB8AC3E}">
-        <p14:creationId xmlns:p14="http://schemas.microsoft.com/office/powerpoint/2010/main" val="1840726560"/>
+        <p14:creationId xmlns:p14="http://schemas.microsoft.com/office/powerpoint/2010/main" val="4038045647"/>
       </p:ext>
     </p:extLst>
   </p:cSld>
@@ -2325,9 +3465,9 @@
 </p:sldLayout>
 </file>
 
-<file path=ppt/slideLayouts/slideLayout9.xml><?xml version="1.0" encoding="utf-8"?>
-<p:sldLayout xmlns:a="http://schemas.openxmlformats.org/drawingml/2006/main" xmlns:r="http://schemas.openxmlformats.org/officeDocument/2006/relationships" xmlns:p="http://schemas.openxmlformats.org/presentationml/2006/main" type="picTx" preserve="1">
-  <p:cSld name="Picture with Caption">
+<file path=ppt/slideLayouts/slideLayout3.xml><?xml version="1.0" encoding="utf-8"?>
+<p:sldLayout xmlns:a="http://schemas.openxmlformats.org/drawingml/2006/main" xmlns:r="http://schemas.openxmlformats.org/officeDocument/2006/relationships" xmlns:p="http://schemas.openxmlformats.org/presentationml/2006/main" type="secHead" preserve="1">
+  <p:cSld name="Titre de section">
     <p:spTree>
       <p:nvGrpSpPr>
         <p:cNvPr id="1" name=""/>
@@ -2354,154 +3494,149 @@
         </p:nvSpPr>
         <p:spPr>
           <a:xfrm>
-            <a:off x="1792288" y="4800600"/>
-            <a:ext cx="5486400" cy="566738"/>
+            <a:off x="866443" y="2861734"/>
+            <a:ext cx="6620967" cy="1915647"/>
           </a:xfrm>
         </p:spPr>
         <p:txBody>
           <a:bodyPr anchor="b"/>
           <a:lstStyle>
             <a:lvl1pPr algn="l">
-              <a:defRPr sz="2000" b="1"/>
+              <a:defRPr sz="4000" b="0" cap="none"/>
             </a:lvl1pPr>
           </a:lstStyle>
           <a:p>
             <a:r>
-              <a:rPr lang="en-US"/>
-              <a:t>Click to edit Master title style</a:t>
-            </a:r>
-          </a:p>
-        </p:txBody>
-      </p:sp>
-      <p:sp>
-        <p:nvSpPr>
-          <p:cNvPr id="3" name="Picture Placeholder 2"/>
-          <p:cNvSpPr>
-            <a:spLocks noGrp="1"/>
-          </p:cNvSpPr>
-          <p:nvPr>
-            <p:ph type="pic" idx="1"/>
-          </p:nvPr>
-        </p:nvSpPr>
-        <p:spPr>
-          <a:xfrm>
-            <a:off x="1792288" y="612775"/>
-            <a:ext cx="5486400" cy="4114800"/>
-          </a:xfrm>
-        </p:spPr>
-        <p:txBody>
-          <a:bodyPr/>
+              <a:rPr lang="fr-FR"/>
+              <a:t>Modifiez le style du titre</a:t>
+            </a:r>
+            <a:endParaRPr lang="en-US" dirty="0"/>
+          </a:p>
+        </p:txBody>
+      </p:sp>
+      <p:sp>
+        <p:nvSpPr>
+          <p:cNvPr id="3" name="Text Placeholder 2"/>
+          <p:cNvSpPr>
+            <a:spLocks noGrp="1"/>
+          </p:cNvSpPr>
+          <p:nvPr>
+            <p:ph type="body" idx="1"/>
+          </p:nvPr>
+        </p:nvSpPr>
+        <p:spPr>
+          <a:xfrm>
+            <a:off x="866442" y="4777381"/>
+            <a:ext cx="6620968" cy="860400"/>
+          </a:xfrm>
+        </p:spPr>
+        <p:txBody>
+          <a:bodyPr anchor="t"/>
           <a:lstStyle>
-            <a:lvl1pPr marL="0" indent="0">
-              <a:buNone/>
-              <a:defRPr sz="3200"/>
+            <a:lvl1pPr marL="0" indent="0" algn="l">
+              <a:buNone/>
+              <a:defRPr sz="2000" cap="all">
+                <a:solidFill>
+                  <a:schemeClr val="bg2">
+                    <a:lumMod val="40000"/>
+                    <a:lumOff val="60000"/>
+                  </a:schemeClr>
+                </a:solidFill>
+              </a:defRPr>
             </a:lvl1pPr>
             <a:lvl2pPr marL="457200" indent="0">
               <a:buNone/>
-              <a:defRPr sz="2800"/>
+              <a:defRPr sz="1800">
+                <a:solidFill>
+                  <a:schemeClr val="tx1">
+                    <a:tint val="75000"/>
+                  </a:schemeClr>
+                </a:solidFill>
+              </a:defRPr>
             </a:lvl2pPr>
             <a:lvl3pPr marL="914400" indent="0">
               <a:buNone/>
-              <a:defRPr sz="2400"/>
+              <a:defRPr sz="1600">
+                <a:solidFill>
+                  <a:schemeClr val="tx1">
+                    <a:tint val="75000"/>
+                  </a:schemeClr>
+                </a:solidFill>
+              </a:defRPr>
             </a:lvl3pPr>
             <a:lvl4pPr marL="1371600" indent="0">
               <a:buNone/>
-              <a:defRPr sz="2000"/>
+              <a:defRPr sz="1400">
+                <a:solidFill>
+                  <a:schemeClr val="tx1">
+                    <a:tint val="75000"/>
+                  </a:schemeClr>
+                </a:solidFill>
+              </a:defRPr>
             </a:lvl4pPr>
             <a:lvl5pPr marL="1828800" indent="0">
               <a:buNone/>
-              <a:defRPr sz="2000"/>
+              <a:defRPr sz="1400">
+                <a:solidFill>
+                  <a:schemeClr val="tx1">
+                    <a:tint val="75000"/>
+                  </a:schemeClr>
+                </a:solidFill>
+              </a:defRPr>
             </a:lvl5pPr>
             <a:lvl6pPr marL="2286000" indent="0">
               <a:buNone/>
-              <a:defRPr sz="2000"/>
+              <a:defRPr sz="1400">
+                <a:solidFill>
+                  <a:schemeClr val="tx1">
+                    <a:tint val="75000"/>
+                  </a:schemeClr>
+                </a:solidFill>
+              </a:defRPr>
             </a:lvl6pPr>
             <a:lvl7pPr marL="2743200" indent="0">
               <a:buNone/>
-              <a:defRPr sz="2000"/>
+              <a:defRPr sz="1400">
+                <a:solidFill>
+                  <a:schemeClr val="tx1">
+                    <a:tint val="75000"/>
+                  </a:schemeClr>
+                </a:solidFill>
+              </a:defRPr>
             </a:lvl7pPr>
             <a:lvl8pPr marL="3200400" indent="0">
               <a:buNone/>
-              <a:defRPr sz="2000"/>
+              <a:defRPr sz="1400">
+                <a:solidFill>
+                  <a:schemeClr val="tx1">
+                    <a:tint val="75000"/>
+                  </a:schemeClr>
+                </a:solidFill>
+              </a:defRPr>
             </a:lvl8pPr>
             <a:lvl9pPr marL="3657600" indent="0">
               <a:buNone/>
-              <a:defRPr sz="2000"/>
+              <a:defRPr sz="1400">
+                <a:solidFill>
+                  <a:schemeClr val="tx1">
+                    <a:tint val="75000"/>
+                  </a:schemeClr>
+                </a:solidFill>
+              </a:defRPr>
             </a:lvl9pPr>
           </a:lstStyle>
           <a:p>
-            <a:endParaRPr lang="en-US"/>
-          </a:p>
-        </p:txBody>
-      </p:sp>
-      <p:sp>
-        <p:nvSpPr>
-          <p:cNvPr id="4" name="Text Placeholder 3"/>
-          <p:cNvSpPr>
-            <a:spLocks noGrp="1"/>
-          </p:cNvSpPr>
-          <p:nvPr>
-            <p:ph type="body" sz="half" idx="2"/>
-          </p:nvPr>
-        </p:nvSpPr>
-        <p:spPr>
-          <a:xfrm>
-            <a:off x="1792288" y="5367338"/>
-            <a:ext cx="5486400" cy="804862"/>
-          </a:xfrm>
-        </p:spPr>
-        <p:txBody>
-          <a:bodyPr/>
-          <a:lstStyle>
-            <a:lvl1pPr marL="0" indent="0">
-              <a:buNone/>
-              <a:defRPr sz="1400"/>
-            </a:lvl1pPr>
-            <a:lvl2pPr marL="457200" indent="0">
-              <a:buNone/>
-              <a:defRPr sz="1200"/>
-            </a:lvl2pPr>
-            <a:lvl3pPr marL="914400" indent="0">
-              <a:buNone/>
-              <a:defRPr sz="1000"/>
-            </a:lvl3pPr>
-            <a:lvl4pPr marL="1371600" indent="0">
-              <a:buNone/>
-              <a:defRPr sz="900"/>
-            </a:lvl4pPr>
-            <a:lvl5pPr marL="1828800" indent="0">
-              <a:buNone/>
-              <a:defRPr sz="900"/>
-            </a:lvl5pPr>
-            <a:lvl6pPr marL="2286000" indent="0">
-              <a:buNone/>
-              <a:defRPr sz="900"/>
-            </a:lvl6pPr>
-            <a:lvl7pPr marL="2743200" indent="0">
-              <a:buNone/>
-              <a:defRPr sz="900"/>
-            </a:lvl7pPr>
-            <a:lvl8pPr marL="3200400" indent="0">
-              <a:buNone/>
-              <a:defRPr sz="900"/>
-            </a:lvl8pPr>
-            <a:lvl9pPr marL="3657600" indent="0">
-              <a:buNone/>
-              <a:defRPr sz="900"/>
-            </a:lvl9pPr>
-          </a:lstStyle>
-          <a:p>
             <a:pPr lvl="0"/>
             <a:r>
-              <a:rPr lang="en-US"/>
-              <a:t>Click to edit Master text styles</a:t>
-            </a:r>
-          </a:p>
-        </p:txBody>
-      </p:sp>
-      <p:sp>
-        <p:nvSpPr>
-          <p:cNvPr id="5" name="Date Placeholder 4"/>
+              <a:rPr lang="fr-FR"/>
+              <a:t>Cliquez pour modifier les styles du texte du masque</a:t>
+            </a:r>
+          </a:p>
+        </p:txBody>
+      </p:sp>
+      <p:sp>
+        <p:nvSpPr>
+          <p:cNvPr id="4" name="Date Placeholder 3"/>
           <p:cNvSpPr>
             <a:spLocks noGrp="1"/>
           </p:cNvSpPr>
@@ -2516,7 +3651,7 @@
           <a:p>
             <a:fld id="{5BCAD085-E8A6-8845-BD4E-CB4CCA059FC4}" type="datetimeFigureOut">
               <a:rPr lang="en-US" smtClean="0"/>
-              <a:t>12/5/2023</a:t>
+              <a:t>12/6/2023</a:t>
             </a:fld>
             <a:endParaRPr lang="en-US"/>
           </a:p>
@@ -2524,7 +3659,7 @@
       </p:sp>
       <p:sp>
         <p:nvSpPr>
-          <p:cNvPr id="6" name="Footer Placeholder 5"/>
+          <p:cNvPr id="5" name="Footer Placeholder 4"/>
           <p:cNvSpPr>
             <a:spLocks noGrp="1"/>
           </p:cNvSpPr>
@@ -2543,7 +3678,7 @@
       </p:sp>
       <p:sp>
         <p:nvSpPr>
-          <p:cNvPr id="7" name="Slide Number Placeholder 6"/>
+          <p:cNvPr id="6" name="Slide Number Placeholder 5"/>
           <p:cNvSpPr>
             <a:spLocks noGrp="1"/>
           </p:cNvSpPr>
@@ -2567,7 +3702,1510 @@
     </p:spTree>
     <p:extLst>
       <p:ext uri="{BB962C8B-B14F-4D97-AF65-F5344CB8AC3E}">
-        <p14:creationId xmlns:p14="http://schemas.microsoft.com/office/powerpoint/2010/main" val="3889236939"/>
+        <p14:creationId xmlns:p14="http://schemas.microsoft.com/office/powerpoint/2010/main" val="807254099"/>
+      </p:ext>
+    </p:extLst>
+  </p:cSld>
+  <p:clrMapOvr>
+    <a:masterClrMapping/>
+  </p:clrMapOvr>
+</p:sldLayout>
+</file>
+
+<file path=ppt/slideLayouts/slideLayout4.xml><?xml version="1.0" encoding="utf-8"?>
+<p:sldLayout xmlns:a="http://schemas.openxmlformats.org/drawingml/2006/main" xmlns:r="http://schemas.openxmlformats.org/officeDocument/2006/relationships" xmlns:p="http://schemas.openxmlformats.org/presentationml/2006/main" type="twoObj" preserve="1">
+  <p:cSld name="Deux contenus">
+    <p:spTree>
+      <p:nvGrpSpPr>
+        <p:cNvPr id="1" name=""/>
+        <p:cNvGrpSpPr/>
+        <p:nvPr/>
+      </p:nvGrpSpPr>
+      <p:grpSpPr>
+        <a:xfrm>
+          <a:off x="0" y="0"/>
+          <a:ext cx="0" cy="0"/>
+          <a:chOff x="0" y="0"/>
+          <a:chExt cx="0" cy="0"/>
+        </a:xfrm>
+      </p:grpSpPr>
+      <p:sp>
+        <p:nvSpPr>
+          <p:cNvPr id="2" name="Title 1"/>
+          <p:cNvSpPr>
+            <a:spLocks noGrp="1"/>
+          </p:cNvSpPr>
+          <p:nvPr>
+            <p:ph type="title"/>
+          </p:nvPr>
+        </p:nvSpPr>
+        <p:spPr/>
+        <p:txBody>
+          <a:bodyPr/>
+          <a:lstStyle/>
+          <a:p>
+            <a:r>
+              <a:rPr lang="fr-FR"/>
+              <a:t>Modifiez le style du titre</a:t>
+            </a:r>
+            <a:endParaRPr lang="en-US" dirty="0"/>
+          </a:p>
+        </p:txBody>
+      </p:sp>
+      <p:sp>
+        <p:nvSpPr>
+          <p:cNvPr id="3" name="Content Placeholder 2"/>
+          <p:cNvSpPr>
+            <a:spLocks noGrp="1"/>
+          </p:cNvSpPr>
+          <p:nvPr>
+            <p:ph sz="half" idx="1"/>
+          </p:nvPr>
+        </p:nvSpPr>
+        <p:spPr>
+          <a:xfrm>
+            <a:off x="827700" y="2060576"/>
+            <a:ext cx="3298113" cy="4195763"/>
+          </a:xfrm>
+        </p:spPr>
+        <p:txBody>
+          <a:bodyPr>
+            <a:normAutofit/>
+          </a:bodyPr>
+          <a:lstStyle>
+            <a:lvl1pPr>
+              <a:defRPr sz="1800"/>
+            </a:lvl1pPr>
+            <a:lvl2pPr>
+              <a:defRPr sz="1600"/>
+            </a:lvl2pPr>
+            <a:lvl3pPr>
+              <a:defRPr sz="1400"/>
+            </a:lvl3pPr>
+            <a:lvl4pPr>
+              <a:defRPr sz="1200"/>
+            </a:lvl4pPr>
+            <a:lvl5pPr>
+              <a:defRPr sz="1200"/>
+            </a:lvl5pPr>
+            <a:lvl6pPr>
+              <a:defRPr sz="1200"/>
+            </a:lvl6pPr>
+            <a:lvl7pPr>
+              <a:defRPr sz="1200"/>
+            </a:lvl7pPr>
+            <a:lvl8pPr>
+              <a:defRPr sz="1200"/>
+            </a:lvl8pPr>
+            <a:lvl9pPr>
+              <a:defRPr sz="1200"/>
+            </a:lvl9pPr>
+          </a:lstStyle>
+          <a:p>
+            <a:pPr lvl="0"/>
+            <a:r>
+              <a:rPr lang="fr-FR"/>
+              <a:t>Cliquez pour modifier les styles du texte du masque</a:t>
+            </a:r>
+          </a:p>
+          <a:p>
+            <a:pPr lvl="1"/>
+            <a:r>
+              <a:rPr lang="fr-FR"/>
+              <a:t>Deuxième niveau</a:t>
+            </a:r>
+          </a:p>
+          <a:p>
+            <a:pPr lvl="2"/>
+            <a:r>
+              <a:rPr lang="fr-FR"/>
+              <a:t>Troisième niveau</a:t>
+            </a:r>
+          </a:p>
+          <a:p>
+            <a:pPr lvl="3"/>
+            <a:r>
+              <a:rPr lang="fr-FR"/>
+              <a:t>Quatrième niveau</a:t>
+            </a:r>
+          </a:p>
+          <a:p>
+            <a:pPr lvl="4"/>
+            <a:r>
+              <a:rPr lang="fr-FR"/>
+              <a:t>Cinquième niveau</a:t>
+            </a:r>
+            <a:endParaRPr lang="en-US" dirty="0"/>
+          </a:p>
+        </p:txBody>
+      </p:sp>
+      <p:sp>
+        <p:nvSpPr>
+          <p:cNvPr id="4" name="Content Placeholder 3"/>
+          <p:cNvSpPr>
+            <a:spLocks noGrp="1"/>
+          </p:cNvSpPr>
+          <p:nvPr>
+            <p:ph sz="half" idx="2"/>
+          </p:nvPr>
+        </p:nvSpPr>
+        <p:spPr>
+          <a:xfrm>
+            <a:off x="4241975" y="2056093"/>
+            <a:ext cx="3298115" cy="4200245"/>
+          </a:xfrm>
+        </p:spPr>
+        <p:txBody>
+          <a:bodyPr>
+            <a:normAutofit/>
+          </a:bodyPr>
+          <a:lstStyle>
+            <a:lvl1pPr>
+              <a:defRPr sz="1800"/>
+            </a:lvl1pPr>
+            <a:lvl2pPr>
+              <a:defRPr sz="1600"/>
+            </a:lvl2pPr>
+            <a:lvl3pPr>
+              <a:defRPr sz="1400"/>
+            </a:lvl3pPr>
+            <a:lvl4pPr>
+              <a:defRPr sz="1200"/>
+            </a:lvl4pPr>
+            <a:lvl5pPr>
+              <a:defRPr sz="1200"/>
+            </a:lvl5pPr>
+            <a:lvl6pPr>
+              <a:defRPr sz="1200"/>
+            </a:lvl6pPr>
+            <a:lvl7pPr>
+              <a:defRPr sz="1200"/>
+            </a:lvl7pPr>
+            <a:lvl8pPr>
+              <a:defRPr sz="1200"/>
+            </a:lvl8pPr>
+            <a:lvl9pPr>
+              <a:defRPr sz="1200"/>
+            </a:lvl9pPr>
+          </a:lstStyle>
+          <a:p>
+            <a:pPr lvl="0"/>
+            <a:r>
+              <a:rPr lang="fr-FR"/>
+              <a:t>Cliquez pour modifier les styles du texte du masque</a:t>
+            </a:r>
+          </a:p>
+          <a:p>
+            <a:pPr lvl="1"/>
+            <a:r>
+              <a:rPr lang="fr-FR"/>
+              <a:t>Deuxième niveau</a:t>
+            </a:r>
+          </a:p>
+          <a:p>
+            <a:pPr lvl="2"/>
+            <a:r>
+              <a:rPr lang="fr-FR"/>
+              <a:t>Troisième niveau</a:t>
+            </a:r>
+          </a:p>
+          <a:p>
+            <a:pPr lvl="3"/>
+            <a:r>
+              <a:rPr lang="fr-FR"/>
+              <a:t>Quatrième niveau</a:t>
+            </a:r>
+          </a:p>
+          <a:p>
+            <a:pPr lvl="4"/>
+            <a:r>
+              <a:rPr lang="fr-FR"/>
+              <a:t>Cinquième niveau</a:t>
+            </a:r>
+            <a:endParaRPr lang="en-US" dirty="0"/>
+          </a:p>
+        </p:txBody>
+      </p:sp>
+      <p:sp>
+        <p:nvSpPr>
+          <p:cNvPr id="5" name="Date Placeholder 4"/>
+          <p:cNvSpPr>
+            <a:spLocks noGrp="1"/>
+          </p:cNvSpPr>
+          <p:nvPr>
+            <p:ph type="dt" sz="half" idx="10"/>
+          </p:nvPr>
+        </p:nvSpPr>
+        <p:spPr/>
+        <p:txBody>
+          <a:bodyPr/>
+          <a:lstStyle/>
+          <a:p>
+            <a:fld id="{5BCAD085-E8A6-8845-BD4E-CB4CCA059FC4}" type="datetimeFigureOut">
+              <a:rPr lang="en-US" smtClean="0"/>
+              <a:t>12/6/2023</a:t>
+            </a:fld>
+            <a:endParaRPr lang="en-US"/>
+          </a:p>
+        </p:txBody>
+      </p:sp>
+      <p:sp>
+        <p:nvSpPr>
+          <p:cNvPr id="6" name="Footer Placeholder 5"/>
+          <p:cNvSpPr>
+            <a:spLocks noGrp="1"/>
+          </p:cNvSpPr>
+          <p:nvPr>
+            <p:ph type="ftr" sz="quarter" idx="11"/>
+          </p:nvPr>
+        </p:nvSpPr>
+        <p:spPr/>
+        <p:txBody>
+          <a:bodyPr/>
+          <a:lstStyle/>
+          <a:p>
+            <a:endParaRPr lang="en-US"/>
+          </a:p>
+        </p:txBody>
+      </p:sp>
+      <p:sp>
+        <p:nvSpPr>
+          <p:cNvPr id="7" name="Slide Number Placeholder 6"/>
+          <p:cNvSpPr>
+            <a:spLocks noGrp="1"/>
+          </p:cNvSpPr>
+          <p:nvPr>
+            <p:ph type="sldNum" sz="quarter" idx="12"/>
+          </p:nvPr>
+        </p:nvSpPr>
+        <p:spPr/>
+        <p:txBody>
+          <a:bodyPr/>
+          <a:lstStyle/>
+          <a:p>
+            <a:fld id="{C1FF6DA9-008F-8B48-92A6-B652298478BF}" type="slidenum">
+              <a:rPr lang="en-US" smtClean="0"/>
+              <a:t>‹N°›</a:t>
+            </a:fld>
+            <a:endParaRPr lang="en-US"/>
+          </a:p>
+        </p:txBody>
+      </p:sp>
+    </p:spTree>
+    <p:extLst>
+      <p:ext uri="{BB962C8B-B14F-4D97-AF65-F5344CB8AC3E}">
+        <p14:creationId xmlns:p14="http://schemas.microsoft.com/office/powerpoint/2010/main" val="2380396401"/>
+      </p:ext>
+    </p:extLst>
+  </p:cSld>
+  <p:clrMapOvr>
+    <a:masterClrMapping/>
+  </p:clrMapOvr>
+</p:sldLayout>
+</file>
+
+<file path=ppt/slideLayouts/slideLayout5.xml><?xml version="1.0" encoding="utf-8"?>
+<p:sldLayout xmlns:a="http://schemas.openxmlformats.org/drawingml/2006/main" xmlns:r="http://schemas.openxmlformats.org/officeDocument/2006/relationships" xmlns:p="http://schemas.openxmlformats.org/presentationml/2006/main" type="twoTxTwoObj" preserve="1">
+  <p:cSld name="Comparaison">
+    <p:spTree>
+      <p:nvGrpSpPr>
+        <p:cNvPr id="1" name=""/>
+        <p:cNvGrpSpPr/>
+        <p:nvPr/>
+      </p:nvGrpSpPr>
+      <p:grpSpPr>
+        <a:xfrm>
+          <a:off x="0" y="0"/>
+          <a:ext cx="0" cy="0"/>
+          <a:chOff x="0" y="0"/>
+          <a:chExt cx="0" cy="0"/>
+        </a:xfrm>
+      </p:grpSpPr>
+      <p:sp>
+        <p:nvSpPr>
+          <p:cNvPr id="2" name="Title 1"/>
+          <p:cNvSpPr>
+            <a:spLocks noGrp="1"/>
+          </p:cNvSpPr>
+          <p:nvPr>
+            <p:ph type="title"/>
+          </p:nvPr>
+        </p:nvSpPr>
+        <p:spPr/>
+        <p:txBody>
+          <a:bodyPr/>
+          <a:lstStyle>
+            <a:lvl1pPr>
+              <a:defRPr/>
+            </a:lvl1pPr>
+          </a:lstStyle>
+          <a:p>
+            <a:r>
+              <a:rPr lang="fr-FR"/>
+              <a:t>Modifiez le style du titre</a:t>
+            </a:r>
+            <a:endParaRPr lang="en-US" dirty="0"/>
+          </a:p>
+        </p:txBody>
+      </p:sp>
+      <p:sp>
+        <p:nvSpPr>
+          <p:cNvPr id="3" name="Text Placeholder 2"/>
+          <p:cNvSpPr>
+            <a:spLocks noGrp="1"/>
+          </p:cNvSpPr>
+          <p:nvPr>
+            <p:ph type="body" idx="1"/>
+          </p:nvPr>
+        </p:nvSpPr>
+        <p:spPr>
+          <a:xfrm>
+            <a:off x="827700" y="1905000"/>
+            <a:ext cx="3298112" cy="576262"/>
+          </a:xfrm>
+        </p:spPr>
+        <p:txBody>
+          <a:bodyPr anchor="b">
+            <a:noAutofit/>
+          </a:bodyPr>
+          <a:lstStyle>
+            <a:lvl1pPr marL="0" indent="0">
+              <a:buNone/>
+              <a:defRPr sz="2400" b="0">
+                <a:solidFill>
+                  <a:schemeClr val="bg2">
+                    <a:lumMod val="40000"/>
+                    <a:lumOff val="60000"/>
+                  </a:schemeClr>
+                </a:solidFill>
+              </a:defRPr>
+            </a:lvl1pPr>
+            <a:lvl2pPr marL="457200" indent="0">
+              <a:buNone/>
+              <a:defRPr sz="2000" b="1"/>
+            </a:lvl2pPr>
+            <a:lvl3pPr marL="914400" indent="0">
+              <a:buNone/>
+              <a:defRPr sz="1800" b="1"/>
+            </a:lvl3pPr>
+            <a:lvl4pPr marL="1371600" indent="0">
+              <a:buNone/>
+              <a:defRPr sz="1600" b="1"/>
+            </a:lvl4pPr>
+            <a:lvl5pPr marL="1828800" indent="0">
+              <a:buNone/>
+              <a:defRPr sz="1600" b="1"/>
+            </a:lvl5pPr>
+            <a:lvl6pPr marL="2286000" indent="0">
+              <a:buNone/>
+              <a:defRPr sz="1600" b="1"/>
+            </a:lvl6pPr>
+            <a:lvl7pPr marL="2743200" indent="0">
+              <a:buNone/>
+              <a:defRPr sz="1600" b="1"/>
+            </a:lvl7pPr>
+            <a:lvl8pPr marL="3200400" indent="0">
+              <a:buNone/>
+              <a:defRPr sz="1600" b="1"/>
+            </a:lvl8pPr>
+            <a:lvl9pPr marL="3657600" indent="0">
+              <a:buNone/>
+              <a:defRPr sz="1600" b="1"/>
+            </a:lvl9pPr>
+          </a:lstStyle>
+          <a:p>
+            <a:pPr lvl="0"/>
+            <a:r>
+              <a:rPr lang="fr-FR"/>
+              <a:t>Cliquez pour modifier les styles du texte du masque</a:t>
+            </a:r>
+          </a:p>
+        </p:txBody>
+      </p:sp>
+      <p:sp>
+        <p:nvSpPr>
+          <p:cNvPr id="4" name="Content Placeholder 3"/>
+          <p:cNvSpPr>
+            <a:spLocks noGrp="1"/>
+          </p:cNvSpPr>
+          <p:nvPr>
+            <p:ph sz="half" idx="2"/>
+          </p:nvPr>
+        </p:nvSpPr>
+        <p:spPr>
+          <a:xfrm>
+            <a:off x="827700" y="2514600"/>
+            <a:ext cx="3298113" cy="3741738"/>
+          </a:xfrm>
+        </p:spPr>
+        <p:txBody>
+          <a:bodyPr>
+            <a:normAutofit/>
+          </a:bodyPr>
+          <a:lstStyle>
+            <a:lvl1pPr>
+              <a:defRPr sz="1800"/>
+            </a:lvl1pPr>
+            <a:lvl2pPr>
+              <a:defRPr sz="1600"/>
+            </a:lvl2pPr>
+            <a:lvl3pPr>
+              <a:defRPr sz="1400"/>
+            </a:lvl3pPr>
+            <a:lvl4pPr>
+              <a:defRPr sz="1200"/>
+            </a:lvl4pPr>
+            <a:lvl5pPr>
+              <a:defRPr sz="1200"/>
+            </a:lvl5pPr>
+            <a:lvl6pPr>
+              <a:defRPr sz="1200"/>
+            </a:lvl6pPr>
+            <a:lvl7pPr>
+              <a:defRPr sz="1200"/>
+            </a:lvl7pPr>
+            <a:lvl8pPr>
+              <a:defRPr sz="1200"/>
+            </a:lvl8pPr>
+            <a:lvl9pPr>
+              <a:defRPr sz="1200"/>
+            </a:lvl9pPr>
+          </a:lstStyle>
+          <a:p>
+            <a:pPr lvl="0"/>
+            <a:r>
+              <a:rPr lang="fr-FR"/>
+              <a:t>Cliquez pour modifier les styles du texte du masque</a:t>
+            </a:r>
+          </a:p>
+          <a:p>
+            <a:pPr lvl="1"/>
+            <a:r>
+              <a:rPr lang="fr-FR"/>
+              <a:t>Deuxième niveau</a:t>
+            </a:r>
+          </a:p>
+          <a:p>
+            <a:pPr lvl="2"/>
+            <a:r>
+              <a:rPr lang="fr-FR"/>
+              <a:t>Troisième niveau</a:t>
+            </a:r>
+          </a:p>
+          <a:p>
+            <a:pPr lvl="3"/>
+            <a:r>
+              <a:rPr lang="fr-FR"/>
+              <a:t>Quatrième niveau</a:t>
+            </a:r>
+          </a:p>
+          <a:p>
+            <a:pPr lvl="4"/>
+            <a:r>
+              <a:rPr lang="fr-FR"/>
+              <a:t>Cinquième niveau</a:t>
+            </a:r>
+            <a:endParaRPr lang="en-US" dirty="0"/>
+          </a:p>
+        </p:txBody>
+      </p:sp>
+      <p:sp>
+        <p:nvSpPr>
+          <p:cNvPr id="5" name="Text Placeholder 4"/>
+          <p:cNvSpPr>
+            <a:spLocks noGrp="1"/>
+          </p:cNvSpPr>
+          <p:nvPr>
+            <p:ph type="body" sz="quarter" idx="3"/>
+          </p:nvPr>
+        </p:nvSpPr>
+        <p:spPr>
+          <a:xfrm>
+            <a:off x="4241976" y="1905000"/>
+            <a:ext cx="3298113" cy="576262"/>
+          </a:xfrm>
+        </p:spPr>
+        <p:txBody>
+          <a:bodyPr anchor="b">
+            <a:noAutofit/>
+          </a:bodyPr>
+          <a:lstStyle>
+            <a:lvl1pPr marL="0" indent="0">
+              <a:buNone/>
+              <a:defRPr sz="2400" b="0">
+                <a:solidFill>
+                  <a:schemeClr val="bg2">
+                    <a:lumMod val="40000"/>
+                    <a:lumOff val="60000"/>
+                  </a:schemeClr>
+                </a:solidFill>
+              </a:defRPr>
+            </a:lvl1pPr>
+            <a:lvl2pPr marL="457200" indent="0">
+              <a:buNone/>
+              <a:defRPr sz="2000" b="1"/>
+            </a:lvl2pPr>
+            <a:lvl3pPr marL="914400" indent="0">
+              <a:buNone/>
+              <a:defRPr sz="1800" b="1"/>
+            </a:lvl3pPr>
+            <a:lvl4pPr marL="1371600" indent="0">
+              <a:buNone/>
+              <a:defRPr sz="1600" b="1"/>
+            </a:lvl4pPr>
+            <a:lvl5pPr marL="1828800" indent="0">
+              <a:buNone/>
+              <a:defRPr sz="1600" b="1"/>
+            </a:lvl5pPr>
+            <a:lvl6pPr marL="2286000" indent="0">
+              <a:buNone/>
+              <a:defRPr sz="1600" b="1"/>
+            </a:lvl6pPr>
+            <a:lvl7pPr marL="2743200" indent="0">
+              <a:buNone/>
+              <a:defRPr sz="1600" b="1"/>
+            </a:lvl7pPr>
+            <a:lvl8pPr marL="3200400" indent="0">
+              <a:buNone/>
+              <a:defRPr sz="1600" b="1"/>
+            </a:lvl8pPr>
+            <a:lvl9pPr marL="3657600" indent="0">
+              <a:buNone/>
+              <a:defRPr sz="1600" b="1"/>
+            </a:lvl9pPr>
+          </a:lstStyle>
+          <a:p>
+            <a:pPr lvl="0"/>
+            <a:r>
+              <a:rPr lang="fr-FR"/>
+              <a:t>Cliquez pour modifier les styles du texte du masque</a:t>
+            </a:r>
+          </a:p>
+        </p:txBody>
+      </p:sp>
+      <p:sp>
+        <p:nvSpPr>
+          <p:cNvPr id="6" name="Content Placeholder 5"/>
+          <p:cNvSpPr>
+            <a:spLocks noGrp="1"/>
+          </p:cNvSpPr>
+          <p:nvPr>
+            <p:ph sz="quarter" idx="4"/>
+          </p:nvPr>
+        </p:nvSpPr>
+        <p:spPr>
+          <a:xfrm>
+            <a:off x="4241976" y="2514600"/>
+            <a:ext cx="3298113" cy="3741738"/>
+          </a:xfrm>
+        </p:spPr>
+        <p:txBody>
+          <a:bodyPr>
+            <a:normAutofit/>
+          </a:bodyPr>
+          <a:lstStyle>
+            <a:lvl1pPr>
+              <a:defRPr sz="1800"/>
+            </a:lvl1pPr>
+            <a:lvl2pPr>
+              <a:defRPr sz="1600"/>
+            </a:lvl2pPr>
+            <a:lvl3pPr>
+              <a:defRPr sz="1400"/>
+            </a:lvl3pPr>
+            <a:lvl4pPr>
+              <a:defRPr sz="1200"/>
+            </a:lvl4pPr>
+            <a:lvl5pPr>
+              <a:defRPr sz="1200"/>
+            </a:lvl5pPr>
+            <a:lvl6pPr>
+              <a:defRPr sz="1200"/>
+            </a:lvl6pPr>
+            <a:lvl7pPr>
+              <a:defRPr sz="1200"/>
+            </a:lvl7pPr>
+            <a:lvl8pPr>
+              <a:defRPr sz="1200"/>
+            </a:lvl8pPr>
+            <a:lvl9pPr>
+              <a:defRPr sz="1200"/>
+            </a:lvl9pPr>
+          </a:lstStyle>
+          <a:p>
+            <a:pPr lvl="0"/>
+            <a:r>
+              <a:rPr lang="fr-FR"/>
+              <a:t>Cliquez pour modifier les styles du texte du masque</a:t>
+            </a:r>
+          </a:p>
+          <a:p>
+            <a:pPr lvl="1"/>
+            <a:r>
+              <a:rPr lang="fr-FR"/>
+              <a:t>Deuxième niveau</a:t>
+            </a:r>
+          </a:p>
+          <a:p>
+            <a:pPr lvl="2"/>
+            <a:r>
+              <a:rPr lang="fr-FR"/>
+              <a:t>Troisième niveau</a:t>
+            </a:r>
+          </a:p>
+          <a:p>
+            <a:pPr lvl="3"/>
+            <a:r>
+              <a:rPr lang="fr-FR"/>
+              <a:t>Quatrième niveau</a:t>
+            </a:r>
+          </a:p>
+          <a:p>
+            <a:pPr lvl="4"/>
+            <a:r>
+              <a:rPr lang="fr-FR"/>
+              <a:t>Cinquième niveau</a:t>
+            </a:r>
+            <a:endParaRPr lang="en-US" dirty="0"/>
+          </a:p>
+        </p:txBody>
+      </p:sp>
+      <p:sp>
+        <p:nvSpPr>
+          <p:cNvPr id="7" name="Date Placeholder 6"/>
+          <p:cNvSpPr>
+            <a:spLocks noGrp="1"/>
+          </p:cNvSpPr>
+          <p:nvPr>
+            <p:ph type="dt" sz="half" idx="10"/>
+          </p:nvPr>
+        </p:nvSpPr>
+        <p:spPr/>
+        <p:txBody>
+          <a:bodyPr/>
+          <a:lstStyle/>
+          <a:p>
+            <a:fld id="{5BCAD085-E8A6-8845-BD4E-CB4CCA059FC4}" type="datetimeFigureOut">
+              <a:rPr lang="en-US" smtClean="0"/>
+              <a:t>12/6/2023</a:t>
+            </a:fld>
+            <a:endParaRPr lang="en-US"/>
+          </a:p>
+        </p:txBody>
+      </p:sp>
+      <p:sp>
+        <p:nvSpPr>
+          <p:cNvPr id="8" name="Footer Placeholder 7"/>
+          <p:cNvSpPr>
+            <a:spLocks noGrp="1"/>
+          </p:cNvSpPr>
+          <p:nvPr>
+            <p:ph type="ftr" sz="quarter" idx="11"/>
+          </p:nvPr>
+        </p:nvSpPr>
+        <p:spPr/>
+        <p:txBody>
+          <a:bodyPr/>
+          <a:lstStyle/>
+          <a:p>
+            <a:endParaRPr lang="en-US"/>
+          </a:p>
+        </p:txBody>
+      </p:sp>
+      <p:sp>
+        <p:nvSpPr>
+          <p:cNvPr id="9" name="Slide Number Placeholder 8"/>
+          <p:cNvSpPr>
+            <a:spLocks noGrp="1"/>
+          </p:cNvSpPr>
+          <p:nvPr>
+            <p:ph type="sldNum" sz="quarter" idx="12"/>
+          </p:nvPr>
+        </p:nvSpPr>
+        <p:spPr/>
+        <p:txBody>
+          <a:bodyPr/>
+          <a:lstStyle/>
+          <a:p>
+            <a:fld id="{C1FF6DA9-008F-8B48-92A6-B652298478BF}" type="slidenum">
+              <a:rPr lang="en-US" smtClean="0"/>
+              <a:t>‹N°›</a:t>
+            </a:fld>
+            <a:endParaRPr lang="en-US"/>
+          </a:p>
+        </p:txBody>
+      </p:sp>
+    </p:spTree>
+    <p:extLst>
+      <p:ext uri="{BB962C8B-B14F-4D97-AF65-F5344CB8AC3E}">
+        <p14:creationId xmlns:p14="http://schemas.microsoft.com/office/powerpoint/2010/main" val="1933366178"/>
+      </p:ext>
+    </p:extLst>
+  </p:cSld>
+  <p:clrMapOvr>
+    <a:masterClrMapping/>
+  </p:clrMapOvr>
+</p:sldLayout>
+</file>
+
+<file path=ppt/slideLayouts/slideLayout6.xml><?xml version="1.0" encoding="utf-8"?>
+<p:sldLayout xmlns:a="http://schemas.openxmlformats.org/drawingml/2006/main" xmlns:r="http://schemas.openxmlformats.org/officeDocument/2006/relationships" xmlns:p="http://schemas.openxmlformats.org/presentationml/2006/main" type="titleOnly" preserve="1">
+  <p:cSld name="Titre seul">
+    <p:spTree>
+      <p:nvGrpSpPr>
+        <p:cNvPr id="1" name=""/>
+        <p:cNvGrpSpPr/>
+        <p:nvPr/>
+      </p:nvGrpSpPr>
+      <p:grpSpPr>
+        <a:xfrm>
+          <a:off x="0" y="0"/>
+          <a:ext cx="0" cy="0"/>
+          <a:chOff x="0" y="0"/>
+          <a:chExt cx="0" cy="0"/>
+        </a:xfrm>
+      </p:grpSpPr>
+      <p:sp>
+        <p:nvSpPr>
+          <p:cNvPr id="2" name="Title 1"/>
+          <p:cNvSpPr>
+            <a:spLocks noGrp="1"/>
+          </p:cNvSpPr>
+          <p:nvPr>
+            <p:ph type="title"/>
+          </p:nvPr>
+        </p:nvSpPr>
+        <p:spPr/>
+        <p:txBody>
+          <a:bodyPr/>
+          <a:lstStyle/>
+          <a:p>
+            <a:r>
+              <a:rPr lang="fr-FR"/>
+              <a:t>Modifiez le style du titre</a:t>
+            </a:r>
+            <a:endParaRPr lang="en-US" dirty="0"/>
+          </a:p>
+        </p:txBody>
+      </p:sp>
+      <p:sp>
+        <p:nvSpPr>
+          <p:cNvPr id="7" name="Date Placeholder 2"/>
+          <p:cNvSpPr>
+            <a:spLocks noGrp="1"/>
+          </p:cNvSpPr>
+          <p:nvPr>
+            <p:ph type="dt" sz="half" idx="10"/>
+          </p:nvPr>
+        </p:nvSpPr>
+        <p:spPr/>
+        <p:txBody>
+          <a:bodyPr/>
+          <a:lstStyle/>
+          <a:p>
+            <a:fld id="{5BCAD085-E8A6-8845-BD4E-CB4CCA059FC4}" type="datetimeFigureOut">
+              <a:rPr lang="en-US" smtClean="0"/>
+              <a:t>12/6/2023</a:t>
+            </a:fld>
+            <a:endParaRPr lang="en-US"/>
+          </a:p>
+        </p:txBody>
+      </p:sp>
+      <p:sp>
+        <p:nvSpPr>
+          <p:cNvPr id="5" name="Footer Placeholder 3"/>
+          <p:cNvSpPr>
+            <a:spLocks noGrp="1"/>
+          </p:cNvSpPr>
+          <p:nvPr>
+            <p:ph type="ftr" sz="quarter" idx="11"/>
+          </p:nvPr>
+        </p:nvSpPr>
+        <p:spPr/>
+        <p:txBody>
+          <a:bodyPr/>
+          <a:lstStyle/>
+          <a:p>
+            <a:endParaRPr lang="en-US"/>
+          </a:p>
+        </p:txBody>
+      </p:sp>
+      <p:sp>
+        <p:nvSpPr>
+          <p:cNvPr id="6" name="Slide Number Placeholder 4"/>
+          <p:cNvSpPr>
+            <a:spLocks noGrp="1"/>
+          </p:cNvSpPr>
+          <p:nvPr>
+            <p:ph type="sldNum" sz="quarter" idx="12"/>
+          </p:nvPr>
+        </p:nvSpPr>
+        <p:spPr/>
+        <p:txBody>
+          <a:bodyPr/>
+          <a:lstStyle/>
+          <a:p>
+            <a:fld id="{C1FF6DA9-008F-8B48-92A6-B652298478BF}" type="slidenum">
+              <a:rPr lang="en-US" smtClean="0"/>
+              <a:t>‹N°›</a:t>
+            </a:fld>
+            <a:endParaRPr lang="en-US"/>
+          </a:p>
+        </p:txBody>
+      </p:sp>
+    </p:spTree>
+    <p:extLst>
+      <p:ext uri="{BB962C8B-B14F-4D97-AF65-F5344CB8AC3E}">
+        <p14:creationId xmlns:p14="http://schemas.microsoft.com/office/powerpoint/2010/main" val="1312751927"/>
+      </p:ext>
+    </p:extLst>
+  </p:cSld>
+  <p:clrMapOvr>
+    <a:masterClrMapping/>
+  </p:clrMapOvr>
+</p:sldLayout>
+</file>
+
+<file path=ppt/slideLayouts/slideLayout7.xml><?xml version="1.0" encoding="utf-8"?>
+<p:sldLayout xmlns:a="http://schemas.openxmlformats.org/drawingml/2006/main" xmlns:r="http://schemas.openxmlformats.org/officeDocument/2006/relationships" xmlns:p="http://schemas.openxmlformats.org/presentationml/2006/main" type="blank" preserve="1">
+  <p:cSld name="Vide">
+    <p:spTree>
+      <p:nvGrpSpPr>
+        <p:cNvPr id="1" name=""/>
+        <p:cNvGrpSpPr/>
+        <p:nvPr/>
+      </p:nvGrpSpPr>
+      <p:grpSpPr>
+        <a:xfrm>
+          <a:off x="0" y="0"/>
+          <a:ext cx="0" cy="0"/>
+          <a:chOff x="0" y="0"/>
+          <a:chExt cx="0" cy="0"/>
+        </a:xfrm>
+      </p:grpSpPr>
+      <p:sp>
+        <p:nvSpPr>
+          <p:cNvPr id="7" name="Date Placeholder 1"/>
+          <p:cNvSpPr>
+            <a:spLocks noGrp="1"/>
+          </p:cNvSpPr>
+          <p:nvPr>
+            <p:ph type="dt" sz="half" idx="10"/>
+          </p:nvPr>
+        </p:nvSpPr>
+        <p:spPr/>
+        <p:txBody>
+          <a:bodyPr/>
+          <a:lstStyle/>
+          <a:p>
+            <a:fld id="{5BCAD085-E8A6-8845-BD4E-CB4CCA059FC4}" type="datetimeFigureOut">
+              <a:rPr lang="en-US" smtClean="0"/>
+              <a:t>12/6/2023</a:t>
+            </a:fld>
+            <a:endParaRPr lang="en-US"/>
+          </a:p>
+        </p:txBody>
+      </p:sp>
+      <p:sp>
+        <p:nvSpPr>
+          <p:cNvPr id="5" name="Footer Placeholder 2"/>
+          <p:cNvSpPr>
+            <a:spLocks noGrp="1"/>
+          </p:cNvSpPr>
+          <p:nvPr>
+            <p:ph type="ftr" sz="quarter" idx="11"/>
+          </p:nvPr>
+        </p:nvSpPr>
+        <p:spPr/>
+        <p:txBody>
+          <a:bodyPr/>
+          <a:lstStyle/>
+          <a:p>
+            <a:endParaRPr lang="en-US"/>
+          </a:p>
+        </p:txBody>
+      </p:sp>
+      <p:sp>
+        <p:nvSpPr>
+          <p:cNvPr id="6" name="Slide Number Placeholder 3"/>
+          <p:cNvSpPr>
+            <a:spLocks noGrp="1"/>
+          </p:cNvSpPr>
+          <p:nvPr>
+            <p:ph type="sldNum" sz="quarter" idx="12"/>
+          </p:nvPr>
+        </p:nvSpPr>
+        <p:spPr/>
+        <p:txBody>
+          <a:bodyPr/>
+          <a:lstStyle/>
+          <a:p>
+            <a:fld id="{C1FF6DA9-008F-8B48-92A6-B652298478BF}" type="slidenum">
+              <a:rPr lang="en-US" smtClean="0"/>
+              <a:t>‹N°›</a:t>
+            </a:fld>
+            <a:endParaRPr lang="en-US"/>
+          </a:p>
+        </p:txBody>
+      </p:sp>
+    </p:spTree>
+    <p:extLst>
+      <p:ext uri="{BB962C8B-B14F-4D97-AF65-F5344CB8AC3E}">
+        <p14:creationId xmlns:p14="http://schemas.microsoft.com/office/powerpoint/2010/main" val="3286043734"/>
+      </p:ext>
+    </p:extLst>
+  </p:cSld>
+  <p:clrMapOvr>
+    <a:masterClrMapping/>
+  </p:clrMapOvr>
+</p:sldLayout>
+</file>
+
+<file path=ppt/slideLayouts/slideLayout8.xml><?xml version="1.0" encoding="utf-8"?>
+<p:sldLayout xmlns:a="http://schemas.openxmlformats.org/drawingml/2006/main" xmlns:r="http://schemas.openxmlformats.org/officeDocument/2006/relationships" xmlns:p="http://schemas.openxmlformats.org/presentationml/2006/main" type="objTx" preserve="1">
+  <p:cSld name="Contenu avec légende">
+    <p:spTree>
+      <p:nvGrpSpPr>
+        <p:cNvPr id="1" name=""/>
+        <p:cNvGrpSpPr/>
+        <p:nvPr/>
+      </p:nvGrpSpPr>
+      <p:grpSpPr>
+        <a:xfrm>
+          <a:off x="0" y="0"/>
+          <a:ext cx="0" cy="0"/>
+          <a:chOff x="0" y="0"/>
+          <a:chExt cx="0" cy="0"/>
+        </a:xfrm>
+      </p:grpSpPr>
+      <p:sp>
+        <p:nvSpPr>
+          <p:cNvPr id="2" name="Title 1"/>
+          <p:cNvSpPr>
+            <a:spLocks noGrp="1"/>
+          </p:cNvSpPr>
+          <p:nvPr>
+            <p:ph type="title"/>
+          </p:nvPr>
+        </p:nvSpPr>
+        <p:spPr>
+          <a:xfrm>
+            <a:off x="866441" y="1447800"/>
+            <a:ext cx="2551462" cy="1447800"/>
+          </a:xfrm>
+        </p:spPr>
+        <p:txBody>
+          <a:bodyPr anchor="b"/>
+          <a:lstStyle>
+            <a:lvl1pPr algn="l">
+              <a:defRPr sz="2400" b="0"/>
+            </a:lvl1pPr>
+          </a:lstStyle>
+          <a:p>
+            <a:r>
+              <a:rPr lang="fr-FR"/>
+              <a:t>Modifiez le style du titre</a:t>
+            </a:r>
+            <a:endParaRPr lang="en-US" dirty="0"/>
+          </a:p>
+        </p:txBody>
+      </p:sp>
+      <p:sp>
+        <p:nvSpPr>
+          <p:cNvPr id="3" name="Content Placeholder 2"/>
+          <p:cNvSpPr>
+            <a:spLocks noGrp="1"/>
+          </p:cNvSpPr>
+          <p:nvPr>
+            <p:ph idx="1"/>
+          </p:nvPr>
+        </p:nvSpPr>
+        <p:spPr>
+          <a:xfrm>
+            <a:off x="3589397" y="1447800"/>
+            <a:ext cx="3898013" cy="4572000"/>
+          </a:xfrm>
+        </p:spPr>
+        <p:txBody>
+          <a:bodyPr anchor="ctr">
+            <a:normAutofit/>
+          </a:bodyPr>
+          <a:lstStyle>
+            <a:lvl1pPr>
+              <a:defRPr sz="2000"/>
+            </a:lvl1pPr>
+            <a:lvl2pPr>
+              <a:defRPr sz="1800"/>
+            </a:lvl2pPr>
+            <a:lvl3pPr>
+              <a:defRPr sz="1600"/>
+            </a:lvl3pPr>
+            <a:lvl4pPr>
+              <a:defRPr sz="1400"/>
+            </a:lvl4pPr>
+            <a:lvl5pPr>
+              <a:defRPr sz="1400"/>
+            </a:lvl5pPr>
+            <a:lvl6pPr>
+              <a:defRPr sz="1400"/>
+            </a:lvl6pPr>
+            <a:lvl7pPr>
+              <a:defRPr sz="1400"/>
+            </a:lvl7pPr>
+            <a:lvl8pPr>
+              <a:defRPr sz="1400"/>
+            </a:lvl8pPr>
+            <a:lvl9pPr>
+              <a:defRPr sz="1400"/>
+            </a:lvl9pPr>
+          </a:lstStyle>
+          <a:p>
+            <a:pPr lvl="0"/>
+            <a:r>
+              <a:rPr lang="fr-FR"/>
+              <a:t>Cliquez pour modifier les styles du texte du masque</a:t>
+            </a:r>
+          </a:p>
+          <a:p>
+            <a:pPr lvl="1"/>
+            <a:r>
+              <a:rPr lang="fr-FR"/>
+              <a:t>Deuxième niveau</a:t>
+            </a:r>
+          </a:p>
+          <a:p>
+            <a:pPr lvl="2"/>
+            <a:r>
+              <a:rPr lang="fr-FR"/>
+              <a:t>Troisième niveau</a:t>
+            </a:r>
+          </a:p>
+          <a:p>
+            <a:pPr lvl="3"/>
+            <a:r>
+              <a:rPr lang="fr-FR"/>
+              <a:t>Quatrième niveau</a:t>
+            </a:r>
+          </a:p>
+          <a:p>
+            <a:pPr lvl="4"/>
+            <a:r>
+              <a:rPr lang="fr-FR"/>
+              <a:t>Cinquième niveau</a:t>
+            </a:r>
+            <a:endParaRPr lang="en-US" dirty="0"/>
+          </a:p>
+        </p:txBody>
+      </p:sp>
+      <p:sp>
+        <p:nvSpPr>
+          <p:cNvPr id="4" name="Text Placeholder 3"/>
+          <p:cNvSpPr>
+            <a:spLocks noGrp="1"/>
+          </p:cNvSpPr>
+          <p:nvPr>
+            <p:ph type="body" sz="half" idx="2"/>
+          </p:nvPr>
+        </p:nvSpPr>
+        <p:spPr>
+          <a:xfrm>
+            <a:off x="866441" y="3129281"/>
+            <a:ext cx="2551462" cy="2895599"/>
+          </a:xfrm>
+        </p:spPr>
+        <p:txBody>
+          <a:bodyPr/>
+          <a:lstStyle>
+            <a:lvl1pPr marL="0" indent="0">
+              <a:buNone/>
+              <a:defRPr sz="1400"/>
+            </a:lvl1pPr>
+            <a:lvl2pPr marL="457200" indent="0">
+              <a:buNone/>
+              <a:defRPr sz="1200"/>
+            </a:lvl2pPr>
+            <a:lvl3pPr marL="914400" indent="0">
+              <a:buNone/>
+              <a:defRPr sz="1000"/>
+            </a:lvl3pPr>
+            <a:lvl4pPr marL="1371600" indent="0">
+              <a:buNone/>
+              <a:defRPr sz="900"/>
+            </a:lvl4pPr>
+            <a:lvl5pPr marL="1828800" indent="0">
+              <a:buNone/>
+              <a:defRPr sz="900"/>
+            </a:lvl5pPr>
+            <a:lvl6pPr marL="2286000" indent="0">
+              <a:buNone/>
+              <a:defRPr sz="900"/>
+            </a:lvl6pPr>
+            <a:lvl7pPr marL="2743200" indent="0">
+              <a:buNone/>
+              <a:defRPr sz="900"/>
+            </a:lvl7pPr>
+            <a:lvl8pPr marL="3200400" indent="0">
+              <a:buNone/>
+              <a:defRPr sz="900"/>
+            </a:lvl8pPr>
+            <a:lvl9pPr marL="3657600" indent="0">
+              <a:buNone/>
+              <a:defRPr sz="900"/>
+            </a:lvl9pPr>
+          </a:lstStyle>
+          <a:p>
+            <a:pPr lvl="0"/>
+            <a:r>
+              <a:rPr lang="fr-FR"/>
+              <a:t>Cliquez pour modifier les styles du texte du masque</a:t>
+            </a:r>
+          </a:p>
+        </p:txBody>
+      </p:sp>
+      <p:sp>
+        <p:nvSpPr>
+          <p:cNvPr id="7" name="Date Placeholder 4"/>
+          <p:cNvSpPr>
+            <a:spLocks noGrp="1"/>
+          </p:cNvSpPr>
+          <p:nvPr>
+            <p:ph type="dt" sz="half" idx="10"/>
+          </p:nvPr>
+        </p:nvSpPr>
+        <p:spPr/>
+        <p:txBody>
+          <a:bodyPr/>
+          <a:lstStyle/>
+          <a:p>
+            <a:fld id="{5BCAD085-E8A6-8845-BD4E-CB4CCA059FC4}" type="datetimeFigureOut">
+              <a:rPr lang="en-US" smtClean="0"/>
+              <a:t>12/6/2023</a:t>
+            </a:fld>
+            <a:endParaRPr lang="en-US"/>
+          </a:p>
+        </p:txBody>
+      </p:sp>
+      <p:sp>
+        <p:nvSpPr>
+          <p:cNvPr id="5" name="Footer Placeholder 5"/>
+          <p:cNvSpPr>
+            <a:spLocks noGrp="1"/>
+          </p:cNvSpPr>
+          <p:nvPr>
+            <p:ph type="ftr" sz="quarter" idx="11"/>
+          </p:nvPr>
+        </p:nvSpPr>
+        <p:spPr/>
+        <p:txBody>
+          <a:bodyPr/>
+          <a:lstStyle/>
+          <a:p>
+            <a:endParaRPr lang="en-US"/>
+          </a:p>
+        </p:txBody>
+      </p:sp>
+      <p:sp>
+        <p:nvSpPr>
+          <p:cNvPr id="6" name="Slide Number Placeholder 6"/>
+          <p:cNvSpPr>
+            <a:spLocks noGrp="1"/>
+          </p:cNvSpPr>
+          <p:nvPr>
+            <p:ph type="sldNum" sz="quarter" idx="12"/>
+          </p:nvPr>
+        </p:nvSpPr>
+        <p:spPr/>
+        <p:txBody>
+          <a:bodyPr/>
+          <a:lstStyle/>
+          <a:p>
+            <a:fld id="{C1FF6DA9-008F-8B48-92A6-B652298478BF}" type="slidenum">
+              <a:rPr lang="en-US" smtClean="0"/>
+              <a:t>‹N°›</a:t>
+            </a:fld>
+            <a:endParaRPr lang="en-US"/>
+          </a:p>
+        </p:txBody>
+      </p:sp>
+    </p:spTree>
+    <p:extLst>
+      <p:ext uri="{BB962C8B-B14F-4D97-AF65-F5344CB8AC3E}">
+        <p14:creationId xmlns:p14="http://schemas.microsoft.com/office/powerpoint/2010/main" val="3777704296"/>
+      </p:ext>
+    </p:extLst>
+  </p:cSld>
+  <p:clrMapOvr>
+    <a:masterClrMapping/>
+  </p:clrMapOvr>
+</p:sldLayout>
+</file>
+
+<file path=ppt/slideLayouts/slideLayout9.xml><?xml version="1.0" encoding="utf-8"?>
+<p:sldLayout xmlns:a="http://schemas.openxmlformats.org/drawingml/2006/main" xmlns:r="http://schemas.openxmlformats.org/officeDocument/2006/relationships" xmlns:p="http://schemas.openxmlformats.org/presentationml/2006/main" type="picTx" preserve="1">
+  <p:cSld name="Image avec légende">
+    <p:spTree>
+      <p:nvGrpSpPr>
+        <p:cNvPr id="1" name=""/>
+        <p:cNvGrpSpPr/>
+        <p:nvPr/>
+      </p:nvGrpSpPr>
+      <p:grpSpPr>
+        <a:xfrm>
+          <a:off x="0" y="0"/>
+          <a:ext cx="0" cy="0"/>
+          <a:chOff x="0" y="0"/>
+          <a:chExt cx="0" cy="0"/>
+        </a:xfrm>
+      </p:grpSpPr>
+      <p:sp>
+        <p:nvSpPr>
+          <p:cNvPr id="2" name="Title 1"/>
+          <p:cNvSpPr>
+            <a:spLocks noGrp="1"/>
+          </p:cNvSpPr>
+          <p:nvPr>
+            <p:ph type="title"/>
+          </p:nvPr>
+        </p:nvSpPr>
+        <p:spPr>
+          <a:xfrm>
+            <a:off x="865656" y="1854192"/>
+            <a:ext cx="3820674" cy="1574808"/>
+          </a:xfrm>
+        </p:spPr>
+        <p:txBody>
+          <a:bodyPr anchor="b">
+            <a:normAutofit/>
+          </a:bodyPr>
+          <a:lstStyle>
+            <a:lvl1pPr algn="l">
+              <a:defRPr sz="3600" b="0"/>
+            </a:lvl1pPr>
+          </a:lstStyle>
+          <a:p>
+            <a:r>
+              <a:rPr lang="fr-FR"/>
+              <a:t>Modifiez le style du titre</a:t>
+            </a:r>
+            <a:endParaRPr lang="en-US" dirty="0"/>
+          </a:p>
+        </p:txBody>
+      </p:sp>
+      <p:sp>
+        <p:nvSpPr>
+          <p:cNvPr id="3" name="Picture Placeholder 2"/>
+          <p:cNvSpPr>
+            <a:spLocks noGrp="1" noChangeAspect="1"/>
+          </p:cNvSpPr>
+          <p:nvPr>
+            <p:ph type="pic" idx="1"/>
+          </p:nvPr>
+        </p:nvSpPr>
+        <p:spPr>
+          <a:xfrm>
+            <a:off x="5213517" y="1143000"/>
+            <a:ext cx="2400925" cy="4572000"/>
+          </a:xfrm>
+          <a:prstGeom prst="roundRect">
+            <a:avLst>
+              <a:gd name="adj" fmla="val 1858"/>
+            </a:avLst>
+          </a:prstGeom>
+          <a:effectLst>
+            <a:outerShdw blurRad="50800" dist="50800" dir="5400000" algn="tl" rotWithShape="0">
+              <a:srgbClr val="000000">
+                <a:alpha val="43000"/>
+              </a:srgbClr>
+            </a:outerShdw>
+          </a:effectLst>
+        </p:spPr>
+        <p:txBody>
+          <a:bodyPr anchor="t">
+            <a:normAutofit/>
+          </a:bodyPr>
+          <a:lstStyle>
+            <a:lvl1pPr marL="0" indent="0" algn="ctr">
+              <a:buNone/>
+              <a:defRPr sz="1600"/>
+            </a:lvl1pPr>
+            <a:lvl2pPr marL="457200" indent="0">
+              <a:buNone/>
+              <a:defRPr sz="1600"/>
+            </a:lvl2pPr>
+            <a:lvl3pPr marL="914400" indent="0">
+              <a:buNone/>
+              <a:defRPr sz="1600"/>
+            </a:lvl3pPr>
+            <a:lvl4pPr marL="1371600" indent="0">
+              <a:buNone/>
+              <a:defRPr sz="1600"/>
+            </a:lvl4pPr>
+            <a:lvl5pPr marL="1828800" indent="0">
+              <a:buNone/>
+              <a:defRPr sz="1600"/>
+            </a:lvl5pPr>
+            <a:lvl6pPr marL="2286000" indent="0">
+              <a:buNone/>
+              <a:defRPr sz="1600"/>
+            </a:lvl6pPr>
+            <a:lvl7pPr marL="2743200" indent="0">
+              <a:buNone/>
+              <a:defRPr sz="1600"/>
+            </a:lvl7pPr>
+            <a:lvl8pPr marL="3200400" indent="0">
+              <a:buNone/>
+              <a:defRPr sz="1600"/>
+            </a:lvl8pPr>
+            <a:lvl9pPr marL="3657600" indent="0">
+              <a:buNone/>
+              <a:defRPr sz="1600"/>
+            </a:lvl9pPr>
+          </a:lstStyle>
+          <a:p>
+            <a:r>
+              <a:rPr lang="fr-FR"/>
+              <a:t>Cliquez sur l'icône pour ajouter une image</a:t>
+            </a:r>
+            <a:endParaRPr lang="en-US" dirty="0"/>
+          </a:p>
+        </p:txBody>
+      </p:sp>
+      <p:sp>
+        <p:nvSpPr>
+          <p:cNvPr id="4" name="Text Placeholder 3"/>
+          <p:cNvSpPr>
+            <a:spLocks noGrp="1"/>
+          </p:cNvSpPr>
+          <p:nvPr>
+            <p:ph type="body" sz="half" idx="2"/>
+          </p:nvPr>
+        </p:nvSpPr>
+        <p:spPr>
+          <a:xfrm>
+            <a:off x="866441" y="3657600"/>
+            <a:ext cx="3814728" cy="1371600"/>
+          </a:xfrm>
+        </p:spPr>
+        <p:txBody>
+          <a:bodyPr>
+            <a:normAutofit/>
+          </a:bodyPr>
+          <a:lstStyle>
+            <a:lvl1pPr marL="0" indent="0">
+              <a:buNone/>
+              <a:defRPr sz="1400"/>
+            </a:lvl1pPr>
+            <a:lvl2pPr marL="457200" indent="0">
+              <a:buNone/>
+              <a:defRPr sz="1200"/>
+            </a:lvl2pPr>
+            <a:lvl3pPr marL="914400" indent="0">
+              <a:buNone/>
+              <a:defRPr sz="1000"/>
+            </a:lvl3pPr>
+            <a:lvl4pPr marL="1371600" indent="0">
+              <a:buNone/>
+              <a:defRPr sz="900"/>
+            </a:lvl4pPr>
+            <a:lvl5pPr marL="1828800" indent="0">
+              <a:buNone/>
+              <a:defRPr sz="900"/>
+            </a:lvl5pPr>
+            <a:lvl6pPr marL="2286000" indent="0">
+              <a:buNone/>
+              <a:defRPr sz="900"/>
+            </a:lvl6pPr>
+            <a:lvl7pPr marL="2743200" indent="0">
+              <a:buNone/>
+              <a:defRPr sz="900"/>
+            </a:lvl7pPr>
+            <a:lvl8pPr marL="3200400" indent="0">
+              <a:buNone/>
+              <a:defRPr sz="900"/>
+            </a:lvl8pPr>
+            <a:lvl9pPr marL="3657600" indent="0">
+              <a:buNone/>
+              <a:defRPr sz="900"/>
+            </a:lvl9pPr>
+          </a:lstStyle>
+          <a:p>
+            <a:pPr lvl="0"/>
+            <a:r>
+              <a:rPr lang="fr-FR"/>
+              <a:t>Cliquez pour modifier les styles du texte du masque</a:t>
+            </a:r>
+          </a:p>
+        </p:txBody>
+      </p:sp>
+      <p:sp>
+        <p:nvSpPr>
+          <p:cNvPr id="5" name="Date Placeholder 4"/>
+          <p:cNvSpPr>
+            <a:spLocks noGrp="1"/>
+          </p:cNvSpPr>
+          <p:nvPr>
+            <p:ph type="dt" sz="half" idx="10"/>
+          </p:nvPr>
+        </p:nvSpPr>
+        <p:spPr/>
+        <p:txBody>
+          <a:bodyPr/>
+          <a:lstStyle/>
+          <a:p>
+            <a:fld id="{5BCAD085-E8A6-8845-BD4E-CB4CCA059FC4}" type="datetimeFigureOut">
+              <a:rPr lang="en-US" smtClean="0"/>
+              <a:t>12/6/2023</a:t>
+            </a:fld>
+            <a:endParaRPr lang="en-US"/>
+          </a:p>
+        </p:txBody>
+      </p:sp>
+      <p:sp>
+        <p:nvSpPr>
+          <p:cNvPr id="6" name="Footer Placeholder 5"/>
+          <p:cNvSpPr>
+            <a:spLocks noGrp="1"/>
+          </p:cNvSpPr>
+          <p:nvPr>
+            <p:ph type="ftr" sz="quarter" idx="11"/>
+          </p:nvPr>
+        </p:nvSpPr>
+        <p:spPr/>
+        <p:txBody>
+          <a:bodyPr/>
+          <a:lstStyle/>
+          <a:p>
+            <a:endParaRPr lang="en-US"/>
+          </a:p>
+        </p:txBody>
+      </p:sp>
+      <p:sp>
+        <p:nvSpPr>
+          <p:cNvPr id="7" name="Slide Number Placeholder 6"/>
+          <p:cNvSpPr>
+            <a:spLocks noGrp="1"/>
+          </p:cNvSpPr>
+          <p:nvPr>
+            <p:ph type="sldNum" sz="quarter" idx="12"/>
+          </p:nvPr>
+        </p:nvSpPr>
+        <p:spPr/>
+        <p:txBody>
+          <a:bodyPr/>
+          <a:lstStyle/>
+          <a:p>
+            <a:fld id="{C1FF6DA9-008F-8B48-92A6-B652298478BF}" type="slidenum">
+              <a:rPr lang="en-US" smtClean="0"/>
+              <a:t>‹N°›</a:t>
+            </a:fld>
+            <a:endParaRPr lang="en-US"/>
+          </a:p>
+        </p:txBody>
+      </p:sp>
+    </p:spTree>
+    <p:extLst>
+      <p:ext uri="{BB962C8B-B14F-4D97-AF65-F5344CB8AC3E}">
+        <p14:creationId xmlns:p14="http://schemas.microsoft.com/office/powerpoint/2010/main" val="74447781"/>
       </p:ext>
     </p:extLst>
   </p:cSld>
@@ -2581,8 +5219,8 @@
 <p:sldMaster xmlns:a="http://schemas.openxmlformats.org/drawingml/2006/main" xmlns:r="http://schemas.openxmlformats.org/officeDocument/2006/relationships" xmlns:p="http://schemas.openxmlformats.org/presentationml/2006/main">
   <p:cSld>
     <p:bg>
-      <p:bgRef idx="1001">
-        <a:schemeClr val="bg1"/>
+      <p:bgRef idx="1003">
+        <a:schemeClr val="bg2"/>
       </p:bgRef>
     </p:bg>
     <p:spTree>
@@ -2601,56 +5239,408 @@
       </p:grpSpPr>
       <p:sp>
         <p:nvSpPr>
-          <p:cNvPr id="2" name="Title Placeholder 1"/>
-          <p:cNvSpPr>
-            <a:spLocks noGrp="1"/>
-          </p:cNvSpPr>
-          <p:nvPr>
-            <p:ph type="title"/>
-          </p:nvPr>
-        </p:nvSpPr>
-        <p:spPr>
-          <a:xfrm>
-            <a:off x="457200" y="274638"/>
-            <a:ext cx="8229600" cy="1143000"/>
+          <p:cNvPr id="22" name="Oval 21"/>
+          <p:cNvSpPr/>
+          <p:nvPr/>
+        </p:nvSpPr>
+        <p:spPr>
+          <a:xfrm>
+            <a:off x="6299432" y="1676400"/>
+            <a:ext cx="2819400" cy="2819400"/>
+          </a:xfrm>
+          <a:prstGeom prst="ellipse">
+            <a:avLst/>
+          </a:prstGeom>
+          <a:gradFill flip="none" rotWithShape="1">
+            <a:gsLst>
+              <a:gs pos="0">
+                <a:schemeClr val="bg2">
+                  <a:lumMod val="60000"/>
+                  <a:lumOff val="40000"/>
+                  <a:alpha val="7000"/>
+                </a:schemeClr>
+              </a:gs>
+              <a:gs pos="69000">
+                <a:schemeClr val="bg2">
+                  <a:lumMod val="60000"/>
+                  <a:lumOff val="40000"/>
+                  <a:alpha val="0"/>
+                </a:schemeClr>
+              </a:gs>
+              <a:gs pos="36000">
+                <a:schemeClr val="bg2">
+                  <a:lumMod val="60000"/>
+                  <a:lumOff val="40000"/>
+                  <a:alpha val="6000"/>
+                </a:schemeClr>
+              </a:gs>
+            </a:gsLst>
+            <a:path path="circle">
+              <a:fillToRect l="50000" t="50000" r="50000" b="50000"/>
+            </a:path>
+            <a:tileRect/>
+          </a:gradFill>
+          <a:ln>
+            <a:noFill/>
+          </a:ln>
+          <a:effectLst/>
+        </p:spPr>
+        <p:style>
+          <a:lnRef idx="1">
+            <a:schemeClr val="accent1"/>
+          </a:lnRef>
+          <a:fillRef idx="3">
+            <a:schemeClr val="accent1"/>
+          </a:fillRef>
+          <a:effectRef idx="2">
+            <a:schemeClr val="accent1"/>
+          </a:effectRef>
+          <a:fontRef idx="minor">
+            <a:schemeClr val="lt1"/>
+          </a:fontRef>
+        </p:style>
+      </p:sp>
+      <p:sp>
+        <p:nvSpPr>
+          <p:cNvPr id="23" name="Oval 22"/>
+          <p:cNvSpPr/>
+          <p:nvPr/>
+        </p:nvSpPr>
+        <p:spPr>
+          <a:xfrm>
+            <a:off x="5689832" y="-457200"/>
+            <a:ext cx="1600200" cy="1600200"/>
+          </a:xfrm>
+          <a:prstGeom prst="ellipse">
+            <a:avLst/>
+          </a:prstGeom>
+          <a:gradFill flip="none" rotWithShape="1">
+            <a:gsLst>
+              <a:gs pos="0">
+                <a:schemeClr val="bg2">
+                  <a:lumMod val="60000"/>
+                  <a:lumOff val="40000"/>
+                  <a:alpha val="14000"/>
+                </a:schemeClr>
+              </a:gs>
+              <a:gs pos="73000">
+                <a:schemeClr val="bg2">
+                  <a:lumMod val="60000"/>
+                  <a:lumOff val="40000"/>
+                  <a:alpha val="0"/>
+                </a:schemeClr>
+              </a:gs>
+              <a:gs pos="36000">
+                <a:schemeClr val="bg2">
+                  <a:lumMod val="60000"/>
+                  <a:lumOff val="40000"/>
+                  <a:alpha val="7000"/>
+                </a:schemeClr>
+              </a:gs>
+            </a:gsLst>
+            <a:path path="circle">
+              <a:fillToRect l="50000" t="50000" r="50000" b="50000"/>
+            </a:path>
+            <a:tileRect/>
+          </a:gradFill>
+          <a:ln>
+            <a:noFill/>
+          </a:ln>
+          <a:effectLst/>
+        </p:spPr>
+        <p:style>
+          <a:lnRef idx="1">
+            <a:schemeClr val="accent1"/>
+          </a:lnRef>
+          <a:fillRef idx="3">
+            <a:schemeClr val="accent1"/>
+          </a:fillRef>
+          <a:effectRef idx="2">
+            <a:schemeClr val="accent1"/>
+          </a:effectRef>
+          <a:fontRef idx="minor">
+            <a:schemeClr val="lt1"/>
+          </a:fontRef>
+        </p:style>
+      </p:sp>
+      <p:sp>
+        <p:nvSpPr>
+          <p:cNvPr id="24" name="Oval 23"/>
+          <p:cNvSpPr/>
+          <p:nvPr/>
+        </p:nvSpPr>
+        <p:spPr>
+          <a:xfrm>
+            <a:off x="6299432" y="6096000"/>
+            <a:ext cx="990600" cy="990600"/>
+          </a:xfrm>
+          <a:prstGeom prst="ellipse">
+            <a:avLst/>
+          </a:prstGeom>
+          <a:gradFill flip="none" rotWithShape="1">
+            <a:gsLst>
+              <a:gs pos="0">
+                <a:schemeClr val="bg2">
+                  <a:lumMod val="60000"/>
+                  <a:lumOff val="40000"/>
+                  <a:alpha val="9000"/>
+                </a:schemeClr>
+              </a:gs>
+              <a:gs pos="66000">
+                <a:schemeClr val="bg2">
+                  <a:lumMod val="60000"/>
+                  <a:lumOff val="40000"/>
+                  <a:alpha val="0"/>
+                </a:schemeClr>
+              </a:gs>
+              <a:gs pos="36000">
+                <a:schemeClr val="bg2">
+                  <a:lumMod val="60000"/>
+                  <a:lumOff val="40000"/>
+                  <a:alpha val="5000"/>
+                </a:schemeClr>
+              </a:gs>
+            </a:gsLst>
+            <a:path path="circle">
+              <a:fillToRect l="50000" t="50000" r="50000" b="50000"/>
+            </a:path>
+            <a:tileRect/>
+          </a:gradFill>
+          <a:ln>
+            <a:noFill/>
+          </a:ln>
+          <a:effectLst/>
+        </p:spPr>
+        <p:style>
+          <a:lnRef idx="1">
+            <a:schemeClr val="accent1"/>
+          </a:lnRef>
+          <a:fillRef idx="3">
+            <a:schemeClr val="accent1"/>
+          </a:fillRef>
+          <a:effectRef idx="2">
+            <a:schemeClr val="accent1"/>
+          </a:effectRef>
+          <a:fontRef idx="minor">
+            <a:schemeClr val="lt1"/>
+          </a:fontRef>
+        </p:style>
+      </p:sp>
+      <p:sp>
+        <p:nvSpPr>
+          <p:cNvPr id="20" name="Oval 19"/>
+          <p:cNvSpPr/>
+          <p:nvPr/>
+        </p:nvSpPr>
+        <p:spPr>
+          <a:xfrm>
+            <a:off x="-153988" y="2667000"/>
+            <a:ext cx="4191000" cy="4191000"/>
+          </a:xfrm>
+          <a:prstGeom prst="ellipse">
+            <a:avLst/>
+          </a:prstGeom>
+          <a:gradFill flip="none" rotWithShape="1">
+            <a:gsLst>
+              <a:gs pos="0">
+                <a:schemeClr val="bg2">
+                  <a:lumMod val="60000"/>
+                  <a:lumOff val="40000"/>
+                  <a:alpha val="11000"/>
+                </a:schemeClr>
+              </a:gs>
+              <a:gs pos="75000">
+                <a:schemeClr val="bg2">
+                  <a:lumMod val="60000"/>
+                  <a:lumOff val="40000"/>
+                  <a:alpha val="0"/>
+                </a:schemeClr>
+              </a:gs>
+              <a:gs pos="36000">
+                <a:schemeClr val="bg2">
+                  <a:lumMod val="60000"/>
+                  <a:lumOff val="40000"/>
+                  <a:alpha val="10000"/>
+                </a:schemeClr>
+              </a:gs>
+            </a:gsLst>
+            <a:path path="circle">
+              <a:fillToRect l="50000" t="50000" r="50000" b="50000"/>
+            </a:path>
+            <a:tileRect/>
+          </a:gradFill>
+          <a:ln>
+            <a:noFill/>
+          </a:ln>
+          <a:effectLst/>
+        </p:spPr>
+        <p:style>
+          <a:lnRef idx="1">
+            <a:schemeClr val="accent1"/>
+          </a:lnRef>
+          <a:fillRef idx="3">
+            <a:schemeClr val="accent1"/>
+          </a:fillRef>
+          <a:effectRef idx="2">
+            <a:schemeClr val="accent1"/>
+          </a:effectRef>
+          <a:fontRef idx="minor">
+            <a:schemeClr val="lt1"/>
+          </a:fontRef>
+        </p:style>
+      </p:sp>
+      <p:sp>
+        <p:nvSpPr>
+          <p:cNvPr id="21" name="Oval 20"/>
+          <p:cNvSpPr/>
+          <p:nvPr/>
+        </p:nvSpPr>
+        <p:spPr>
+          <a:xfrm>
+            <a:off x="-839788" y="2895600"/>
+            <a:ext cx="2362200" cy="2362200"/>
+          </a:xfrm>
+          <a:prstGeom prst="ellipse">
+            <a:avLst/>
+          </a:prstGeom>
+          <a:gradFill flip="none" rotWithShape="1">
+            <a:gsLst>
+              <a:gs pos="0">
+                <a:schemeClr val="bg2">
+                  <a:lumMod val="60000"/>
+                  <a:lumOff val="40000"/>
+                  <a:alpha val="8000"/>
+                </a:schemeClr>
+              </a:gs>
+              <a:gs pos="72000">
+                <a:schemeClr val="bg2">
+                  <a:lumMod val="60000"/>
+                  <a:lumOff val="40000"/>
+                  <a:alpha val="0"/>
+                </a:schemeClr>
+              </a:gs>
+              <a:gs pos="36000">
+                <a:schemeClr val="bg2">
+                  <a:lumMod val="60000"/>
+                  <a:lumOff val="40000"/>
+                  <a:alpha val="8000"/>
+                </a:schemeClr>
+              </a:gs>
+            </a:gsLst>
+            <a:path path="circle">
+              <a:fillToRect l="50000" t="50000" r="50000" b="50000"/>
+            </a:path>
+            <a:tileRect/>
+          </a:gradFill>
+          <a:ln>
+            <a:noFill/>
+          </a:ln>
+          <a:effectLst/>
+        </p:spPr>
+        <p:style>
+          <a:lnRef idx="1">
+            <a:schemeClr val="accent1"/>
+          </a:lnRef>
+          <a:fillRef idx="3">
+            <a:schemeClr val="accent1"/>
+          </a:fillRef>
+          <a:effectRef idx="2">
+            <a:schemeClr val="accent1"/>
+          </a:effectRef>
+          <a:fontRef idx="minor">
+            <a:schemeClr val="lt1"/>
+          </a:fontRef>
+        </p:style>
+      </p:sp>
+      <p:sp>
+        <p:nvSpPr>
+          <p:cNvPr id="19" name="Rectangle 18"/>
+          <p:cNvSpPr/>
+          <p:nvPr/>
+        </p:nvSpPr>
+        <p:spPr>
+          <a:xfrm>
+            <a:off x="7745644" y="0"/>
+            <a:ext cx="685800" cy="1099458"/>
           </a:xfrm>
           <a:prstGeom prst="rect">
             <a:avLst/>
           </a:prstGeom>
-        </p:spPr>
-        <p:txBody>
-          <a:bodyPr vert="horz" lIns="91440" tIns="45720" rIns="91440" bIns="45720" rtlCol="0" anchor="ctr">
-            <a:normAutofit/>
-          </a:bodyPr>
-          <a:lstStyle/>
-          <a:p>
-            <a:r>
-              <a:rPr lang="en-US"/>
-              <a:t>Click to edit Master title style</a:t>
-            </a:r>
-          </a:p>
-        </p:txBody>
-      </p:sp>
-      <p:sp>
-        <p:nvSpPr>
-          <p:cNvPr id="3" name="Text Placeholder 2"/>
-          <p:cNvSpPr>
-            <a:spLocks noGrp="1"/>
-          </p:cNvSpPr>
-          <p:nvPr>
-            <p:ph type="body" idx="1"/>
-          </p:nvPr>
-        </p:nvSpPr>
-        <p:spPr>
-          <a:xfrm>
-            <a:off x="457200" y="1600200"/>
-            <a:ext cx="8229600" cy="4525963"/>
+          <a:solidFill>
+            <a:schemeClr val="accent1"/>
+          </a:solidFill>
+          <a:ln>
+            <a:noFill/>
+          </a:ln>
+        </p:spPr>
+        <p:style>
+          <a:lnRef idx="1">
+            <a:schemeClr val="accent1"/>
+          </a:lnRef>
+          <a:fillRef idx="3">
+            <a:schemeClr val="accent1"/>
+          </a:fillRef>
+          <a:effectRef idx="2">
+            <a:schemeClr val="accent1"/>
+          </a:effectRef>
+          <a:fontRef idx="minor">
+            <a:schemeClr val="lt1"/>
+          </a:fontRef>
+        </p:style>
+      </p:sp>
+      <p:sp>
+        <p:nvSpPr>
+          <p:cNvPr id="2" name="Title Placeholder 1"/>
+          <p:cNvSpPr>
+            <a:spLocks noGrp="1"/>
+          </p:cNvSpPr>
+          <p:nvPr>
+            <p:ph type="title"/>
+          </p:nvPr>
+        </p:nvSpPr>
+        <p:spPr>
+          <a:xfrm>
+            <a:off x="484710" y="452718"/>
+            <a:ext cx="7055380" cy="1400530"/>
           </a:xfrm>
           <a:prstGeom prst="rect">
             <a:avLst/>
           </a:prstGeom>
         </p:spPr>
         <p:txBody>
+          <a:bodyPr vert="horz" lIns="91440" tIns="45720" rIns="91440" bIns="45720" rtlCol="0" anchor="t">
+            <a:noAutofit/>
+          </a:bodyPr>
+          <a:lstStyle/>
+          <a:p>
+            <a:r>
+              <a:rPr lang="fr-FR"/>
+              <a:t>Modifiez le style du titre</a:t>
+            </a:r>
+            <a:endParaRPr lang="en-US" dirty="0"/>
+          </a:p>
+        </p:txBody>
+      </p:sp>
+      <p:sp>
+        <p:nvSpPr>
+          <p:cNvPr id="3" name="Text Placeholder 2"/>
+          <p:cNvSpPr>
+            <a:spLocks noGrp="1"/>
+          </p:cNvSpPr>
+          <p:nvPr>
+            <p:ph type="body" idx="1"/>
+          </p:nvPr>
+        </p:nvSpPr>
+        <p:spPr>
+          <a:xfrm>
+            <a:off x="827700" y="2052925"/>
+            <a:ext cx="6711654" cy="4195481"/>
+          </a:xfrm>
+          <a:prstGeom prst="rect">
+            <a:avLst/>
+          </a:prstGeom>
+        </p:spPr>
+        <p:txBody>
           <a:bodyPr vert="horz" lIns="91440" tIns="45720" rIns="91440" bIns="45720" rtlCol="0">
             <a:normAutofit/>
           </a:bodyPr>
@@ -2658,37 +5648,38 @@
           <a:p>
             <a:pPr lvl="0"/>
             <a:r>
-              <a:rPr lang="en-US"/>
-              <a:t>Click to edit Master text styles</a:t>
+              <a:rPr lang="fr-FR"/>
+              <a:t>Cliquez pour modifier les styles du texte du masque</a:t>
             </a:r>
           </a:p>
           <a:p>
             <a:pPr lvl="1"/>
             <a:r>
-              <a:rPr lang="en-US"/>
-              <a:t>Second level</a:t>
+              <a:rPr lang="fr-FR"/>
+              <a:t>Deuxième niveau</a:t>
             </a:r>
           </a:p>
           <a:p>
             <a:pPr lvl="2"/>
             <a:r>
-              <a:rPr lang="en-US"/>
-              <a:t>Third level</a:t>
+              <a:rPr lang="fr-FR"/>
+              <a:t>Troisième niveau</a:t>
             </a:r>
           </a:p>
           <a:p>
             <a:pPr lvl="3"/>
             <a:r>
-              <a:rPr lang="en-US"/>
-              <a:t>Fourth level</a:t>
+              <a:rPr lang="fr-FR"/>
+              <a:t>Quatrième niveau</a:t>
             </a:r>
           </a:p>
           <a:p>
             <a:pPr lvl="4"/>
             <a:r>
-              <a:rPr lang="en-US"/>
-              <a:t>Fifth level</a:t>
-            </a:r>
+              <a:rPr lang="fr-FR"/>
+              <a:t>Cinquième niveau</a:t>
+            </a:r>
+            <a:endParaRPr lang="en-US" dirty="0"/>
           </a:p>
         </p:txBody>
       </p:sp>
@@ -2703,19 +5694,99 @@
           </p:nvPr>
         </p:nvSpPr>
         <p:spPr>
-          <a:xfrm>
-            <a:off x="457200" y="6356350"/>
-            <a:ext cx="2133600" cy="365125"/>
+          <a:xfrm rot="5400000">
+            <a:off x="7494989" y="1828771"/>
+            <a:ext cx="990599" cy="228659"/>
           </a:xfrm>
           <a:prstGeom prst="rect">
             <a:avLst/>
           </a:prstGeom>
         </p:spPr>
         <p:txBody>
-          <a:bodyPr vert="horz" lIns="91440" tIns="45720" rIns="91440" bIns="45720" rtlCol="0" anchor="ctr"/>
+          <a:bodyPr vert="horz" lIns="91440" tIns="45720" rIns="91440" bIns="45720" rtlCol="0" anchor="t"/>
           <a:lstStyle>
             <a:lvl1pPr algn="l">
-              <a:defRPr sz="1200">
+              <a:defRPr sz="1100" b="0" i="0">
+                <a:solidFill>
+                  <a:schemeClr val="tx1">
+                    <a:tint val="75000"/>
+                    <a:alpha val="60000"/>
+                  </a:schemeClr>
+                </a:solidFill>
+              </a:defRPr>
+            </a:lvl1pPr>
+          </a:lstStyle>
+          <a:p>
+            <a:fld id="{5BCAD085-E8A6-8845-BD4E-CB4CCA059FC4}" type="datetimeFigureOut">
+              <a:rPr lang="en-US" smtClean="0"/>
+              <a:t>12/6/2023</a:t>
+            </a:fld>
+            <a:endParaRPr lang="en-US"/>
+          </a:p>
+        </p:txBody>
+      </p:sp>
+      <p:sp>
+        <p:nvSpPr>
+          <p:cNvPr id="5" name="Footer Placeholder 4"/>
+          <p:cNvSpPr>
+            <a:spLocks noGrp="1"/>
+          </p:cNvSpPr>
+          <p:nvPr>
+            <p:ph type="ftr" sz="quarter" idx="3"/>
+          </p:nvPr>
+        </p:nvSpPr>
+        <p:spPr>
+          <a:xfrm rot="5400000">
+            <a:off x="6233335" y="3263371"/>
+            <a:ext cx="3859795" cy="228660"/>
+          </a:xfrm>
+          <a:prstGeom prst="rect">
+            <a:avLst/>
+          </a:prstGeom>
+        </p:spPr>
+        <p:txBody>
+          <a:bodyPr vert="horz" lIns="91440" tIns="45720" rIns="91440" bIns="45720" rtlCol="0" anchor="b"/>
+          <a:lstStyle>
+            <a:lvl1pPr algn="l">
+              <a:defRPr sz="1100" b="0" i="0">
+                <a:solidFill>
+                  <a:schemeClr val="tx1">
+                    <a:tint val="75000"/>
+                    <a:alpha val="60000"/>
+                  </a:schemeClr>
+                </a:solidFill>
+              </a:defRPr>
+            </a:lvl1pPr>
+          </a:lstStyle>
+          <a:p>
+            <a:endParaRPr lang="en-US"/>
+          </a:p>
+        </p:txBody>
+      </p:sp>
+      <p:sp>
+        <p:nvSpPr>
+          <p:cNvPr id="6" name="Slide Number Placeholder 5"/>
+          <p:cNvSpPr>
+            <a:spLocks noGrp="1"/>
+          </p:cNvSpPr>
+          <p:nvPr>
+            <p:ph type="sldNum" sz="quarter" idx="4"/>
+          </p:nvPr>
+        </p:nvSpPr>
+        <p:spPr bwMode="gray">
+          <a:xfrm>
+            <a:off x="7766431" y="295736"/>
+            <a:ext cx="628813" cy="767687"/>
+          </a:xfrm>
+          <a:prstGeom prst="rect">
+            <a:avLst/>
+          </a:prstGeom>
+        </p:spPr>
+        <p:txBody>
+          <a:bodyPr vert="horz" lIns="91440" tIns="45720" rIns="91440" bIns="45720" rtlCol="0" anchor="b"/>
+          <a:lstStyle>
+            <a:lvl1pPr algn="ctr">
+              <a:defRPr sz="2801" b="0" i="0">
                 <a:solidFill>
                   <a:schemeClr val="tx1">
                     <a:tint val="75000"/>
@@ -2725,84 +5796,6 @@
             </a:lvl1pPr>
           </a:lstStyle>
           <a:p>
-            <a:fld id="{5BCAD085-E8A6-8845-BD4E-CB4CCA059FC4}" type="datetimeFigureOut">
-              <a:rPr lang="en-US" smtClean="0"/>
-              <a:t>12/5/2023</a:t>
-            </a:fld>
-            <a:endParaRPr lang="en-US"/>
-          </a:p>
-        </p:txBody>
-      </p:sp>
-      <p:sp>
-        <p:nvSpPr>
-          <p:cNvPr id="5" name="Footer Placeholder 4"/>
-          <p:cNvSpPr>
-            <a:spLocks noGrp="1"/>
-          </p:cNvSpPr>
-          <p:nvPr>
-            <p:ph type="ftr" sz="quarter" idx="3"/>
-          </p:nvPr>
-        </p:nvSpPr>
-        <p:spPr>
-          <a:xfrm>
-            <a:off x="3124200" y="6356350"/>
-            <a:ext cx="2895600" cy="365125"/>
-          </a:xfrm>
-          <a:prstGeom prst="rect">
-            <a:avLst/>
-          </a:prstGeom>
-        </p:spPr>
-        <p:txBody>
-          <a:bodyPr vert="horz" lIns="91440" tIns="45720" rIns="91440" bIns="45720" rtlCol="0" anchor="ctr"/>
-          <a:lstStyle>
-            <a:lvl1pPr algn="ctr">
-              <a:defRPr sz="1200">
-                <a:solidFill>
-                  <a:schemeClr val="tx1">
-                    <a:tint val="75000"/>
-                  </a:schemeClr>
-                </a:solidFill>
-              </a:defRPr>
-            </a:lvl1pPr>
-          </a:lstStyle>
-          <a:p>
-            <a:endParaRPr lang="en-US"/>
-          </a:p>
-        </p:txBody>
-      </p:sp>
-      <p:sp>
-        <p:nvSpPr>
-          <p:cNvPr id="6" name="Slide Number Placeholder 5"/>
-          <p:cNvSpPr>
-            <a:spLocks noGrp="1"/>
-          </p:cNvSpPr>
-          <p:nvPr>
-            <p:ph type="sldNum" sz="quarter" idx="4"/>
-          </p:nvPr>
-        </p:nvSpPr>
-        <p:spPr>
-          <a:xfrm>
-            <a:off x="6553200" y="6356350"/>
-            <a:ext cx="2133600" cy="365125"/>
-          </a:xfrm>
-          <a:prstGeom prst="rect">
-            <a:avLst/>
-          </a:prstGeom>
-        </p:spPr>
-        <p:txBody>
-          <a:bodyPr vert="horz" lIns="91440" tIns="45720" rIns="91440" bIns="45720" rtlCol="0" anchor="ctr"/>
-          <a:lstStyle>
-            <a:lvl1pPr algn="r">
-              <a:defRPr sz="1200">
-                <a:solidFill>
-                  <a:schemeClr val="tx1">
-                    <a:tint val="75000"/>
-                  </a:schemeClr>
-                </a:solidFill>
-              </a:defRPr>
-            </a:lvl1pPr>
-          </a:lstStyle>
-          <a:p>
             <a:fld id="{C1FF6DA9-008F-8B48-92A6-B652298478BF}" type="slidenum">
               <a:rPr lang="en-US" smtClean="0"/>
               <a:t>‹N°›</a:t>
@@ -2813,10 +5806,10 @@
       </p:sp>
       <p:sp>
         <p:nvSpPr>
-          <p:cNvPr id="8" name="ZoneTexte 7">
+          <p:cNvPr id="7" name="ZoneTexte 6">
             <a:extLst>
               <a:ext uri="{FF2B5EF4-FFF2-40B4-BE49-F238E27FC236}">
-                <a16:creationId xmlns:a16="http://schemas.microsoft.com/office/drawing/2014/main" id="{C18AE7FD-6786-0DE3-8042-8C694281BDD3}"/>
+                <a16:creationId xmlns:a16="http://schemas.microsoft.com/office/drawing/2014/main" id="{71C04F71-5BBB-23A6-953D-875AF801EC86}"/>
               </a:ext>
             </a:extLst>
           </p:cNvPr>
@@ -2861,32 +5854,121 @@
     </p:spTree>
     <p:extLst>
       <p:ext uri="{BB962C8B-B14F-4D97-AF65-F5344CB8AC3E}">
-        <p14:creationId xmlns:p14="http://schemas.microsoft.com/office/powerpoint/2010/main" val="2209977519"/>
+        <p14:creationId xmlns:p14="http://schemas.microsoft.com/office/powerpoint/2010/main" val="1647188032"/>
       </p:ext>
     </p:extLst>
   </p:cSld>
-  <p:clrMap bg1="lt1" tx1="dk1" bg2="lt2" tx2="dk2" accent1="accent1" accent2="accent2" accent3="accent3" accent4="accent4" accent5="accent5" accent6="accent6" hlink="hlink" folHlink="folHlink"/>
+  <p:clrMap bg1="dk1" tx1="lt1" bg2="dk2" tx2="lt2" accent1="accent1" accent2="accent2" accent3="accent3" accent4="accent4" accent5="accent5" accent6="accent6" hlink="hlink" folHlink="folHlink"/>
   <p:sldLayoutIdLst>
-    <p:sldLayoutId id="2147483649" r:id="rId1"/>
-    <p:sldLayoutId id="2147483650" r:id="rId2"/>
-    <p:sldLayoutId id="2147483651" r:id="rId3"/>
-    <p:sldLayoutId id="2147483652" r:id="rId4"/>
-    <p:sldLayoutId id="2147483653" r:id="rId5"/>
-    <p:sldLayoutId id="2147483654" r:id="rId6"/>
-    <p:sldLayoutId id="2147483655" r:id="rId7"/>
-    <p:sldLayoutId id="2147483656" r:id="rId8"/>
-    <p:sldLayoutId id="2147483657" r:id="rId9"/>
-    <p:sldLayoutId id="2147483658" r:id="rId10"/>
-    <p:sldLayoutId id="2147483659" r:id="rId11"/>
+    <p:sldLayoutId id="2147483697" r:id="rId1"/>
+    <p:sldLayoutId id="2147483698" r:id="rId2"/>
+    <p:sldLayoutId id="2147483699" r:id="rId3"/>
+    <p:sldLayoutId id="2147483700" r:id="rId4"/>
+    <p:sldLayoutId id="2147483701" r:id="rId5"/>
+    <p:sldLayoutId id="2147483702" r:id="rId6"/>
+    <p:sldLayoutId id="2147483703" r:id="rId7"/>
+    <p:sldLayoutId id="2147483704" r:id="rId8"/>
+    <p:sldLayoutId id="2147483705" r:id="rId9"/>
+    <p:sldLayoutId id="2147483706" r:id="rId10"/>
+    <p:sldLayoutId id="2147483707" r:id="rId11"/>
+    <p:sldLayoutId id="2147483708" r:id="rId12"/>
+    <p:sldLayoutId id="2147483709" r:id="rId13"/>
+    <p:sldLayoutId id="2147483710" r:id="rId14"/>
+    <p:sldLayoutId id="2147483711" r:id="rId15"/>
+    <p:sldLayoutId id="2147483712" r:id="rId16"/>
+    <p:sldLayoutId id="2147483713" r:id="rId17"/>
   </p:sldLayoutIdLst>
   <p:txStyles>
     <p:titleStyle>
-      <a:lvl1pPr algn="ctr" defTabSz="457200" rtl="0" eaLnBrk="1" latinLnBrk="0" hangingPunct="1">
+      <a:lvl1pPr algn="l" defTabSz="457207" rtl="0" eaLnBrk="1" latinLnBrk="0" hangingPunct="1">
         <a:spcBef>
           <a:spcPct val="0"/>
         </a:spcBef>
         <a:buNone/>
-        <a:defRPr sz="4400" kern="1200">
+        <a:defRPr sz="4200" b="0" i="0" kern="1200">
+          <a:solidFill>
+            <a:schemeClr val="tx2"/>
+          </a:solidFill>
+          <a:latin typeface="+mj-lt"/>
+          <a:ea typeface="+mj-ea"/>
+          <a:cs typeface="+mj-cs"/>
+        </a:defRPr>
+      </a:lvl1pPr>
+      <a:lvl2pPr eaLnBrk="1" hangingPunct="1">
+        <a:defRPr>
+          <a:solidFill>
+            <a:schemeClr val="tx2"/>
+          </a:solidFill>
+        </a:defRPr>
+      </a:lvl2pPr>
+      <a:lvl3pPr eaLnBrk="1" hangingPunct="1">
+        <a:defRPr>
+          <a:solidFill>
+            <a:schemeClr val="tx2"/>
+          </a:solidFill>
+        </a:defRPr>
+      </a:lvl3pPr>
+      <a:lvl4pPr eaLnBrk="1" hangingPunct="1">
+        <a:defRPr>
+          <a:solidFill>
+            <a:schemeClr val="tx2"/>
+          </a:solidFill>
+        </a:defRPr>
+      </a:lvl4pPr>
+      <a:lvl5pPr eaLnBrk="1" hangingPunct="1">
+        <a:defRPr>
+          <a:solidFill>
+            <a:schemeClr val="tx2"/>
+          </a:solidFill>
+        </a:defRPr>
+      </a:lvl5pPr>
+      <a:lvl6pPr eaLnBrk="1" hangingPunct="1">
+        <a:defRPr>
+          <a:solidFill>
+            <a:schemeClr val="tx2"/>
+          </a:solidFill>
+        </a:defRPr>
+      </a:lvl6pPr>
+      <a:lvl7pPr eaLnBrk="1" hangingPunct="1">
+        <a:defRPr>
+          <a:solidFill>
+            <a:schemeClr val="tx2"/>
+          </a:solidFill>
+        </a:defRPr>
+      </a:lvl7pPr>
+      <a:lvl8pPr eaLnBrk="1" hangingPunct="1">
+        <a:defRPr>
+          <a:solidFill>
+            <a:schemeClr val="tx2"/>
+          </a:solidFill>
+        </a:defRPr>
+      </a:lvl8pPr>
+      <a:lvl9pPr eaLnBrk="1" hangingPunct="1">
+        <a:defRPr>
+          <a:solidFill>
+            <a:schemeClr val="tx2"/>
+          </a:solidFill>
+        </a:defRPr>
+      </a:lvl9pPr>
+    </p:titleStyle>
+    <p:bodyStyle>
+      <a:lvl1pPr marL="342906" indent="-342906" algn="l" defTabSz="457207" rtl="0" eaLnBrk="1" latinLnBrk="0" hangingPunct="1">
+        <a:spcBef>
+          <a:spcPts val="1000"/>
+        </a:spcBef>
+        <a:spcAft>
+          <a:spcPts val="0"/>
+        </a:spcAft>
+        <a:buClr>
+          <a:schemeClr val="bg2">
+            <a:lumMod val="40000"/>
+            <a:lumOff val="60000"/>
+          </a:schemeClr>
+        </a:buClr>
+        <a:buSzPct val="80000"/>
+        <a:buFont typeface="Wingdings 3" charset="2"/>
+        <a:buChar char=""/>
+        <a:defRPr sz="2000" b="0" i="0" kern="1200">
           <a:solidFill>
             <a:schemeClr val="tx1"/>
           </a:solidFill>
@@ -2895,141 +5977,204 @@
           <a:cs typeface="+mj-cs"/>
         </a:defRPr>
       </a:lvl1pPr>
-    </p:titleStyle>
-    <p:bodyStyle>
-      <a:lvl1pPr marL="342900" indent="-342900" algn="l" defTabSz="457200" rtl="0" eaLnBrk="1" latinLnBrk="0" hangingPunct="1">
+      <a:lvl2pPr marL="742962" indent="-285755" algn="l" defTabSz="457207" rtl="0" eaLnBrk="1" latinLnBrk="0" hangingPunct="1">
         <a:spcBef>
-          <a:spcPct val="20000"/>
+          <a:spcPts val="1000"/>
         </a:spcBef>
-        <a:buFont typeface="Arial"/>
-        <a:buChar char="•"/>
-        <a:defRPr sz="3200" kern="1200">
+        <a:spcAft>
+          <a:spcPts val="0"/>
+        </a:spcAft>
+        <a:buClr>
+          <a:schemeClr val="bg2">
+            <a:lumMod val="40000"/>
+            <a:lumOff val="60000"/>
+          </a:schemeClr>
+        </a:buClr>
+        <a:buSzPct val="80000"/>
+        <a:buFont typeface="Wingdings 3" charset="2"/>
+        <a:buChar char=""/>
+        <a:defRPr sz="1800" b="0" i="0" kern="1200">
           <a:solidFill>
             <a:schemeClr val="tx1"/>
           </a:solidFill>
-          <a:latin typeface="+mn-lt"/>
-          <a:ea typeface="+mn-ea"/>
-          <a:cs typeface="+mn-cs"/>
+          <a:latin typeface="+mj-lt"/>
+          <a:ea typeface="+mj-ea"/>
+          <a:cs typeface="+mj-cs"/>
         </a:defRPr>
-      </a:lvl1pPr>
-      <a:lvl2pPr marL="742950" indent="-285750" algn="l" defTabSz="457200" rtl="0" eaLnBrk="1" latinLnBrk="0" hangingPunct="1">
+      </a:lvl2pPr>
+      <a:lvl3pPr marL="1143020" indent="-228604" algn="l" defTabSz="457207" rtl="0" eaLnBrk="1" latinLnBrk="0" hangingPunct="1">
         <a:spcBef>
-          <a:spcPct val="20000"/>
+          <a:spcPts val="1000"/>
         </a:spcBef>
-        <a:buFont typeface="Arial"/>
-        <a:buChar char="–"/>
-        <a:defRPr sz="2800" kern="1200">
+        <a:spcAft>
+          <a:spcPts val="0"/>
+        </a:spcAft>
+        <a:buClr>
+          <a:schemeClr val="bg2">
+            <a:lumMod val="40000"/>
+            <a:lumOff val="60000"/>
+          </a:schemeClr>
+        </a:buClr>
+        <a:buSzPct val="80000"/>
+        <a:buFont typeface="Wingdings 3" charset="2"/>
+        <a:buChar char=""/>
+        <a:defRPr sz="1600" b="0" i="0" kern="1200">
           <a:solidFill>
             <a:schemeClr val="tx1"/>
           </a:solidFill>
-          <a:latin typeface="+mn-lt"/>
-          <a:ea typeface="+mn-ea"/>
-          <a:cs typeface="+mn-cs"/>
+          <a:latin typeface="+mj-lt"/>
+          <a:ea typeface="+mj-ea"/>
+          <a:cs typeface="+mj-cs"/>
         </a:defRPr>
-      </a:lvl2pPr>
-      <a:lvl3pPr marL="1143000" indent="-228600" algn="l" defTabSz="457200" rtl="0" eaLnBrk="1" latinLnBrk="0" hangingPunct="1">
+      </a:lvl3pPr>
+      <a:lvl4pPr marL="1600227" indent="-228604" algn="l" defTabSz="457207" rtl="0" eaLnBrk="1" latinLnBrk="0" hangingPunct="1">
         <a:spcBef>
-          <a:spcPct val="20000"/>
+          <a:spcPts val="1000"/>
         </a:spcBef>
-        <a:buFont typeface="Arial"/>
-        <a:buChar char="•"/>
-        <a:defRPr sz="2400" kern="1200">
+        <a:spcAft>
+          <a:spcPts val="0"/>
+        </a:spcAft>
+        <a:buClr>
+          <a:schemeClr val="bg2">
+            <a:lumMod val="40000"/>
+            <a:lumOff val="60000"/>
+          </a:schemeClr>
+        </a:buClr>
+        <a:buSzPct val="80000"/>
+        <a:buFont typeface="Wingdings 3" charset="2"/>
+        <a:buChar char=""/>
+        <a:defRPr sz="1400" b="0" i="0" kern="1200">
           <a:solidFill>
             <a:schemeClr val="tx1"/>
           </a:solidFill>
-          <a:latin typeface="+mn-lt"/>
-          <a:ea typeface="+mn-ea"/>
-          <a:cs typeface="+mn-cs"/>
+          <a:latin typeface="+mj-lt"/>
+          <a:ea typeface="+mj-ea"/>
+          <a:cs typeface="+mj-cs"/>
         </a:defRPr>
-      </a:lvl3pPr>
-      <a:lvl4pPr marL="1600200" indent="-228600" algn="l" defTabSz="457200" rtl="0" eaLnBrk="1" latinLnBrk="0" hangingPunct="1">
+      </a:lvl4pPr>
+      <a:lvl5pPr marL="2057434" indent="-228604" algn="l" defTabSz="457207" rtl="0" eaLnBrk="1" latinLnBrk="0" hangingPunct="1">
         <a:spcBef>
-          <a:spcPct val="20000"/>
+          <a:spcPts val="1000"/>
         </a:spcBef>
-        <a:buFont typeface="Arial"/>
-        <a:buChar char="–"/>
-        <a:defRPr sz="2000" kern="1200">
+        <a:spcAft>
+          <a:spcPts val="0"/>
+        </a:spcAft>
+        <a:buClr>
+          <a:schemeClr val="bg2">
+            <a:lumMod val="40000"/>
+            <a:lumOff val="60000"/>
+          </a:schemeClr>
+        </a:buClr>
+        <a:buSzPct val="80000"/>
+        <a:buFont typeface="Wingdings 3" charset="2"/>
+        <a:buChar char=""/>
+        <a:defRPr sz="1400" b="0" i="0" kern="1200">
           <a:solidFill>
             <a:schemeClr val="tx1"/>
           </a:solidFill>
-          <a:latin typeface="+mn-lt"/>
-          <a:ea typeface="+mn-ea"/>
-          <a:cs typeface="+mn-cs"/>
+          <a:latin typeface="+mj-lt"/>
+          <a:ea typeface="+mj-ea"/>
+          <a:cs typeface="+mj-cs"/>
         </a:defRPr>
-      </a:lvl4pPr>
-      <a:lvl5pPr marL="2057400" indent="-228600" algn="l" defTabSz="457200" rtl="0" eaLnBrk="1" latinLnBrk="0" hangingPunct="1">
+      </a:lvl5pPr>
+      <a:lvl6pPr marL="2514642" indent="-228604" algn="l" defTabSz="457207" rtl="0" eaLnBrk="1" latinLnBrk="0" hangingPunct="1">
         <a:spcBef>
-          <a:spcPct val="20000"/>
+          <a:spcPts val="1000"/>
         </a:spcBef>
-        <a:buFont typeface="Arial"/>
-        <a:buChar char="»"/>
-        <a:defRPr sz="2000" kern="1200">
+        <a:spcAft>
+          <a:spcPts val="0"/>
+        </a:spcAft>
+        <a:buClr>
+          <a:schemeClr val="bg2">
+            <a:lumMod val="40000"/>
+            <a:lumOff val="60000"/>
+          </a:schemeClr>
+        </a:buClr>
+        <a:buSzPct val="80000"/>
+        <a:buFont typeface="Wingdings 3" charset="2"/>
+        <a:buChar char=""/>
+        <a:defRPr sz="1400" b="0" i="0" kern="1200">
           <a:solidFill>
             <a:schemeClr val="tx1"/>
           </a:solidFill>
-          <a:latin typeface="+mn-lt"/>
-          <a:ea typeface="+mn-ea"/>
-          <a:cs typeface="+mn-cs"/>
+          <a:latin typeface="+mj-lt"/>
+          <a:ea typeface="+mj-ea"/>
+          <a:cs typeface="+mj-cs"/>
         </a:defRPr>
-      </a:lvl5pPr>
-      <a:lvl6pPr marL="2514600" indent="-228600" algn="l" defTabSz="457200" rtl="0" eaLnBrk="1" latinLnBrk="0" hangingPunct="1">
+      </a:lvl6pPr>
+      <a:lvl7pPr marL="2971849" indent="-228604" algn="l" defTabSz="457207" rtl="0" eaLnBrk="1" latinLnBrk="0" hangingPunct="1">
         <a:spcBef>
-          <a:spcPct val="20000"/>
+          <a:spcPts val="1000"/>
         </a:spcBef>
-        <a:buFont typeface="Arial"/>
-        <a:buChar char="•"/>
-        <a:defRPr sz="2000" kern="1200">
+        <a:spcAft>
+          <a:spcPts val="0"/>
+        </a:spcAft>
+        <a:buClr>
+          <a:schemeClr val="bg2">
+            <a:lumMod val="40000"/>
+            <a:lumOff val="60000"/>
+          </a:schemeClr>
+        </a:buClr>
+        <a:buSzPct val="80000"/>
+        <a:buFont typeface="Wingdings 3" charset="2"/>
+        <a:buChar char=""/>
+        <a:defRPr sz="1400" b="0" i="0" kern="1200">
           <a:solidFill>
             <a:schemeClr val="tx1"/>
           </a:solidFill>
-          <a:latin typeface="+mn-lt"/>
-          <a:ea typeface="+mn-ea"/>
-          <a:cs typeface="+mn-cs"/>
+          <a:latin typeface="+mj-lt"/>
+          <a:ea typeface="+mj-ea"/>
+          <a:cs typeface="+mj-cs"/>
         </a:defRPr>
-      </a:lvl6pPr>
-      <a:lvl7pPr marL="2971800" indent="-228600" algn="l" defTabSz="457200" rtl="0" eaLnBrk="1" latinLnBrk="0" hangingPunct="1">
+      </a:lvl7pPr>
+      <a:lvl8pPr marL="3429057" indent="-228604" algn="l" defTabSz="457207" rtl="0" eaLnBrk="1" latinLnBrk="0" hangingPunct="1">
         <a:spcBef>
-          <a:spcPct val="20000"/>
+          <a:spcPts val="1000"/>
         </a:spcBef>
-        <a:buFont typeface="Arial"/>
-        <a:buChar char="•"/>
-        <a:defRPr sz="2000" kern="1200">
+        <a:spcAft>
+          <a:spcPts val="0"/>
+        </a:spcAft>
+        <a:buClr>
+          <a:schemeClr val="bg2">
+            <a:lumMod val="40000"/>
+            <a:lumOff val="60000"/>
+          </a:schemeClr>
+        </a:buClr>
+        <a:buSzPct val="80000"/>
+        <a:buFont typeface="Wingdings 3" charset="2"/>
+        <a:buChar char=""/>
+        <a:defRPr sz="1400" b="0" i="0" kern="1200">
           <a:solidFill>
             <a:schemeClr val="tx1"/>
           </a:solidFill>
-          <a:latin typeface="+mn-lt"/>
-          <a:ea typeface="+mn-ea"/>
-          <a:cs typeface="+mn-cs"/>
+          <a:latin typeface="+mj-lt"/>
+          <a:ea typeface="+mj-ea"/>
+          <a:cs typeface="+mj-cs"/>
         </a:defRPr>
-      </a:lvl7pPr>
-      <a:lvl8pPr marL="3429000" indent="-228600" algn="l" defTabSz="457200" rtl="0" eaLnBrk="1" latinLnBrk="0" hangingPunct="1">
+      </a:lvl8pPr>
+      <a:lvl9pPr marL="3886264" indent="-228604" algn="l" defTabSz="457207" rtl="0" eaLnBrk="1" latinLnBrk="0" hangingPunct="1">
         <a:spcBef>
-          <a:spcPct val="20000"/>
+          <a:spcPts val="1000"/>
         </a:spcBef>
-        <a:buFont typeface="Arial"/>
-        <a:buChar char="•"/>
-        <a:defRPr sz="2000" kern="1200">
+        <a:spcAft>
+          <a:spcPts val="0"/>
+        </a:spcAft>
+        <a:buClr>
+          <a:schemeClr val="bg2">
+            <a:lumMod val="40000"/>
+            <a:lumOff val="60000"/>
+          </a:schemeClr>
+        </a:buClr>
+        <a:buSzPct val="80000"/>
+        <a:buFont typeface="Wingdings 3" charset="2"/>
+        <a:buChar char=""/>
+        <a:defRPr sz="1400" b="0" i="0" kern="1200">
           <a:solidFill>
             <a:schemeClr val="tx1"/>
           </a:solidFill>
-          <a:latin typeface="+mn-lt"/>
-          <a:ea typeface="+mn-ea"/>
-          <a:cs typeface="+mn-cs"/>
-        </a:defRPr>
-      </a:lvl8pPr>
-      <a:lvl9pPr marL="3886200" indent="-228600" algn="l" defTabSz="457200" rtl="0" eaLnBrk="1" latinLnBrk="0" hangingPunct="1">
-        <a:spcBef>
-          <a:spcPct val="20000"/>
-        </a:spcBef>
-        <a:buFont typeface="Arial"/>
-        <a:buChar char="•"/>
-        <a:defRPr sz="2000" kern="1200">
-          <a:solidFill>
-            <a:schemeClr val="tx1"/>
-          </a:solidFill>
-          <a:latin typeface="+mn-lt"/>
-          <a:ea typeface="+mn-ea"/>
-          <a:cs typeface="+mn-cs"/>
+          <a:latin typeface="+mj-lt"/>
+          <a:ea typeface="+mj-ea"/>
+          <a:cs typeface="+mj-cs"/>
         </a:defRPr>
       </a:lvl9pPr>
     </p:bodyStyle>
@@ -3037,7 +6182,7 @@
       <a:defPPr>
         <a:defRPr lang="en-US"/>
       </a:defPPr>
-      <a:lvl1pPr marL="0" algn="l" defTabSz="457200" rtl="0" eaLnBrk="1" latinLnBrk="0" hangingPunct="1">
+      <a:lvl1pPr marL="0" algn="l" defTabSz="457207" rtl="0" eaLnBrk="1" latinLnBrk="0" hangingPunct="1">
         <a:defRPr sz="1800" kern="1200">
           <a:solidFill>
             <a:schemeClr val="tx1"/>
@@ -3047,7 +6192,7 @@
           <a:cs typeface="+mn-cs"/>
         </a:defRPr>
       </a:lvl1pPr>
-      <a:lvl2pPr marL="457200" algn="l" defTabSz="457200" rtl="0" eaLnBrk="1" latinLnBrk="0" hangingPunct="1">
+      <a:lvl2pPr marL="457207" algn="l" defTabSz="457207" rtl="0" eaLnBrk="1" latinLnBrk="0" hangingPunct="1">
         <a:defRPr sz="1800" kern="1200">
           <a:solidFill>
             <a:schemeClr val="tx1"/>
@@ -3057,7 +6202,7 @@
           <a:cs typeface="+mn-cs"/>
         </a:defRPr>
       </a:lvl2pPr>
-      <a:lvl3pPr marL="914400" algn="l" defTabSz="457200" rtl="0" eaLnBrk="1" latinLnBrk="0" hangingPunct="1">
+      <a:lvl3pPr marL="914415" algn="l" defTabSz="457207" rtl="0" eaLnBrk="1" latinLnBrk="0" hangingPunct="1">
         <a:defRPr sz="1800" kern="1200">
           <a:solidFill>
             <a:schemeClr val="tx1"/>
@@ -3067,7 +6212,7 @@
           <a:cs typeface="+mn-cs"/>
         </a:defRPr>
       </a:lvl3pPr>
-      <a:lvl4pPr marL="1371600" algn="l" defTabSz="457200" rtl="0" eaLnBrk="1" latinLnBrk="0" hangingPunct="1">
+      <a:lvl4pPr marL="1371622" algn="l" defTabSz="457207" rtl="0" eaLnBrk="1" latinLnBrk="0" hangingPunct="1">
         <a:defRPr sz="1800" kern="1200">
           <a:solidFill>
             <a:schemeClr val="tx1"/>
@@ -3077,7 +6222,7 @@
           <a:cs typeface="+mn-cs"/>
         </a:defRPr>
       </a:lvl4pPr>
-      <a:lvl5pPr marL="1828800" algn="l" defTabSz="457200" rtl="0" eaLnBrk="1" latinLnBrk="0" hangingPunct="1">
+      <a:lvl5pPr marL="1828831" algn="l" defTabSz="457207" rtl="0" eaLnBrk="1" latinLnBrk="0" hangingPunct="1">
         <a:defRPr sz="1800" kern="1200">
           <a:solidFill>
             <a:schemeClr val="tx1"/>
@@ -3087,7 +6232,7 @@
           <a:cs typeface="+mn-cs"/>
         </a:defRPr>
       </a:lvl5pPr>
-      <a:lvl6pPr marL="2286000" algn="l" defTabSz="457200" rtl="0" eaLnBrk="1" latinLnBrk="0" hangingPunct="1">
+      <a:lvl6pPr marL="2286038" algn="l" defTabSz="457207" rtl="0" eaLnBrk="1" latinLnBrk="0" hangingPunct="1">
         <a:defRPr sz="1800" kern="1200">
           <a:solidFill>
             <a:schemeClr val="tx1"/>
@@ -3097,7 +6242,7 @@
           <a:cs typeface="+mn-cs"/>
         </a:defRPr>
       </a:lvl6pPr>
-      <a:lvl7pPr marL="2743200" algn="l" defTabSz="457200" rtl="0" eaLnBrk="1" latinLnBrk="0" hangingPunct="1">
+      <a:lvl7pPr marL="2743246" algn="l" defTabSz="457207" rtl="0" eaLnBrk="1" latinLnBrk="0" hangingPunct="1">
         <a:defRPr sz="1800" kern="1200">
           <a:solidFill>
             <a:schemeClr val="tx1"/>
@@ -3107,7 +6252,7 @@
           <a:cs typeface="+mn-cs"/>
         </a:defRPr>
       </a:lvl7pPr>
-      <a:lvl8pPr marL="3200400" algn="l" defTabSz="457200" rtl="0" eaLnBrk="1" latinLnBrk="0" hangingPunct="1">
+      <a:lvl8pPr marL="3200453" algn="l" defTabSz="457207" rtl="0" eaLnBrk="1" latinLnBrk="0" hangingPunct="1">
         <a:defRPr sz="1800" kern="1200">
           <a:solidFill>
             <a:schemeClr val="tx1"/>
@@ -3117,7 +6262,7 @@
           <a:cs typeface="+mn-cs"/>
         </a:defRPr>
       </a:lvl8pPr>
-      <a:lvl9pPr marL="3657600" algn="l" defTabSz="457200" rtl="0" eaLnBrk="1" latinLnBrk="0" hangingPunct="1">
+      <a:lvl9pPr marL="3657661" algn="l" defTabSz="457207" rtl="0" eaLnBrk="1" latinLnBrk="0" hangingPunct="1">
         <a:defRPr sz="1800" kern="1200">
           <a:solidFill>
             <a:schemeClr val="tx1"/>
@@ -3411,444 +6556,6 @@
               </a:defRPr>
             </a:pPr>
             <a:r>
-              <a:t>Les Outils Utilisés</a:t>
-            </a:r>
-          </a:p>
-        </p:txBody>
-      </p:sp>
-      <p:sp>
-        <p:nvSpPr>
-          <p:cNvPr id="5" name="TextBox 4"/>
-          <p:cNvSpPr txBox="1"/>
-          <p:nvPr/>
-        </p:nvSpPr>
-        <p:spPr>
-          <a:xfrm>
-            <a:off x="0" y="1371600"/>
-            <a:ext cx="9144000" cy="3657600"/>
-          </a:xfrm>
-          <a:prstGeom prst="rect">
-            <a:avLst/>
-          </a:prstGeom>
-          <a:noFill/>
-        </p:spPr>
-        <p:txBody>
-          <a:bodyPr wrap="none">
-            <a:spAutoFit/>
-          </a:bodyPr>
-          <a:lstStyle/>
-          <a:p>
-            <a:pPr algn="ctr">
-              <a:defRPr sz="2000">
-                <a:solidFill>
-                  <a:srgbClr val="FFFFFF"/>
-                </a:solidFill>
-              </a:defRPr>
-            </a:pPr>
-            <a:r>
-              <a:t>Aperçu des outils clés tels que Talend et PostgreSQL.</a:t>
-            </a:r>
-          </a:p>
-        </p:txBody>
-      </p:sp>
-    </p:spTree>
-  </p:cSld>
-  <p:clrMapOvr>
-    <a:masterClrMapping/>
-  </p:clrMapOvr>
-</p:sld>
-</file>
-
-<file path=ppt/slides/slide11.xml><?xml version="1.0" encoding="utf-8"?>
-<p:sld xmlns:a="http://schemas.openxmlformats.org/drawingml/2006/main" xmlns:r="http://schemas.openxmlformats.org/officeDocument/2006/relationships" xmlns:p="http://schemas.openxmlformats.org/presentationml/2006/main">
-  <p:cSld>
-    <p:bg>
-      <p:bgPr>
-        <a:solidFill>
-          <a:srgbClr val="FFFFFF"/>
-        </a:solidFill>
-        <a:effectLst/>
-      </p:bgPr>
-    </p:bg>
-    <p:spTree>
-      <p:nvGrpSpPr>
-        <p:cNvPr id="1" name=""/>
-        <p:cNvGrpSpPr/>
-        <p:nvPr/>
-      </p:nvGrpSpPr>
-      <p:grpSpPr>
-        <a:xfrm>
-          <a:off x="0" y="0"/>
-          <a:ext cx="0" cy="0"/>
-          <a:chOff x="0" y="0"/>
-          <a:chExt cx="0" cy="0"/>
-        </a:xfrm>
-      </p:grpSpPr>
-      <p:sp>
-        <p:nvSpPr>
-          <p:cNvPr id="2" name="Title 1"/>
-          <p:cNvSpPr>
-            <a:spLocks noGrp="1"/>
-          </p:cNvSpPr>
-          <p:nvPr>
-            <p:ph type="title"/>
-          </p:nvPr>
-        </p:nvSpPr>
-        <p:spPr/>
-        <p:txBody>
-          <a:bodyPr/>
-          <a:lstStyle/>
-          <a:p>
-            <a:endParaRPr/>
-          </a:p>
-        </p:txBody>
-      </p:sp>
-      <p:pic>
-        <p:nvPicPr>
-          <p:cNvPr id="3" name="Picture 2" descr="abstract_technology_background,_new_variation,_mai_converted_with_border.jpeg"/>
-          <p:cNvPicPr>
-            <a:picLocks noChangeAspect="1"/>
-          </p:cNvPicPr>
-          <p:nvPr/>
-        </p:nvPicPr>
-        <p:blipFill>
-          <a:blip r:embed="rId2"/>
-          <a:stretch>
-            <a:fillRect/>
-          </a:stretch>
-        </p:blipFill>
-        <p:spPr>
-          <a:xfrm>
-            <a:off x="0" y="0"/>
-            <a:ext cx="9144000" cy="6858000"/>
-          </a:xfrm>
-          <a:prstGeom prst="rect">
-            <a:avLst/>
-          </a:prstGeom>
-        </p:spPr>
-      </p:pic>
-      <p:sp>
-        <p:nvSpPr>
-          <p:cNvPr id="4" name="TextBox 3"/>
-          <p:cNvSpPr txBox="1"/>
-          <p:nvPr/>
-        </p:nvSpPr>
-        <p:spPr>
-          <a:xfrm>
-            <a:off x="0" y="457200"/>
-            <a:ext cx="9144000" cy="457200"/>
-          </a:xfrm>
-          <a:prstGeom prst="rect">
-            <a:avLst/>
-          </a:prstGeom>
-          <a:noFill/>
-        </p:spPr>
-        <p:txBody>
-          <a:bodyPr wrap="none">
-            <a:spAutoFit/>
-          </a:bodyPr>
-          <a:lstStyle/>
-          <a:p>
-            <a:pPr algn="ctr">
-              <a:defRPr sz="3200">
-                <a:solidFill>
-                  <a:srgbClr val="FFFFFF"/>
-                </a:solidFill>
-              </a:defRPr>
-            </a:pPr>
-            <a:r>
-              <a:t>Développement de Cod'It</a:t>
-            </a:r>
-          </a:p>
-        </p:txBody>
-      </p:sp>
-      <p:sp>
-        <p:nvSpPr>
-          <p:cNvPr id="5" name="TextBox 4"/>
-          <p:cNvSpPr txBox="1"/>
-          <p:nvPr/>
-        </p:nvSpPr>
-        <p:spPr>
-          <a:xfrm>
-            <a:off x="0" y="1371600"/>
-            <a:ext cx="9144000" cy="3657600"/>
-          </a:xfrm>
-          <a:prstGeom prst="rect">
-            <a:avLst/>
-          </a:prstGeom>
-          <a:noFill/>
-        </p:spPr>
-        <p:txBody>
-          <a:bodyPr wrap="none">
-            <a:spAutoFit/>
-          </a:bodyPr>
-          <a:lstStyle/>
-          <a:p>
-            <a:pPr algn="ctr">
-              <a:defRPr sz="2000">
-                <a:solidFill>
-                  <a:srgbClr val="FFFFFF"/>
-                </a:solidFill>
-              </a:defRPr>
-            </a:pPr>
-            <a:r>
-              <a:t>Défis et succès dans le développement de Cod'It.</a:t>
-            </a:r>
-          </a:p>
-        </p:txBody>
-      </p:sp>
-    </p:spTree>
-  </p:cSld>
-  <p:clrMapOvr>
-    <a:masterClrMapping/>
-  </p:clrMapOvr>
-</p:sld>
-</file>
-
-<file path=ppt/slides/slide12.xml><?xml version="1.0" encoding="utf-8"?>
-<p:sld xmlns:a="http://schemas.openxmlformats.org/drawingml/2006/main" xmlns:r="http://schemas.openxmlformats.org/officeDocument/2006/relationships" xmlns:p="http://schemas.openxmlformats.org/presentationml/2006/main">
-  <p:cSld>
-    <p:bg>
-      <p:bgPr>
-        <a:solidFill>
-          <a:srgbClr val="FFFFFF"/>
-        </a:solidFill>
-        <a:effectLst/>
-      </p:bgPr>
-    </p:bg>
-    <p:spTree>
-      <p:nvGrpSpPr>
-        <p:cNvPr id="1" name=""/>
-        <p:cNvGrpSpPr/>
-        <p:nvPr/>
-      </p:nvGrpSpPr>
-      <p:grpSpPr>
-        <a:xfrm>
-          <a:off x="0" y="0"/>
-          <a:ext cx="0" cy="0"/>
-          <a:chOff x="0" y="0"/>
-          <a:chExt cx="0" cy="0"/>
-        </a:xfrm>
-      </p:grpSpPr>
-      <p:sp>
-        <p:nvSpPr>
-          <p:cNvPr id="2" name="Title 1"/>
-          <p:cNvSpPr>
-            <a:spLocks noGrp="1"/>
-          </p:cNvSpPr>
-          <p:nvPr>
-            <p:ph type="title"/>
-          </p:nvPr>
-        </p:nvSpPr>
-        <p:spPr/>
-        <p:txBody>
-          <a:bodyPr/>
-          <a:lstStyle/>
-          <a:p>
-            <a:endParaRPr/>
-          </a:p>
-        </p:txBody>
-      </p:sp>
-      <p:pic>
-        <p:nvPicPr>
-          <p:cNvPr id="3" name="Picture 2" descr="abstract_technology_background,_new_variation,_mai_converted_with_border.jpeg"/>
-          <p:cNvPicPr>
-            <a:picLocks noChangeAspect="1"/>
-          </p:cNvPicPr>
-          <p:nvPr/>
-        </p:nvPicPr>
-        <p:blipFill>
-          <a:blip r:embed="rId2"/>
-          <a:stretch>
-            <a:fillRect/>
-          </a:stretch>
-        </p:blipFill>
-        <p:spPr>
-          <a:xfrm>
-            <a:off x="0" y="0"/>
-            <a:ext cx="9144000" cy="6858000"/>
-          </a:xfrm>
-          <a:prstGeom prst="rect">
-            <a:avLst/>
-          </a:prstGeom>
-        </p:spPr>
-      </p:pic>
-      <p:sp>
-        <p:nvSpPr>
-          <p:cNvPr id="4" name="TextBox 3"/>
-          <p:cNvSpPr txBox="1"/>
-          <p:nvPr/>
-        </p:nvSpPr>
-        <p:spPr>
-          <a:xfrm>
-            <a:off x="0" y="457200"/>
-            <a:ext cx="9144000" cy="457200"/>
-          </a:xfrm>
-          <a:prstGeom prst="rect">
-            <a:avLst/>
-          </a:prstGeom>
-          <a:noFill/>
-        </p:spPr>
-        <p:txBody>
-          <a:bodyPr wrap="none">
-            <a:spAutoFit/>
-          </a:bodyPr>
-          <a:lstStyle/>
-          <a:p>
-            <a:pPr algn="ctr">
-              <a:defRPr sz="3200">
-                <a:solidFill>
-                  <a:srgbClr val="FFFFFF"/>
-                </a:solidFill>
-              </a:defRPr>
-            </a:pPr>
-            <a:r>
-              <a:t>Conclusion</a:t>
-            </a:r>
-          </a:p>
-        </p:txBody>
-      </p:sp>
-      <p:sp>
-        <p:nvSpPr>
-          <p:cNvPr id="5" name="TextBox 4"/>
-          <p:cNvSpPr txBox="1"/>
-          <p:nvPr/>
-        </p:nvSpPr>
-        <p:spPr>
-          <a:xfrm>
-            <a:off x="0" y="1371600"/>
-            <a:ext cx="9144000" cy="3657600"/>
-          </a:xfrm>
-          <a:prstGeom prst="rect">
-            <a:avLst/>
-          </a:prstGeom>
-          <a:noFill/>
-        </p:spPr>
-        <p:txBody>
-          <a:bodyPr wrap="none">
-            <a:spAutoFit/>
-          </a:bodyPr>
-          <a:lstStyle/>
-          <a:p>
-            <a:pPr algn="ctr">
-              <a:defRPr sz="2000">
-                <a:solidFill>
-                  <a:srgbClr val="FFFFFF"/>
-                </a:solidFill>
-              </a:defRPr>
-            </a:pPr>
-            <a:r>
-              <a:t>Récapitulatif des apprentissages et expériences.</a:t>
-            </a:r>
-          </a:p>
-        </p:txBody>
-      </p:sp>
-    </p:spTree>
-  </p:cSld>
-  <p:clrMapOvr>
-    <a:masterClrMapping/>
-  </p:clrMapOvr>
-</p:sld>
-</file>
-
-<file path=ppt/slides/slide13.xml><?xml version="1.0" encoding="utf-8"?>
-<p:sld xmlns:a="http://schemas.openxmlformats.org/drawingml/2006/main" xmlns:r="http://schemas.openxmlformats.org/officeDocument/2006/relationships" xmlns:p="http://schemas.openxmlformats.org/presentationml/2006/main">
-  <p:cSld>
-    <p:bg>
-      <p:bgPr>
-        <a:solidFill>
-          <a:srgbClr val="FFFFFF"/>
-        </a:solidFill>
-        <a:effectLst/>
-      </p:bgPr>
-    </p:bg>
-    <p:spTree>
-      <p:nvGrpSpPr>
-        <p:cNvPr id="1" name=""/>
-        <p:cNvGrpSpPr/>
-        <p:nvPr/>
-      </p:nvGrpSpPr>
-      <p:grpSpPr>
-        <a:xfrm>
-          <a:off x="0" y="0"/>
-          <a:ext cx="0" cy="0"/>
-          <a:chOff x="0" y="0"/>
-          <a:chExt cx="0" cy="0"/>
-        </a:xfrm>
-      </p:grpSpPr>
-      <p:sp>
-        <p:nvSpPr>
-          <p:cNvPr id="2" name="Title 1"/>
-          <p:cNvSpPr>
-            <a:spLocks noGrp="1"/>
-          </p:cNvSpPr>
-          <p:nvPr>
-            <p:ph type="title"/>
-          </p:nvPr>
-        </p:nvSpPr>
-        <p:spPr/>
-        <p:txBody>
-          <a:bodyPr/>
-          <a:lstStyle/>
-          <a:p>
-            <a:endParaRPr/>
-          </a:p>
-        </p:txBody>
-      </p:sp>
-      <p:pic>
-        <p:nvPicPr>
-          <p:cNvPr id="3" name="Picture 2" descr="abstract_technology_background,_new_variation,_mai_converted_with_border.jpeg"/>
-          <p:cNvPicPr>
-            <a:picLocks noChangeAspect="1"/>
-          </p:cNvPicPr>
-          <p:nvPr/>
-        </p:nvPicPr>
-        <p:blipFill>
-          <a:blip r:embed="rId2"/>
-          <a:stretch>
-            <a:fillRect/>
-          </a:stretch>
-        </p:blipFill>
-        <p:spPr>
-          <a:xfrm>
-            <a:off x="0" y="0"/>
-            <a:ext cx="9144000" cy="6858000"/>
-          </a:xfrm>
-          <a:prstGeom prst="rect">
-            <a:avLst/>
-          </a:prstGeom>
-        </p:spPr>
-      </p:pic>
-      <p:sp>
-        <p:nvSpPr>
-          <p:cNvPr id="4" name="TextBox 3"/>
-          <p:cNvSpPr txBox="1"/>
-          <p:nvPr/>
-        </p:nvSpPr>
-        <p:spPr>
-          <a:xfrm>
-            <a:off x="0" y="457200"/>
-            <a:ext cx="9144000" cy="457200"/>
-          </a:xfrm>
-          <a:prstGeom prst="rect">
-            <a:avLst/>
-          </a:prstGeom>
-          <a:noFill/>
-        </p:spPr>
-        <p:txBody>
-          <a:bodyPr wrap="none">
-            <a:spAutoFit/>
-          </a:bodyPr>
-          <a:lstStyle/>
-          <a:p>
-            <a:pPr algn="ctr">
-              <a:defRPr sz="3200">
-                <a:solidFill>
-                  <a:srgbClr val="FFFFFF"/>
-                </a:solidFill>
-              </a:defRPr>
-            </a:pPr>
-            <a:r>
               <a:t>Questions/Réponses</a:t>
             </a:r>
           </a:p>
@@ -4009,8 +6716,8 @@
         </p:nvSpPr>
         <p:spPr>
           <a:xfrm>
-            <a:off x="0" y="1371600"/>
-            <a:ext cx="9144000" cy="3657600"/>
+            <a:off x="4444401" y="1371600"/>
+            <a:ext cx="255198" cy="400110"/>
           </a:xfrm>
           <a:prstGeom prst="rect">
             <a:avLst/>
@@ -4031,7 +6738,8 @@
               </a:defRPr>
             </a:pPr>
             <a:r>
-              <a:t>Impact de l'innovation technologique dans le secteur social.</a:t>
+              <a:rPr dirty="0"/>
+              <a:t>.</a:t>
             </a:r>
           </a:p>
         </p:txBody>
@@ -4528,7 +7236,7 @@
       </p:sp>
       <p:pic>
         <p:nvPicPr>
-          <p:cNvPr id="3" name="Picture 2" descr="abstract_technology_background_with_bright_colors,_converted_with_border.jpeg"/>
+          <p:cNvPr id="3" name="Picture 2" descr="abstract_technology_background,_different_variatio_converted_with_border.jpeg"/>
           <p:cNvPicPr>
             <a:picLocks noChangeAspect="1"/>
           </p:cNvPicPr>
@@ -4580,7 +7288,7 @@
               </a:defRPr>
             </a:pPr>
             <a:r>
-              <a:t>Introduction</a:t>
+              <a:t>Arrivée au Ministère</a:t>
             </a:r>
           </a:p>
         </p:txBody>
@@ -4615,7 +7323,7 @@
               </a:defRPr>
             </a:pPr>
             <a:r>
-              <a:t>Impact de l'innovation technologique dans le secteur social.</a:t>
+              <a:t>Expérience personnelle d'intégration au Ministère.</a:t>
             </a:r>
           </a:p>
         </p:txBody>
@@ -4668,13 +7376,13 @@
           <a:bodyPr/>
           <a:lstStyle/>
           <a:p>
-            <a:endParaRPr/>
+            <a:endParaRPr dirty="0"/>
           </a:p>
         </p:txBody>
       </p:sp>
       <p:pic>
         <p:nvPicPr>
-          <p:cNvPr id="3" name="Picture 2" descr="abstract_technology_background_with_vibrant_colors_converted_with_border.jpeg"/>
+          <p:cNvPr id="3" name="Picture 2" descr="abstract_technology_background,_new_variation,_mai_converted_with_border.jpeg"/>
           <p:cNvPicPr>
             <a:picLocks noChangeAspect="1"/>
           </p:cNvPicPr>
@@ -4726,7 +7434,7 @@
               </a:defRPr>
             </a:pPr>
             <a:r>
-              <a:t>Présentation du Ministère</a:t>
+              <a:t>Les Outils Utilisés</a:t>
             </a:r>
           </a:p>
         </p:txBody>
@@ -4761,7 +7469,32 @@
               </a:defRPr>
             </a:pPr>
             <a:r>
-              <a:t>Informations clés sur le Ministère du Travail.</a:t>
+              <a:rPr dirty="0"/>
+              <a:t>Aperçu des </a:t>
+            </a:r>
+            <a:r>
+              <a:rPr dirty="0" err="1"/>
+              <a:t>outils</a:t>
+            </a:r>
+            <a:r>
+              <a:rPr dirty="0"/>
+              <a:t> </a:t>
+            </a:r>
+            <a:r>
+              <a:rPr dirty="0" err="1"/>
+              <a:t>clés</a:t>
+            </a:r>
+            <a:r>
+              <a:rPr dirty="0"/>
+              <a:t> </a:t>
+            </a:r>
+            <a:r>
+              <a:rPr dirty="0" err="1"/>
+              <a:t>tels</a:t>
+            </a:r>
+            <a:r>
+              <a:rPr dirty="0"/>
+              <a:t> que Talend et PostgreSQL.</a:t>
             </a:r>
           </a:p>
         </p:txBody>
@@ -4820,7 +7553,7 @@
       </p:sp>
       <p:pic>
         <p:nvPicPr>
-          <p:cNvPr id="3" name="Picture 2" descr="abstract_technology_background,_different_variatio_converted_with_border.jpeg"/>
+          <p:cNvPr id="3" name="Picture 2" descr="abstract_technology_background,_new_variation,_mai_converted_with_border.jpeg"/>
           <p:cNvPicPr>
             <a:picLocks noChangeAspect="1"/>
           </p:cNvPicPr>
@@ -4872,7 +7605,7 @@
               </a:defRPr>
             </a:pPr>
             <a:r>
-              <a:t>Arrivée au Ministère</a:t>
+              <a:t>Développement de Cod'It</a:t>
             </a:r>
           </a:p>
         </p:txBody>
@@ -4907,7 +7640,7 @@
               </a:defRPr>
             </a:pPr>
             <a:r>
-              <a:t>Expérience personnelle d'intégration au Ministère.</a:t>
+              <a:t>Défis et succès dans le développement de Cod'It.</a:t>
             </a:r>
           </a:p>
         </p:txBody>
@@ -5018,7 +7751,7 @@
               </a:defRPr>
             </a:pPr>
             <a:r>
-              <a:t>Présentation de Cod’It</a:t>
+              <a:t>Conclusion</a:t>
             </a:r>
           </a:p>
         </p:txBody>
@@ -5053,7 +7786,7 @@
               </a:defRPr>
             </a:pPr>
             <a:r>
-              <a:t>Vue d'ensemble du projet Cod’It.</a:t>
+              <a:t>Récapitulatif des apprentissages et expériences.</a:t>
             </a:r>
           </a:p>
         </p:txBody>
@@ -5067,9 +7800,9 @@
 </file>
 
 <file path=ppt/theme/theme1.xml><?xml version="1.0" encoding="utf-8"?>
-<a:theme xmlns:a="http://schemas.openxmlformats.org/drawingml/2006/main" name="Office Theme">
+<a:theme xmlns:a="http://schemas.openxmlformats.org/drawingml/2006/main" name="Ion">
   <a:themeElements>
-    <a:clrScheme name="Office">
+    <a:clrScheme name="Ion">
       <a:dk1>
         <a:sysClr val="windowText" lastClr="000000"/>
       </a:dk1>
@@ -5077,42 +7810,42 @@
         <a:sysClr val="window" lastClr="FFFFFF"/>
       </a:lt1>
       <a:dk2>
-        <a:srgbClr val="1F497D"/>
+        <a:srgbClr val="1E5155"/>
       </a:dk2>
       <a:lt2>
-        <a:srgbClr val="EEECE1"/>
+        <a:srgbClr val="EBEBEB"/>
       </a:lt2>
       <a:accent1>
-        <a:srgbClr val="4F81BD"/>
+        <a:srgbClr val="B01513"/>
       </a:accent1>
       <a:accent2>
-        <a:srgbClr val="C0504D"/>
+        <a:srgbClr val="EA6312"/>
       </a:accent2>
       <a:accent3>
-        <a:srgbClr val="9BBB59"/>
+        <a:srgbClr val="E6B729"/>
       </a:accent3>
       <a:accent4>
-        <a:srgbClr val="8064A2"/>
+        <a:srgbClr val="6AAC90"/>
       </a:accent4>
       <a:accent5>
-        <a:srgbClr val="4BACC6"/>
+        <a:srgbClr val="5F9C9D"/>
       </a:accent5>
       <a:accent6>
-        <a:srgbClr val="F79646"/>
+        <a:srgbClr val="9E5E9B"/>
       </a:accent6>
       <a:hlink>
-        <a:srgbClr val="0000FF"/>
+        <a:srgbClr val="58C1BA"/>
       </a:hlink>
       <a:folHlink>
-        <a:srgbClr val="800080"/>
+        <a:srgbClr val="9DD0CB"/>
       </a:folHlink>
     </a:clrScheme>
-    <a:fontScheme name="Office">
+    <a:fontScheme name="Ion">
       <a:majorFont>
-        <a:latin typeface="Calibri"/>
+        <a:latin typeface="Century Gothic" panose="020B0502020202020204"/>
         <a:ea typeface=""/>
         <a:cs typeface=""/>
-        <a:font script="Jpan" typeface="ＭＳ Ｐゴシック"/>
+        <a:font script="Jpan" typeface="メイリオ"/>
         <a:font script="Hang" typeface="맑은 고딕"/>
         <a:font script="Hans" typeface="宋体"/>
         <a:font script="Hant" typeface="新細明體"/>
@@ -5144,10 +7877,10 @@
         <a:font script="Geor" typeface="Sylfaen"/>
       </a:majorFont>
       <a:minorFont>
-        <a:latin typeface="Calibri"/>
+        <a:latin typeface="Century Gothic" panose="020B0502020202020204"/>
         <a:ea typeface=""/>
         <a:cs typeface=""/>
-        <a:font script="Jpan" typeface="ＭＳ Ｐゴシック"/>
+        <a:font script="Jpan" typeface="メイリオ"/>
         <a:font script="Hang" typeface="맑은 고딕"/>
         <a:font script="Hans" typeface="宋体"/>
         <a:font script="Hant" typeface="新細明體"/>
@@ -5179,7 +7912,7 @@
         <a:font script="Geor" typeface="Sylfaen"/>
       </a:minorFont>
     </a:fontScheme>
-    <a:fmtScheme name="Office">
+    <a:fmtScheme name="Ion">
       <a:fillStyleLst>
         <a:solidFill>
           <a:schemeClr val="phClr"/>
@@ -5188,62 +7921,52 @@
           <a:gsLst>
             <a:gs pos="0">
               <a:schemeClr val="phClr">
-                <a:tint val="50000"/>
-                <a:satMod val="300000"/>
-              </a:schemeClr>
-            </a:gs>
-            <a:gs pos="35000">
-              <a:schemeClr val="phClr">
-                <a:tint val="37000"/>
-                <a:satMod val="300000"/>
+                <a:tint val="64000"/>
+                <a:lumMod val="118000"/>
               </a:schemeClr>
             </a:gs>
             <a:gs pos="100000">
               <a:schemeClr val="phClr">
-                <a:tint val="15000"/>
-                <a:satMod val="350000"/>
+                <a:tint val="92000"/>
+                <a:alpha val="100000"/>
+                <a:lumMod val="110000"/>
               </a:schemeClr>
             </a:gs>
           </a:gsLst>
-          <a:lin ang="16200000" scaled="1"/>
+          <a:lin ang="5400000" scaled="0"/>
         </a:gradFill>
         <a:gradFill rotWithShape="1">
           <a:gsLst>
             <a:gs pos="0">
               <a:schemeClr val="phClr">
-                <a:tint val="100000"/>
-                <a:shade val="100000"/>
-                <a:satMod val="130000"/>
+                <a:tint val="98000"/>
+                <a:lumMod val="114000"/>
               </a:schemeClr>
             </a:gs>
             <a:gs pos="100000">
               <a:schemeClr val="phClr">
-                <a:tint val="50000"/>
-                <a:shade val="100000"/>
-                <a:satMod val="350000"/>
+                <a:shade val="90000"/>
+                <a:lumMod val="84000"/>
               </a:schemeClr>
             </a:gs>
           </a:gsLst>
-          <a:lin ang="16200000" scaled="0"/>
+          <a:lin ang="5400000" scaled="0"/>
         </a:gradFill>
       </a:fillStyleLst>
       <a:lnStyleLst>
-        <a:ln w="9525" cap="flat" cmpd="sng" algn="ctr">
-          <a:solidFill>
-            <a:schemeClr val="phClr">
-              <a:shade val="95000"/>
-              <a:satMod val="105000"/>
-            </a:schemeClr>
-          </a:solidFill>
-          <a:prstDash val="solid"/>
-        </a:ln>
-        <a:ln w="25400" cap="flat" cmpd="sng" algn="ctr">
+        <a:ln w="9525" cap="rnd" cmpd="sng" algn="ctr">
           <a:solidFill>
             <a:schemeClr val="phClr"/>
           </a:solidFill>
           <a:prstDash val="solid"/>
         </a:ln>
-        <a:ln w="38100" cap="flat" cmpd="sng" algn="ctr">
+        <a:ln w="19050" cap="rnd" cmpd="sng" algn="ctr">
+          <a:solidFill>
+            <a:schemeClr val="phClr"/>
+          </a:solidFill>
+          <a:prstDash val="solid"/>
+        </a:ln>
+        <a:ln w="28575" cap="rnd" cmpd="sng" algn="ctr">
           <a:solidFill>
             <a:schemeClr val="phClr"/>
           </a:solidFill>
@@ -5252,28 +7975,22 @@
       </a:lnStyleLst>
       <a:effectStyleLst>
         <a:effectStyle>
+          <a:effectLst/>
+        </a:effectStyle>
+        <a:effectStyle>
           <a:effectLst>
-            <a:outerShdw blurRad="40000" dist="20000" dir="5400000" rotWithShape="0">
+            <a:outerShdw blurRad="38100" dist="25400" dir="5400000" rotWithShape="0">
               <a:srgbClr val="000000">
-                <a:alpha val="38000"/>
+                <a:alpha val="45000"/>
               </a:srgbClr>
             </a:outerShdw>
           </a:effectLst>
         </a:effectStyle>
         <a:effectStyle>
           <a:effectLst>
-            <a:outerShdw blurRad="40000" dist="23000" dir="5400000" rotWithShape="0">
+            <a:outerShdw blurRad="63500" dist="38100" dir="5400000" rotWithShape="0">
               <a:srgbClr val="000000">
-                <a:alpha val="35000"/>
-              </a:srgbClr>
-            </a:outerShdw>
-          </a:effectLst>
-        </a:effectStyle>
-        <a:effectStyle>
-          <a:effectLst>
-            <a:outerShdw blurRad="40000" dist="23000" dir="5400000" rotWithShape="0">
-              <a:srgbClr val="000000">
-                <a:alpha val="35000"/>
+                <a:alpha val="60000"/>
               </a:srgbClr>
             </a:outerShdw>
           </a:effectLst>
@@ -5281,12 +7998,10 @@
             <a:camera prst="orthographicFront">
               <a:rot lat="0" lon="0" rev="0"/>
             </a:camera>
-            <a:lightRig rig="threePt" dir="t">
-              <a:rot lat="0" lon="0" rev="1200000"/>
-            </a:lightRig>
+            <a:lightRig rig="threePt" dir="tl"/>
           </a:scene3d>
-          <a:sp3d>
-            <a:bevelT w="63500" h="25400"/>
+          <a:sp3d prstMaterial="plastic">
+            <a:bevelT w="0" h="0"/>
           </a:sp3d>
         </a:effectStyle>
       </a:effectStyleLst>
@@ -5298,90 +8013,54 @@
           <a:gsLst>
             <a:gs pos="0">
               <a:schemeClr val="phClr">
-                <a:tint val="40000"/>
-                <a:satMod val="350000"/>
-              </a:schemeClr>
-            </a:gs>
-            <a:gs pos="40000">
-              <a:schemeClr val="phClr">
-                <a:tint val="45000"/>
-                <a:shade val="99000"/>
-                <a:satMod val="350000"/>
+                <a:tint val="97000"/>
+                <a:hueMod val="88000"/>
+                <a:satMod val="130000"/>
+                <a:lumMod val="124000"/>
               </a:schemeClr>
             </a:gs>
             <a:gs pos="100000">
               <a:schemeClr val="phClr">
-                <a:shade val="20000"/>
-                <a:satMod val="255000"/>
+                <a:tint val="96000"/>
+                <a:shade val="88000"/>
+                <a:hueMod val="108000"/>
+                <a:satMod val="164000"/>
+                <a:lumMod val="76000"/>
               </a:schemeClr>
             </a:gs>
           </a:gsLst>
           <a:path path="circle">
-            <a:fillToRect l="50000" t="-80000" r="50000" b="180000"/>
+            <a:fillToRect l="45000" t="65000" r="125000" b="100000"/>
           </a:path>
         </a:gradFill>
-        <a:gradFill rotWithShape="1">
-          <a:gsLst>
-            <a:gs pos="0">
+        <a:blipFill rotWithShape="1">
+          <a:blip xmlns:r="http://schemas.openxmlformats.org/officeDocument/2006/relationships" r:embed="rId1">
+            <a:duotone>
               <a:schemeClr val="phClr">
-                <a:tint val="80000"/>
-                <a:satMod val="300000"/>
+                <a:shade val="69000"/>
+                <a:hueMod val="108000"/>
+                <a:satMod val="164000"/>
+                <a:lumMod val="74000"/>
               </a:schemeClr>
-            </a:gs>
-            <a:gs pos="100000">
               <a:schemeClr val="phClr">
-                <a:shade val="30000"/>
-                <a:satMod val="200000"/>
+                <a:tint val="96000"/>
+                <a:hueMod val="88000"/>
+                <a:satMod val="140000"/>
+                <a:lumMod val="132000"/>
               </a:schemeClr>
-            </a:gs>
-          </a:gsLst>
-          <a:path path="circle">
-            <a:fillToRect l="50000" t="50000" r="50000" b="50000"/>
-          </a:path>
-        </a:gradFill>
+            </a:duotone>
+          </a:blip>
+          <a:stretch/>
+        </a:blipFill>
       </a:bgFillStyleLst>
     </a:fmtScheme>
   </a:themeElements>
-  <a:objectDefaults>
-    <a:spDef>
-      <a:spPr/>
-      <a:bodyPr/>
-      <a:lstStyle/>
-      <a:style>
-        <a:lnRef idx="1">
-          <a:schemeClr val="accent1"/>
-        </a:lnRef>
-        <a:fillRef idx="3">
-          <a:schemeClr val="accent1"/>
-        </a:fillRef>
-        <a:effectRef idx="2">
-          <a:schemeClr val="accent1"/>
-        </a:effectRef>
-        <a:fontRef idx="minor">
-          <a:schemeClr val="lt1"/>
-        </a:fontRef>
-      </a:style>
-    </a:spDef>
-    <a:lnDef>
-      <a:spPr/>
-      <a:bodyPr/>
-      <a:lstStyle/>
-      <a:style>
-        <a:lnRef idx="2">
-          <a:schemeClr val="accent1"/>
-        </a:lnRef>
-        <a:fillRef idx="0">
-          <a:schemeClr val="accent1"/>
-        </a:fillRef>
-        <a:effectRef idx="1">
-          <a:schemeClr val="accent1"/>
-        </a:effectRef>
-        <a:fontRef idx="minor">
-          <a:schemeClr val="tx1"/>
-        </a:fontRef>
-      </a:style>
-    </a:lnDef>
-  </a:objectDefaults>
+  <a:objectDefaults/>
   <a:extraClrSchemeLst/>
+  <a:extLst>
+    <a:ext uri="{05A4C25C-085E-4340-85A3-A5531E510DB2}">
+      <thm15:themeFamily xmlns:thm15="http://schemas.microsoft.com/office/thememl/2012/main" name="Ion" id="{B8441ADB-2E43-4AF7-B97A-BD870242C6A8}" vid="{292E63A9-BB86-4E3D-B92A-7223C6510D2E}"/>
+    </a:ext>
+  </a:extLst>
 </a:theme>
 </file>